--- a/0_Document/크루모빌PPT틀.pptx
+++ b/0_Document/크루모빌PPT틀.pptx
@@ -6,13 +6,22 @@
   </p:sldMasterIdLst>
   <p:sldIdLst>
     <p:sldId id="256" r:id="rId2"/>
-    <p:sldId id="257" r:id="rId3"/>
-    <p:sldId id="258" r:id="rId4"/>
-    <p:sldId id="259" r:id="rId5"/>
-    <p:sldId id="261" r:id="rId6"/>
-    <p:sldId id="262" r:id="rId7"/>
-    <p:sldId id="263" r:id="rId8"/>
-    <p:sldId id="260" r:id="rId9"/>
+    <p:sldId id="266" r:id="rId3"/>
+    <p:sldId id="257" r:id="rId4"/>
+    <p:sldId id="265" r:id="rId5"/>
+    <p:sldId id="262" r:id="rId6"/>
+    <p:sldId id="263" r:id="rId7"/>
+    <p:sldId id="267" r:id="rId8"/>
+    <p:sldId id="268" r:id="rId9"/>
+    <p:sldId id="269" r:id="rId10"/>
+    <p:sldId id="272" r:id="rId11"/>
+    <p:sldId id="275" r:id="rId12"/>
+    <p:sldId id="270" r:id="rId13"/>
+    <p:sldId id="259" r:id="rId14"/>
+    <p:sldId id="274" r:id="rId15"/>
+    <p:sldId id="264" r:id="rId16"/>
+    <p:sldId id="258" r:id="rId17"/>
+    <p:sldId id="271" r:id="rId18"/>
   </p:sldIdLst>
   <p:sldSz cx="12192000" cy="6858000"/>
   <p:notesSz cx="6858000" cy="9144000"/>
@@ -111,6 +120,11 @@
       </a:defRPr>
     </a:lvl9pPr>
   </p:defaultTextStyle>
+  <p:extLst>
+    <p:ext uri="{EFAFB233-063F-42B5-8137-9DF3F51BA10A}">
+      <p15:sldGuideLst xmlns:p15="http://schemas.microsoft.com/office/powerpoint/2012/main"/>
+    </p:ext>
+  </p:extLst>
 </p:presentation>
 </file>
 
@@ -3342,8 +3356,8 @@
         </p:nvSpPr>
         <p:spPr>
           <a:xfrm>
-            <a:off x="6387738" y="1188484"/>
-            <a:ext cx="5286102" cy="1292662"/>
+            <a:off x="1469571" y="819152"/>
+            <a:ext cx="10204269" cy="2031325"/>
           </a:xfrm>
           <a:prstGeom prst="rect">
             <a:avLst/>
@@ -3358,7 +3372,47 @@
           <a:p>
             <a:pPr algn="r"/>
             <a:r>
-              <a:rPr lang="en-US" altLang="ko-KR" sz="5400" b="1" dirty="0">
+              <a:rPr lang="en-US" altLang="ko-KR" sz="7200" b="1" dirty="0" err="1">
+                <a:solidFill>
+                  <a:schemeClr val="tx1">
+                    <a:lumMod val="50000"/>
+                    <a:lumOff val="50000"/>
+                  </a:schemeClr>
+                </a:solidFill>
+                <a:effectLst>
+                  <a:outerShdw blurRad="38100" dist="38100" dir="2700000" algn="tl">
+                    <a:srgbClr val="000000">
+                      <a:alpha val="43137"/>
+                    </a:srgbClr>
+                  </a:outerShdw>
+                </a:effectLst>
+                <a:latin typeface="+mj-lt"/>
+                <a:cs typeface="Arial" pitchFamily="34" charset="0"/>
+              </a:rPr>
+              <a:t>CrewMobile</a:t>
+            </a:r>
+            <a:endParaRPr lang="en-US" altLang="ko-KR" sz="7200" b="1" dirty="0">
+              <a:solidFill>
+                <a:schemeClr val="tx1">
+                  <a:lumMod val="50000"/>
+                  <a:lumOff val="50000"/>
+                </a:schemeClr>
+              </a:solidFill>
+              <a:effectLst>
+                <a:outerShdw blurRad="38100" dist="38100" dir="2700000" algn="tl">
+                  <a:srgbClr val="000000">
+                    <a:alpha val="43137"/>
+                  </a:srgbClr>
+                </a:outerShdw>
+              </a:effectLst>
+              <a:latin typeface="+mj-lt"/>
+              <a:cs typeface="Arial" pitchFamily="34" charset="0"/>
+            </a:endParaRPr>
+          </a:p>
+          <a:p>
+            <a:pPr algn="r"/>
+            <a:r>
+              <a:rPr lang="en-US" altLang="ko-KR" b="1" dirty="0">
                 <a:solidFill>
                   <a:schemeClr val="tx1">
                     <a:lumMod val="50000"/>
@@ -3381,7 +3435,7 @@
           <a:p>
             <a:pPr algn="r"/>
             <a:r>
-              <a:rPr lang="en-US" altLang="ko-KR" sz="1200" dirty="0">
+              <a:rPr lang="en-US" altLang="ko-KR" dirty="0">
                 <a:solidFill>
                   <a:schemeClr val="tx1">
                     <a:lumMod val="50000"/>
@@ -3394,7 +3448,7 @@
               <a:t>Crew </a:t>
             </a:r>
             <a:r>
-              <a:rPr lang="ko-KR" altLang="en-US" sz="1200" dirty="0">
+              <a:rPr lang="ko-KR" altLang="en-US" dirty="0">
                 <a:solidFill>
                   <a:schemeClr val="tx1">
                     <a:lumMod val="50000"/>
@@ -3407,7 +3461,7 @@
               <a:t>선원</a:t>
             </a:r>
             <a:r>
-              <a:rPr lang="en-US" altLang="ko-KR" sz="1200" dirty="0">
+              <a:rPr lang="en-US" altLang="ko-KR" dirty="0">
                 <a:solidFill>
                   <a:schemeClr val="tx1">
                     <a:lumMod val="50000"/>
@@ -3420,7 +3474,7 @@
               <a:t>, </a:t>
             </a:r>
             <a:r>
-              <a:rPr lang="ko-KR" altLang="en-US" sz="1200" dirty="0">
+              <a:rPr lang="ko-KR" altLang="en-US" dirty="0">
                 <a:solidFill>
                   <a:schemeClr val="tx1">
                     <a:lumMod val="50000"/>
@@ -3432,7 +3486,7 @@
               </a:rPr>
               <a:t>혹은 승무원</a:t>
             </a:r>
-            <a:endParaRPr lang="en-US" altLang="ko-KR" sz="1200" dirty="0">
+            <a:endParaRPr lang="en-US" altLang="ko-KR" dirty="0">
               <a:solidFill>
                 <a:schemeClr val="tx1">
                   <a:lumMod val="50000"/>
@@ -3446,7 +3500,7 @@
           <a:p>
             <a:pPr algn="r"/>
             <a:r>
-              <a:rPr lang="ko-KR" altLang="en-US" sz="1200" dirty="0">
+              <a:rPr lang="ko-KR" altLang="en-US" dirty="0">
                 <a:solidFill>
                   <a:schemeClr val="tx1">
                     <a:lumMod val="50000"/>
@@ -3456,10 +3510,10 @@
                 <a:latin typeface="+mj-lt"/>
                 <a:cs typeface="Arial" pitchFamily="34" charset="0"/>
               </a:rPr>
-              <a:t>자동차 </a:t>
-            </a:r>
-            <a:r>
-              <a:rPr lang="en-US" altLang="ko-KR" sz="1200" dirty="0">
+              <a:t>움직인다는 의미의 </a:t>
+            </a:r>
+            <a:r>
+              <a:rPr lang="en-US" altLang="ko-KR" dirty="0">
                 <a:solidFill>
                   <a:schemeClr val="tx1">
                     <a:lumMod val="50000"/>
@@ -3469,36 +3523,10 @@
                 <a:latin typeface="+mj-lt"/>
                 <a:cs typeface="Arial" pitchFamily="34" charset="0"/>
               </a:rPr>
-              <a:t>(automobile)</a:t>
-            </a:r>
-            <a:r>
-              <a:rPr lang="ko-KR" altLang="en-US" sz="1200" dirty="0">
-                <a:solidFill>
-                  <a:schemeClr val="tx1">
-                    <a:lumMod val="50000"/>
-                    <a:lumOff val="50000"/>
-                  </a:schemeClr>
-                </a:solidFill>
-                <a:latin typeface="+mj-lt"/>
-                <a:cs typeface="Arial" pitchFamily="34" charset="0"/>
-              </a:rPr>
-              <a:t> 의 </a:t>
-            </a:r>
-            <a:r>
-              <a:rPr lang="en-US" altLang="ko-KR" sz="1200" dirty="0">
-                <a:solidFill>
-                  <a:schemeClr val="tx1">
-                    <a:lumMod val="50000"/>
-                    <a:lumOff val="50000"/>
-                  </a:schemeClr>
-                </a:solidFill>
-                <a:latin typeface="+mj-lt"/>
-                <a:cs typeface="Arial" pitchFamily="34" charset="0"/>
-              </a:rPr>
-              <a:t>mobile </a:t>
-            </a:r>
-            <a:r>
-              <a:rPr lang="ko-KR" altLang="en-US" sz="1200" dirty="0">
+              <a:t>Mobile </a:t>
+            </a:r>
+            <a:r>
+              <a:rPr lang="ko-KR" altLang="en-US" dirty="0">
                 <a:solidFill>
                   <a:schemeClr val="tx1">
                     <a:lumMod val="50000"/>
@@ -3515,10 +3543,10 @@
       </p:sp>
       <p:sp>
         <p:nvSpPr>
-          <p:cNvPr id="6" name="TextBox 5">
-            <a:extLst>
-              <a:ext uri="{FF2B5EF4-FFF2-40B4-BE49-F238E27FC236}">
-                <a16:creationId xmlns:a16="http://schemas.microsoft.com/office/drawing/2014/main" id="{6940D1C4-4E38-42C9-BE4A-23EADD4B9123}"/>
+          <p:cNvPr id="5" name="TextBox 4">
+            <a:extLst>
+              <a:ext uri="{FF2B5EF4-FFF2-40B4-BE49-F238E27FC236}">
+                <a16:creationId xmlns:a16="http://schemas.microsoft.com/office/drawing/2014/main" id="{33A1AB9E-9278-4F8F-120D-F8E3C9B060F3}"/>
               </a:ext>
             </a:extLst>
           </p:cNvPr>
@@ -3527,8 +3555,8 @@
         </p:nvSpPr>
         <p:spPr>
           <a:xfrm>
-            <a:off x="6387738" y="2481146"/>
-            <a:ext cx="5286102" cy="379656"/>
+            <a:off x="6387738" y="5659289"/>
+            <a:ext cx="5286102" cy="400110"/>
           </a:xfrm>
           <a:prstGeom prst="rect">
             <a:avLst/>
@@ -3543,7 +3571,7 @@
           <a:p>
             <a:pPr algn="r"/>
             <a:r>
-              <a:rPr lang="en-US" altLang="ko-KR" sz="1867" dirty="0">
+              <a:rPr lang="ko-KR" altLang="en-US" sz="2000" dirty="0" err="1">
                 <a:solidFill>
                   <a:schemeClr val="tx1">
                     <a:lumMod val="50000"/>
@@ -3559,9 +3587,9 @@
                 </a:effectLst>
                 <a:cs typeface="Arial" pitchFamily="34" charset="0"/>
               </a:rPr>
-              <a:t>Project G</a:t>
-            </a:r>
-            <a:endParaRPr lang="ko-KR" altLang="en-US" sz="1867" dirty="0">
+              <a:t>오수안</a:t>
+            </a:r>
+            <a:endParaRPr lang="ko-KR" altLang="en-US" sz="2000" dirty="0">
               <a:solidFill>
                 <a:schemeClr val="tx1">
                   <a:lumMod val="50000"/>
@@ -3584,6 +3612,3862 @@
     <p:extLst>
       <p:ext uri="{BB962C8B-B14F-4D97-AF65-F5344CB8AC3E}">
         <p14:creationId xmlns:p14="http://schemas.microsoft.com/office/powerpoint/2010/main" val="1294682766"/>
+      </p:ext>
+    </p:extLst>
+  </p:cSld>
+  <p:clrMapOvr>
+    <a:masterClrMapping/>
+  </p:clrMapOvr>
+</p:sld>
+</file>
+
+<file path=ppt/slides/slide10.xml><?xml version="1.0" encoding="utf-8"?>
+<p:sld xmlns:a="http://schemas.openxmlformats.org/drawingml/2006/main" xmlns:r="http://schemas.openxmlformats.org/officeDocument/2006/relationships" xmlns:p="http://schemas.openxmlformats.org/presentationml/2006/main">
+  <p:cSld>
+    <p:spTree>
+      <p:nvGrpSpPr>
+        <p:cNvPr id="1" name=""/>
+        <p:cNvGrpSpPr/>
+        <p:nvPr/>
+      </p:nvGrpSpPr>
+      <p:grpSpPr>
+        <a:xfrm>
+          <a:off x="0" y="0"/>
+          <a:ext cx="0" cy="0"/>
+          <a:chOff x="0" y="0"/>
+          <a:chExt cx="0" cy="0"/>
+        </a:xfrm>
+      </p:grpSpPr>
+      <p:sp>
+        <p:nvSpPr>
+          <p:cNvPr id="39" name="직사각형 38">
+            <a:extLst>
+              <a:ext uri="{FF2B5EF4-FFF2-40B4-BE49-F238E27FC236}">
+                <a16:creationId xmlns:a16="http://schemas.microsoft.com/office/drawing/2014/main" id="{D33303CD-8B93-B17E-C459-1EE35D684E66}"/>
+              </a:ext>
+            </a:extLst>
+          </p:cNvPr>
+          <p:cNvSpPr/>
+          <p:nvPr/>
+        </p:nvSpPr>
+        <p:spPr>
+          <a:xfrm>
+            <a:off x="0" y="3772334"/>
+            <a:ext cx="12192000" cy="283335"/>
+          </a:xfrm>
+          <a:prstGeom prst="rect">
+            <a:avLst/>
+          </a:prstGeom>
+          <a:ln>
+            <a:noFill/>
+          </a:ln>
+        </p:spPr>
+        <p:style>
+          <a:lnRef idx="2">
+            <a:schemeClr val="accent1">
+              <a:shade val="15000"/>
+            </a:schemeClr>
+          </a:lnRef>
+          <a:fillRef idx="1">
+            <a:schemeClr val="accent1"/>
+          </a:fillRef>
+          <a:effectRef idx="0">
+            <a:schemeClr val="accent1"/>
+          </a:effectRef>
+          <a:fontRef idx="minor">
+            <a:schemeClr val="lt1"/>
+          </a:fontRef>
+        </p:style>
+        <p:txBody>
+          <a:bodyPr rtlCol="0" anchor="ctr"/>
+          <a:lstStyle/>
+          <a:p>
+            <a:pPr algn="ctr"/>
+            <a:endParaRPr lang="ko-KR" altLang="en-US"/>
+          </a:p>
+        </p:txBody>
+      </p:sp>
+      <p:sp>
+        <p:nvSpPr>
+          <p:cNvPr id="2" name="제목 1">
+            <a:extLst>
+              <a:ext uri="{FF2B5EF4-FFF2-40B4-BE49-F238E27FC236}">
+                <a16:creationId xmlns:a16="http://schemas.microsoft.com/office/drawing/2014/main" id="{18B15778-FB71-F1F9-33F2-4CE382D15320}"/>
+              </a:ext>
+            </a:extLst>
+          </p:cNvPr>
+          <p:cNvSpPr>
+            <a:spLocks noGrp="1"/>
+          </p:cNvSpPr>
+          <p:nvPr>
+            <p:ph type="title"/>
+          </p:nvPr>
+        </p:nvSpPr>
+        <p:spPr/>
+        <p:txBody>
+          <a:bodyPr/>
+          <a:lstStyle/>
+          <a:p>
+            <a:r>
+              <a:rPr lang="ko-KR" altLang="en-US" dirty="0"/>
+              <a:t>일정</a:t>
+            </a:r>
+          </a:p>
+        </p:txBody>
+      </p:sp>
+      <p:sp>
+        <p:nvSpPr>
+          <p:cNvPr id="14" name="타원 13">
+            <a:extLst>
+              <a:ext uri="{FF2B5EF4-FFF2-40B4-BE49-F238E27FC236}">
+                <a16:creationId xmlns:a16="http://schemas.microsoft.com/office/drawing/2014/main" id="{3C0D3DD1-1C71-81C6-4070-12207EB3D064}"/>
+              </a:ext>
+            </a:extLst>
+          </p:cNvPr>
+          <p:cNvSpPr/>
+          <p:nvPr/>
+        </p:nvSpPr>
+        <p:spPr>
+          <a:xfrm>
+            <a:off x="1927269" y="3429000"/>
+            <a:ext cx="978794" cy="978794"/>
+          </a:xfrm>
+          <a:prstGeom prst="ellipse">
+            <a:avLst/>
+          </a:prstGeom>
+          <a:solidFill>
+            <a:schemeClr val="bg1">
+              <a:alpha val="97000"/>
+            </a:schemeClr>
+          </a:solidFill>
+        </p:spPr>
+        <p:style>
+          <a:lnRef idx="2">
+            <a:schemeClr val="accent1">
+              <a:shade val="15000"/>
+            </a:schemeClr>
+          </a:lnRef>
+          <a:fillRef idx="1">
+            <a:schemeClr val="accent1"/>
+          </a:fillRef>
+          <a:effectRef idx="0">
+            <a:schemeClr val="accent1"/>
+          </a:effectRef>
+          <a:fontRef idx="minor">
+            <a:schemeClr val="lt1"/>
+          </a:fontRef>
+        </p:style>
+        <p:txBody>
+          <a:bodyPr rtlCol="0" anchor="ctr"/>
+          <a:lstStyle/>
+          <a:p>
+            <a:pPr algn="ctr"/>
+            <a:r>
+              <a:rPr lang="en-US" altLang="ko-KR" dirty="0">
+                <a:solidFill>
+                  <a:schemeClr val="tx1"/>
+                </a:solidFill>
+              </a:rPr>
+              <a:t>9</a:t>
+            </a:r>
+            <a:r>
+              <a:rPr lang="ko-KR" altLang="en-US" dirty="0">
+                <a:solidFill>
+                  <a:schemeClr val="tx1"/>
+                </a:solidFill>
+              </a:rPr>
+              <a:t>월</a:t>
+            </a:r>
+          </a:p>
+        </p:txBody>
+      </p:sp>
+      <p:sp>
+        <p:nvSpPr>
+          <p:cNvPr id="15" name="타원 14">
+            <a:extLst>
+              <a:ext uri="{FF2B5EF4-FFF2-40B4-BE49-F238E27FC236}">
+                <a16:creationId xmlns:a16="http://schemas.microsoft.com/office/drawing/2014/main" id="{723E5B57-60E2-830C-DCC6-B2B70A8494B3}"/>
+              </a:ext>
+            </a:extLst>
+          </p:cNvPr>
+          <p:cNvSpPr/>
+          <p:nvPr/>
+        </p:nvSpPr>
+        <p:spPr>
+          <a:xfrm>
+            <a:off x="7755393" y="3428999"/>
+            <a:ext cx="978794" cy="978794"/>
+          </a:xfrm>
+          <a:prstGeom prst="ellipse">
+            <a:avLst/>
+          </a:prstGeom>
+          <a:solidFill>
+            <a:schemeClr val="bg1"/>
+          </a:solidFill>
+        </p:spPr>
+        <p:style>
+          <a:lnRef idx="2">
+            <a:schemeClr val="accent1">
+              <a:shade val="15000"/>
+            </a:schemeClr>
+          </a:lnRef>
+          <a:fillRef idx="1">
+            <a:schemeClr val="accent1"/>
+          </a:fillRef>
+          <a:effectRef idx="0">
+            <a:schemeClr val="accent1"/>
+          </a:effectRef>
+          <a:fontRef idx="minor">
+            <a:schemeClr val="lt1"/>
+          </a:fontRef>
+        </p:style>
+        <p:txBody>
+          <a:bodyPr rtlCol="0" anchor="ctr"/>
+          <a:lstStyle/>
+          <a:p>
+            <a:pPr algn="ctr"/>
+            <a:r>
+              <a:rPr lang="en-US" altLang="ko-KR" dirty="0">
+                <a:solidFill>
+                  <a:schemeClr val="tx1"/>
+                </a:solidFill>
+              </a:rPr>
+              <a:t>12</a:t>
+            </a:r>
+            <a:r>
+              <a:rPr lang="ko-KR" altLang="en-US" dirty="0">
+                <a:solidFill>
+                  <a:schemeClr val="tx1"/>
+                </a:solidFill>
+              </a:rPr>
+              <a:t>월</a:t>
+            </a:r>
+          </a:p>
+        </p:txBody>
+      </p:sp>
+      <p:sp>
+        <p:nvSpPr>
+          <p:cNvPr id="16" name="타원 15">
+            <a:extLst>
+              <a:ext uri="{FF2B5EF4-FFF2-40B4-BE49-F238E27FC236}">
+                <a16:creationId xmlns:a16="http://schemas.microsoft.com/office/drawing/2014/main" id="{BA345C7A-0747-32F5-4F39-3F4F3BAEDBAF}"/>
+              </a:ext>
+            </a:extLst>
+          </p:cNvPr>
+          <p:cNvSpPr/>
+          <p:nvPr/>
+        </p:nvSpPr>
+        <p:spPr>
+          <a:xfrm>
+            <a:off x="9698101" y="3428999"/>
+            <a:ext cx="978794" cy="978794"/>
+          </a:xfrm>
+          <a:prstGeom prst="ellipse">
+            <a:avLst/>
+          </a:prstGeom>
+          <a:solidFill>
+            <a:schemeClr val="bg1"/>
+          </a:solidFill>
+        </p:spPr>
+        <p:style>
+          <a:lnRef idx="2">
+            <a:schemeClr val="accent1">
+              <a:shade val="15000"/>
+            </a:schemeClr>
+          </a:lnRef>
+          <a:fillRef idx="1">
+            <a:schemeClr val="accent1"/>
+          </a:fillRef>
+          <a:effectRef idx="0">
+            <a:schemeClr val="accent1"/>
+          </a:effectRef>
+          <a:fontRef idx="minor">
+            <a:schemeClr val="lt1"/>
+          </a:fontRef>
+        </p:style>
+        <p:txBody>
+          <a:bodyPr rtlCol="0" anchor="ctr"/>
+          <a:lstStyle/>
+          <a:p>
+            <a:pPr algn="ctr"/>
+            <a:r>
+              <a:rPr lang="en-US" altLang="ko-KR" dirty="0">
+                <a:solidFill>
+                  <a:schemeClr val="tx1"/>
+                </a:solidFill>
+              </a:rPr>
+              <a:t>1</a:t>
+            </a:r>
+            <a:r>
+              <a:rPr lang="ko-KR" altLang="en-US" dirty="0">
+                <a:solidFill>
+                  <a:schemeClr val="tx1"/>
+                </a:solidFill>
+              </a:rPr>
+              <a:t>월</a:t>
+            </a:r>
+          </a:p>
+        </p:txBody>
+      </p:sp>
+      <p:sp>
+        <p:nvSpPr>
+          <p:cNvPr id="23" name="타원 22">
+            <a:extLst>
+              <a:ext uri="{FF2B5EF4-FFF2-40B4-BE49-F238E27FC236}">
+                <a16:creationId xmlns:a16="http://schemas.microsoft.com/office/drawing/2014/main" id="{76AFCABD-1DAB-671A-03A6-C90A2DCEABFE}"/>
+              </a:ext>
+            </a:extLst>
+          </p:cNvPr>
+          <p:cNvSpPr/>
+          <p:nvPr/>
+        </p:nvSpPr>
+        <p:spPr>
+          <a:xfrm>
+            <a:off x="3869977" y="3429000"/>
+            <a:ext cx="978794" cy="978794"/>
+          </a:xfrm>
+          <a:prstGeom prst="ellipse">
+            <a:avLst/>
+          </a:prstGeom>
+          <a:solidFill>
+            <a:schemeClr val="bg1"/>
+          </a:solidFill>
+        </p:spPr>
+        <p:style>
+          <a:lnRef idx="2">
+            <a:schemeClr val="accent1">
+              <a:shade val="15000"/>
+            </a:schemeClr>
+          </a:lnRef>
+          <a:fillRef idx="1">
+            <a:schemeClr val="accent1"/>
+          </a:fillRef>
+          <a:effectRef idx="0">
+            <a:schemeClr val="accent1"/>
+          </a:effectRef>
+          <a:fontRef idx="minor">
+            <a:schemeClr val="lt1"/>
+          </a:fontRef>
+        </p:style>
+        <p:txBody>
+          <a:bodyPr rtlCol="0" anchor="ctr"/>
+          <a:lstStyle/>
+          <a:p>
+            <a:pPr algn="ctr"/>
+            <a:r>
+              <a:rPr lang="en-US" altLang="ko-KR" dirty="0">
+                <a:solidFill>
+                  <a:schemeClr val="tx1"/>
+                </a:solidFill>
+              </a:rPr>
+              <a:t>10</a:t>
+            </a:r>
+            <a:r>
+              <a:rPr lang="ko-KR" altLang="en-US" dirty="0">
+                <a:solidFill>
+                  <a:schemeClr val="tx1"/>
+                </a:solidFill>
+              </a:rPr>
+              <a:t>월</a:t>
+            </a:r>
+          </a:p>
+        </p:txBody>
+      </p:sp>
+      <p:sp>
+        <p:nvSpPr>
+          <p:cNvPr id="25" name="타원 24">
+            <a:extLst>
+              <a:ext uri="{FF2B5EF4-FFF2-40B4-BE49-F238E27FC236}">
+                <a16:creationId xmlns:a16="http://schemas.microsoft.com/office/drawing/2014/main" id="{8949252E-F92E-D3E9-44C9-F14B29A64FDD}"/>
+              </a:ext>
+            </a:extLst>
+          </p:cNvPr>
+          <p:cNvSpPr/>
+          <p:nvPr/>
+        </p:nvSpPr>
+        <p:spPr>
+          <a:xfrm>
+            <a:off x="5812685" y="3429000"/>
+            <a:ext cx="978794" cy="978794"/>
+          </a:xfrm>
+          <a:prstGeom prst="ellipse">
+            <a:avLst/>
+          </a:prstGeom>
+          <a:solidFill>
+            <a:schemeClr val="bg1"/>
+          </a:solidFill>
+        </p:spPr>
+        <p:style>
+          <a:lnRef idx="2">
+            <a:schemeClr val="accent1">
+              <a:shade val="15000"/>
+            </a:schemeClr>
+          </a:lnRef>
+          <a:fillRef idx="1">
+            <a:schemeClr val="accent1"/>
+          </a:fillRef>
+          <a:effectRef idx="0">
+            <a:schemeClr val="accent1"/>
+          </a:effectRef>
+          <a:fontRef idx="minor">
+            <a:schemeClr val="lt1"/>
+          </a:fontRef>
+        </p:style>
+        <p:txBody>
+          <a:bodyPr rtlCol="0" anchor="ctr"/>
+          <a:lstStyle/>
+          <a:p>
+            <a:pPr algn="ctr"/>
+            <a:r>
+              <a:rPr lang="en-US" altLang="ko-KR" dirty="0">
+                <a:solidFill>
+                  <a:schemeClr val="tx1"/>
+                </a:solidFill>
+              </a:rPr>
+              <a:t>11</a:t>
+            </a:r>
+            <a:r>
+              <a:rPr lang="ko-KR" altLang="en-US" dirty="0">
+                <a:solidFill>
+                  <a:schemeClr val="tx1"/>
+                </a:solidFill>
+              </a:rPr>
+              <a:t>월</a:t>
+            </a:r>
+          </a:p>
+        </p:txBody>
+      </p:sp>
+      <p:sp>
+        <p:nvSpPr>
+          <p:cNvPr id="40" name="TextBox 39">
+            <a:extLst>
+              <a:ext uri="{FF2B5EF4-FFF2-40B4-BE49-F238E27FC236}">
+                <a16:creationId xmlns:a16="http://schemas.microsoft.com/office/drawing/2014/main" id="{2A6AB3B1-909C-E739-E31B-9B184AFF434A}"/>
+              </a:ext>
+            </a:extLst>
+          </p:cNvPr>
+          <p:cNvSpPr txBox="1"/>
+          <p:nvPr/>
+        </p:nvSpPr>
+        <p:spPr>
+          <a:xfrm>
+            <a:off x="1550082" y="4751128"/>
+            <a:ext cx="1733167" cy="1292662"/>
+          </a:xfrm>
+          <a:prstGeom prst="rect">
+            <a:avLst/>
+          </a:prstGeom>
+          <a:noFill/>
+        </p:spPr>
+        <p:txBody>
+          <a:bodyPr wrap="none" rtlCol="0">
+            <a:spAutoFit/>
+          </a:bodyPr>
+          <a:lstStyle/>
+          <a:p>
+            <a:pPr algn="ctr"/>
+            <a:r>
+              <a:rPr lang="ko-KR" altLang="en-US" sz="2400" dirty="0"/>
+              <a:t>사전 준비</a:t>
+            </a:r>
+            <a:endParaRPr lang="en-US" altLang="ko-KR" sz="2400" dirty="0"/>
+          </a:p>
+          <a:p>
+            <a:pPr algn="ctr"/>
+            <a:r>
+              <a:rPr lang="ko-KR" altLang="en-US" dirty="0"/>
+              <a:t>엔진 구조 논의</a:t>
+            </a:r>
+            <a:br>
+              <a:rPr lang="en-US" altLang="ko-KR" dirty="0"/>
+            </a:br>
+            <a:r>
+              <a:rPr lang="ko-KR" altLang="en-US" dirty="0"/>
+              <a:t>프로젝트 세팅</a:t>
+            </a:r>
+            <a:br>
+              <a:rPr lang="en-US" altLang="ko-KR" dirty="0"/>
+            </a:br>
+            <a:r>
+              <a:rPr lang="ko-KR" altLang="en-US" dirty="0"/>
+              <a:t>팀 결성</a:t>
+            </a:r>
+          </a:p>
+        </p:txBody>
+      </p:sp>
+      <p:sp>
+        <p:nvSpPr>
+          <p:cNvPr id="41" name="TextBox 40">
+            <a:extLst>
+              <a:ext uri="{FF2B5EF4-FFF2-40B4-BE49-F238E27FC236}">
+                <a16:creationId xmlns:a16="http://schemas.microsoft.com/office/drawing/2014/main" id="{048FD137-5C3F-3FC3-602C-9396C4C50C98}"/>
+              </a:ext>
+            </a:extLst>
+          </p:cNvPr>
+          <p:cNvSpPr txBox="1"/>
+          <p:nvPr/>
+        </p:nvSpPr>
+        <p:spPr>
+          <a:xfrm>
+            <a:off x="3234707" y="2331208"/>
+            <a:ext cx="2249334" cy="461665"/>
+          </a:xfrm>
+          <a:prstGeom prst="rect">
+            <a:avLst/>
+          </a:prstGeom>
+          <a:noFill/>
+        </p:spPr>
+        <p:txBody>
+          <a:bodyPr wrap="none" rtlCol="0">
+            <a:spAutoFit/>
+          </a:bodyPr>
+          <a:lstStyle/>
+          <a:p>
+            <a:pPr algn="ctr"/>
+            <a:r>
+              <a:rPr lang="ko-KR" altLang="en-US" sz="2400" dirty="0"/>
+              <a:t>게임 엔진 개발</a:t>
+            </a:r>
+          </a:p>
+        </p:txBody>
+      </p:sp>
+      <p:sp>
+        <p:nvSpPr>
+          <p:cNvPr id="42" name="TextBox 41">
+            <a:extLst>
+              <a:ext uri="{FF2B5EF4-FFF2-40B4-BE49-F238E27FC236}">
+                <a16:creationId xmlns:a16="http://schemas.microsoft.com/office/drawing/2014/main" id="{E14ECAE2-5084-554A-DCFD-F4426F30B07C}"/>
+              </a:ext>
+            </a:extLst>
+          </p:cNvPr>
+          <p:cNvSpPr txBox="1"/>
+          <p:nvPr/>
+        </p:nvSpPr>
+        <p:spPr>
+          <a:xfrm>
+            <a:off x="5474559" y="4755523"/>
+            <a:ext cx="1564852" cy="1292662"/>
+          </a:xfrm>
+          <a:prstGeom prst="rect">
+            <a:avLst/>
+          </a:prstGeom>
+          <a:noFill/>
+        </p:spPr>
+        <p:txBody>
+          <a:bodyPr wrap="none" rtlCol="0">
+            <a:spAutoFit/>
+          </a:bodyPr>
+          <a:lstStyle/>
+          <a:p>
+            <a:pPr algn="ctr"/>
+            <a:r>
+              <a:rPr lang="en-US" altLang="ko-KR" sz="2400" dirty="0"/>
+              <a:t>MK I </a:t>
+            </a:r>
+            <a:r>
+              <a:rPr lang="ko-KR" altLang="en-US" sz="2400" dirty="0"/>
+              <a:t>빌드</a:t>
+            </a:r>
+            <a:endParaRPr lang="en-US" altLang="ko-KR" sz="2400" dirty="0"/>
+          </a:p>
+          <a:p>
+            <a:pPr algn="ctr"/>
+            <a:r>
+              <a:rPr lang="ko-KR" altLang="en-US" dirty="0"/>
+              <a:t>구형 행성</a:t>
+            </a:r>
+            <a:br>
+              <a:rPr lang="en-US" altLang="ko-KR" dirty="0"/>
+            </a:br>
+            <a:r>
+              <a:rPr lang="ko-KR" altLang="en-US" dirty="0"/>
+              <a:t>플레이어</a:t>
+            </a:r>
+            <a:br>
+              <a:rPr lang="en-US" altLang="ko-KR" dirty="0"/>
+            </a:br>
+            <a:r>
+              <a:rPr lang="ko-KR" altLang="en-US" dirty="0"/>
+              <a:t>기초 서버</a:t>
+            </a:r>
+          </a:p>
+        </p:txBody>
+      </p:sp>
+      <p:sp>
+        <p:nvSpPr>
+          <p:cNvPr id="43" name="TextBox 42">
+            <a:extLst>
+              <a:ext uri="{FF2B5EF4-FFF2-40B4-BE49-F238E27FC236}">
+                <a16:creationId xmlns:a16="http://schemas.microsoft.com/office/drawing/2014/main" id="{4C1F708A-806D-446D-1E49-83FB4F5C4437}"/>
+              </a:ext>
+            </a:extLst>
+          </p:cNvPr>
+          <p:cNvSpPr txBox="1"/>
+          <p:nvPr/>
+        </p:nvSpPr>
+        <p:spPr>
+          <a:xfrm>
+            <a:off x="7420686" y="2263831"/>
+            <a:ext cx="1648208" cy="738664"/>
+          </a:xfrm>
+          <a:prstGeom prst="rect">
+            <a:avLst/>
+          </a:prstGeom>
+          <a:noFill/>
+        </p:spPr>
+        <p:txBody>
+          <a:bodyPr wrap="none" rtlCol="0">
+            <a:spAutoFit/>
+          </a:bodyPr>
+          <a:lstStyle/>
+          <a:p>
+            <a:pPr algn="ctr"/>
+            <a:r>
+              <a:rPr lang="en-US" altLang="ko-KR" sz="2400" dirty="0"/>
+              <a:t>MK II </a:t>
+            </a:r>
+            <a:r>
+              <a:rPr lang="ko-KR" altLang="en-US" sz="2400" dirty="0"/>
+              <a:t>빌드</a:t>
+            </a:r>
+            <a:br>
+              <a:rPr lang="en-US" altLang="ko-KR" dirty="0"/>
+            </a:br>
+            <a:r>
+              <a:rPr lang="ko-KR" altLang="en-US" dirty="0"/>
+              <a:t>탈것 추가</a:t>
+            </a:r>
+            <a:endParaRPr lang="en-US" altLang="ko-KR" dirty="0"/>
+          </a:p>
+        </p:txBody>
+      </p:sp>
+      <p:sp>
+        <p:nvSpPr>
+          <p:cNvPr id="44" name="TextBox 43">
+            <a:extLst>
+              <a:ext uri="{FF2B5EF4-FFF2-40B4-BE49-F238E27FC236}">
+                <a16:creationId xmlns:a16="http://schemas.microsoft.com/office/drawing/2014/main" id="{0F7854CF-6889-A79D-D439-3534F22B8733}"/>
+              </a:ext>
+            </a:extLst>
+          </p:cNvPr>
+          <p:cNvSpPr txBox="1"/>
+          <p:nvPr/>
+        </p:nvSpPr>
+        <p:spPr>
+          <a:xfrm>
+            <a:off x="9425109" y="4755948"/>
+            <a:ext cx="1524777" cy="461665"/>
+          </a:xfrm>
+          <a:prstGeom prst="rect">
+            <a:avLst/>
+          </a:prstGeom>
+          <a:noFill/>
+        </p:spPr>
+        <p:txBody>
+          <a:bodyPr wrap="none" rtlCol="0">
+            <a:spAutoFit/>
+          </a:bodyPr>
+          <a:lstStyle/>
+          <a:p>
+            <a:pPr algn="ctr"/>
+            <a:r>
+              <a:rPr lang="ko-KR" altLang="en-US" sz="2400" dirty="0"/>
+              <a:t>알파 빌드</a:t>
+            </a:r>
+            <a:endParaRPr lang="en-US" altLang="ko-KR" sz="2400" dirty="0"/>
+          </a:p>
+        </p:txBody>
+      </p:sp>
+    </p:spTree>
+    <p:extLst>
+      <p:ext uri="{BB962C8B-B14F-4D97-AF65-F5344CB8AC3E}">
+        <p14:creationId xmlns:p14="http://schemas.microsoft.com/office/powerpoint/2010/main" val="4289064618"/>
+      </p:ext>
+    </p:extLst>
+  </p:cSld>
+  <p:clrMapOvr>
+    <a:masterClrMapping/>
+  </p:clrMapOvr>
+</p:sld>
+</file>
+
+<file path=ppt/slides/slide11.xml><?xml version="1.0" encoding="utf-8"?>
+<p:sld xmlns:a="http://schemas.openxmlformats.org/drawingml/2006/main" xmlns:r="http://schemas.openxmlformats.org/officeDocument/2006/relationships" xmlns:p="http://schemas.openxmlformats.org/presentationml/2006/main">
+  <p:cSld>
+    <p:spTree>
+      <p:nvGrpSpPr>
+        <p:cNvPr id="1" name=""/>
+        <p:cNvGrpSpPr/>
+        <p:nvPr/>
+      </p:nvGrpSpPr>
+      <p:grpSpPr>
+        <a:xfrm>
+          <a:off x="0" y="0"/>
+          <a:ext cx="0" cy="0"/>
+          <a:chOff x="0" y="0"/>
+          <a:chExt cx="0" cy="0"/>
+        </a:xfrm>
+      </p:grpSpPr>
+      <p:sp>
+        <p:nvSpPr>
+          <p:cNvPr id="39" name="직사각형 38">
+            <a:extLst>
+              <a:ext uri="{FF2B5EF4-FFF2-40B4-BE49-F238E27FC236}">
+                <a16:creationId xmlns:a16="http://schemas.microsoft.com/office/drawing/2014/main" id="{D33303CD-8B93-B17E-C459-1EE35D684E66}"/>
+              </a:ext>
+            </a:extLst>
+          </p:cNvPr>
+          <p:cNvSpPr/>
+          <p:nvPr/>
+        </p:nvSpPr>
+        <p:spPr>
+          <a:xfrm>
+            <a:off x="0" y="3772334"/>
+            <a:ext cx="12192000" cy="283335"/>
+          </a:xfrm>
+          <a:prstGeom prst="rect">
+            <a:avLst/>
+          </a:prstGeom>
+          <a:ln>
+            <a:noFill/>
+          </a:ln>
+        </p:spPr>
+        <p:style>
+          <a:lnRef idx="2">
+            <a:schemeClr val="accent1">
+              <a:shade val="15000"/>
+            </a:schemeClr>
+          </a:lnRef>
+          <a:fillRef idx="1">
+            <a:schemeClr val="accent1"/>
+          </a:fillRef>
+          <a:effectRef idx="0">
+            <a:schemeClr val="accent1"/>
+          </a:effectRef>
+          <a:fontRef idx="minor">
+            <a:schemeClr val="lt1"/>
+          </a:fontRef>
+        </p:style>
+        <p:txBody>
+          <a:bodyPr rtlCol="0" anchor="ctr"/>
+          <a:lstStyle/>
+          <a:p>
+            <a:pPr algn="ctr"/>
+            <a:endParaRPr lang="ko-KR" altLang="en-US"/>
+          </a:p>
+        </p:txBody>
+      </p:sp>
+      <p:sp>
+        <p:nvSpPr>
+          <p:cNvPr id="3" name="타원 2">
+            <a:extLst>
+              <a:ext uri="{FF2B5EF4-FFF2-40B4-BE49-F238E27FC236}">
+                <a16:creationId xmlns:a16="http://schemas.microsoft.com/office/drawing/2014/main" id="{3FD20D21-D6A1-2CB9-A7E4-6B2ECA5B68EA}"/>
+              </a:ext>
+            </a:extLst>
+          </p:cNvPr>
+          <p:cNvSpPr/>
+          <p:nvPr/>
+        </p:nvSpPr>
+        <p:spPr>
+          <a:xfrm>
+            <a:off x="1467660" y="3429000"/>
+            <a:ext cx="978794" cy="978794"/>
+          </a:xfrm>
+          <a:prstGeom prst="ellipse">
+            <a:avLst/>
+          </a:prstGeom>
+          <a:solidFill>
+            <a:schemeClr val="bg1"/>
+          </a:solidFill>
+        </p:spPr>
+        <p:style>
+          <a:lnRef idx="2">
+            <a:schemeClr val="accent1">
+              <a:shade val="15000"/>
+            </a:schemeClr>
+          </a:lnRef>
+          <a:fillRef idx="1">
+            <a:schemeClr val="accent1"/>
+          </a:fillRef>
+          <a:effectRef idx="0">
+            <a:schemeClr val="accent1"/>
+          </a:effectRef>
+          <a:fontRef idx="minor">
+            <a:schemeClr val="lt1"/>
+          </a:fontRef>
+        </p:style>
+        <p:txBody>
+          <a:bodyPr rtlCol="0" anchor="ctr"/>
+          <a:lstStyle/>
+          <a:p>
+            <a:pPr algn="ctr"/>
+            <a:r>
+              <a:rPr lang="en-US" altLang="ko-KR" dirty="0">
+                <a:solidFill>
+                  <a:schemeClr val="tx1"/>
+                </a:solidFill>
+              </a:rPr>
+              <a:t>2</a:t>
+            </a:r>
+            <a:r>
+              <a:rPr lang="ko-KR" altLang="en-US" dirty="0">
+                <a:solidFill>
+                  <a:schemeClr val="tx1"/>
+                </a:solidFill>
+              </a:rPr>
+              <a:t>월</a:t>
+            </a:r>
+          </a:p>
+        </p:txBody>
+      </p:sp>
+      <p:sp>
+        <p:nvSpPr>
+          <p:cNvPr id="2" name="제목 1">
+            <a:extLst>
+              <a:ext uri="{FF2B5EF4-FFF2-40B4-BE49-F238E27FC236}">
+                <a16:creationId xmlns:a16="http://schemas.microsoft.com/office/drawing/2014/main" id="{18B15778-FB71-F1F9-33F2-4CE382D15320}"/>
+              </a:ext>
+            </a:extLst>
+          </p:cNvPr>
+          <p:cNvSpPr>
+            <a:spLocks noGrp="1"/>
+          </p:cNvSpPr>
+          <p:nvPr>
+            <p:ph type="title"/>
+          </p:nvPr>
+        </p:nvSpPr>
+        <p:spPr/>
+        <p:txBody>
+          <a:bodyPr/>
+          <a:lstStyle/>
+          <a:p>
+            <a:r>
+              <a:rPr lang="ko-KR" altLang="en-US" dirty="0"/>
+              <a:t>일정</a:t>
+            </a:r>
+          </a:p>
+        </p:txBody>
+      </p:sp>
+      <p:sp>
+        <p:nvSpPr>
+          <p:cNvPr id="14" name="타원 13">
+            <a:extLst>
+              <a:ext uri="{FF2B5EF4-FFF2-40B4-BE49-F238E27FC236}">
+                <a16:creationId xmlns:a16="http://schemas.microsoft.com/office/drawing/2014/main" id="{3C0D3DD1-1C71-81C6-4070-12207EB3D064}"/>
+              </a:ext>
+            </a:extLst>
+          </p:cNvPr>
+          <p:cNvSpPr/>
+          <p:nvPr/>
+        </p:nvSpPr>
+        <p:spPr>
+          <a:xfrm>
+            <a:off x="2337515" y="3429000"/>
+            <a:ext cx="978794" cy="978794"/>
+          </a:xfrm>
+          <a:prstGeom prst="ellipse">
+            <a:avLst/>
+          </a:prstGeom>
+          <a:solidFill>
+            <a:schemeClr val="bg1">
+              <a:alpha val="97000"/>
+            </a:schemeClr>
+          </a:solidFill>
+        </p:spPr>
+        <p:style>
+          <a:lnRef idx="2">
+            <a:schemeClr val="accent1">
+              <a:shade val="15000"/>
+            </a:schemeClr>
+          </a:lnRef>
+          <a:fillRef idx="1">
+            <a:schemeClr val="accent1"/>
+          </a:fillRef>
+          <a:effectRef idx="0">
+            <a:schemeClr val="accent1"/>
+          </a:effectRef>
+          <a:fontRef idx="minor">
+            <a:schemeClr val="lt1"/>
+          </a:fontRef>
+        </p:style>
+        <p:txBody>
+          <a:bodyPr rtlCol="0" anchor="ctr"/>
+          <a:lstStyle/>
+          <a:p>
+            <a:pPr algn="ctr"/>
+            <a:r>
+              <a:rPr lang="en-US" altLang="ko-KR" dirty="0">
+                <a:solidFill>
+                  <a:schemeClr val="tx1"/>
+                </a:solidFill>
+              </a:rPr>
+              <a:t>3</a:t>
+            </a:r>
+            <a:r>
+              <a:rPr lang="ko-KR" altLang="en-US" dirty="0">
+                <a:solidFill>
+                  <a:schemeClr val="tx1"/>
+                </a:solidFill>
+              </a:rPr>
+              <a:t>월</a:t>
+            </a:r>
+          </a:p>
+        </p:txBody>
+      </p:sp>
+      <p:sp>
+        <p:nvSpPr>
+          <p:cNvPr id="15" name="타원 14">
+            <a:extLst>
+              <a:ext uri="{FF2B5EF4-FFF2-40B4-BE49-F238E27FC236}">
+                <a16:creationId xmlns:a16="http://schemas.microsoft.com/office/drawing/2014/main" id="{723E5B57-60E2-830C-DCC6-B2B70A8494B3}"/>
+              </a:ext>
+            </a:extLst>
+          </p:cNvPr>
+          <p:cNvSpPr/>
+          <p:nvPr/>
+        </p:nvSpPr>
+        <p:spPr>
+          <a:xfrm>
+            <a:off x="6601659" y="3424604"/>
+            <a:ext cx="978794" cy="978794"/>
+          </a:xfrm>
+          <a:prstGeom prst="ellipse">
+            <a:avLst/>
+          </a:prstGeom>
+          <a:solidFill>
+            <a:schemeClr val="bg1"/>
+          </a:solidFill>
+        </p:spPr>
+        <p:style>
+          <a:lnRef idx="2">
+            <a:schemeClr val="accent1">
+              <a:shade val="15000"/>
+            </a:schemeClr>
+          </a:lnRef>
+          <a:fillRef idx="1">
+            <a:schemeClr val="accent1"/>
+          </a:fillRef>
+          <a:effectRef idx="0">
+            <a:schemeClr val="accent1"/>
+          </a:effectRef>
+          <a:fontRef idx="minor">
+            <a:schemeClr val="lt1"/>
+          </a:fontRef>
+        </p:style>
+        <p:txBody>
+          <a:bodyPr rtlCol="0" anchor="ctr"/>
+          <a:lstStyle/>
+          <a:p>
+            <a:pPr algn="ctr"/>
+            <a:r>
+              <a:rPr lang="en-US" altLang="ko-KR" dirty="0">
+                <a:solidFill>
+                  <a:schemeClr val="tx1"/>
+                </a:solidFill>
+              </a:rPr>
+              <a:t>6</a:t>
+            </a:r>
+            <a:r>
+              <a:rPr lang="ko-KR" altLang="en-US" dirty="0">
+                <a:solidFill>
+                  <a:schemeClr val="tx1"/>
+                </a:solidFill>
+              </a:rPr>
+              <a:t>월</a:t>
+            </a:r>
+          </a:p>
+        </p:txBody>
+      </p:sp>
+      <p:sp>
+        <p:nvSpPr>
+          <p:cNvPr id="16" name="타원 15">
+            <a:extLst>
+              <a:ext uri="{FF2B5EF4-FFF2-40B4-BE49-F238E27FC236}">
+                <a16:creationId xmlns:a16="http://schemas.microsoft.com/office/drawing/2014/main" id="{BA345C7A-0747-32F5-4F39-3F4F3BAEDBAF}"/>
+              </a:ext>
+            </a:extLst>
+          </p:cNvPr>
+          <p:cNvSpPr/>
+          <p:nvPr/>
+        </p:nvSpPr>
+        <p:spPr>
+          <a:xfrm>
+            <a:off x="8286727" y="3433395"/>
+            <a:ext cx="978794" cy="978794"/>
+          </a:xfrm>
+          <a:prstGeom prst="ellipse">
+            <a:avLst/>
+          </a:prstGeom>
+          <a:solidFill>
+            <a:schemeClr val="bg1"/>
+          </a:solidFill>
+        </p:spPr>
+        <p:style>
+          <a:lnRef idx="2">
+            <a:schemeClr val="accent1">
+              <a:shade val="15000"/>
+            </a:schemeClr>
+          </a:lnRef>
+          <a:fillRef idx="1">
+            <a:schemeClr val="accent1"/>
+          </a:fillRef>
+          <a:effectRef idx="0">
+            <a:schemeClr val="accent1"/>
+          </a:effectRef>
+          <a:fontRef idx="minor">
+            <a:schemeClr val="lt1"/>
+          </a:fontRef>
+        </p:style>
+        <p:txBody>
+          <a:bodyPr rtlCol="0" anchor="ctr"/>
+          <a:lstStyle/>
+          <a:p>
+            <a:pPr algn="ctr"/>
+            <a:r>
+              <a:rPr lang="en-US" altLang="ko-KR" dirty="0">
+                <a:solidFill>
+                  <a:schemeClr val="tx1"/>
+                </a:solidFill>
+              </a:rPr>
+              <a:t>7</a:t>
+            </a:r>
+            <a:r>
+              <a:rPr lang="ko-KR" altLang="en-US" dirty="0">
+                <a:solidFill>
+                  <a:schemeClr val="tx1"/>
+                </a:solidFill>
+              </a:rPr>
+              <a:t>월</a:t>
+            </a:r>
+          </a:p>
+        </p:txBody>
+      </p:sp>
+      <p:sp>
+        <p:nvSpPr>
+          <p:cNvPr id="17" name="타원 16">
+            <a:extLst>
+              <a:ext uri="{FF2B5EF4-FFF2-40B4-BE49-F238E27FC236}">
+                <a16:creationId xmlns:a16="http://schemas.microsoft.com/office/drawing/2014/main" id="{560D2A8F-CE41-E5A0-6A2C-CFAB1A12EAB5}"/>
+              </a:ext>
+            </a:extLst>
+          </p:cNvPr>
+          <p:cNvSpPr/>
+          <p:nvPr/>
+        </p:nvSpPr>
+        <p:spPr>
+          <a:xfrm>
+            <a:off x="9971795" y="3424604"/>
+            <a:ext cx="978794" cy="978794"/>
+          </a:xfrm>
+          <a:prstGeom prst="ellipse">
+            <a:avLst/>
+          </a:prstGeom>
+          <a:solidFill>
+            <a:schemeClr val="bg1"/>
+          </a:solidFill>
+        </p:spPr>
+        <p:style>
+          <a:lnRef idx="2">
+            <a:schemeClr val="accent1">
+              <a:shade val="15000"/>
+            </a:schemeClr>
+          </a:lnRef>
+          <a:fillRef idx="1">
+            <a:schemeClr val="accent1"/>
+          </a:fillRef>
+          <a:effectRef idx="0">
+            <a:schemeClr val="accent1"/>
+          </a:effectRef>
+          <a:fontRef idx="minor">
+            <a:schemeClr val="lt1"/>
+          </a:fontRef>
+        </p:style>
+        <p:txBody>
+          <a:bodyPr rtlCol="0" anchor="ctr"/>
+          <a:lstStyle/>
+          <a:p>
+            <a:pPr algn="ctr"/>
+            <a:r>
+              <a:rPr lang="en-US" altLang="ko-KR" dirty="0">
+                <a:solidFill>
+                  <a:schemeClr val="tx1"/>
+                </a:solidFill>
+              </a:rPr>
+              <a:t>8</a:t>
+            </a:r>
+            <a:r>
+              <a:rPr lang="ko-KR" altLang="en-US" dirty="0">
+                <a:solidFill>
+                  <a:schemeClr val="tx1"/>
+                </a:solidFill>
+              </a:rPr>
+              <a:t>월</a:t>
+            </a:r>
+          </a:p>
+        </p:txBody>
+      </p:sp>
+      <p:sp>
+        <p:nvSpPr>
+          <p:cNvPr id="23" name="타원 22">
+            <a:extLst>
+              <a:ext uri="{FF2B5EF4-FFF2-40B4-BE49-F238E27FC236}">
+                <a16:creationId xmlns:a16="http://schemas.microsoft.com/office/drawing/2014/main" id="{76AFCABD-1DAB-671A-03A6-C90A2DCEABFE}"/>
+              </a:ext>
+            </a:extLst>
+          </p:cNvPr>
+          <p:cNvSpPr/>
+          <p:nvPr/>
+        </p:nvSpPr>
+        <p:spPr>
+          <a:xfrm>
+            <a:off x="3231523" y="3433395"/>
+            <a:ext cx="978794" cy="978794"/>
+          </a:xfrm>
+          <a:prstGeom prst="ellipse">
+            <a:avLst/>
+          </a:prstGeom>
+          <a:solidFill>
+            <a:schemeClr val="bg1"/>
+          </a:solidFill>
+        </p:spPr>
+        <p:style>
+          <a:lnRef idx="2">
+            <a:schemeClr val="accent1">
+              <a:shade val="15000"/>
+            </a:schemeClr>
+          </a:lnRef>
+          <a:fillRef idx="1">
+            <a:schemeClr val="accent1"/>
+          </a:fillRef>
+          <a:effectRef idx="0">
+            <a:schemeClr val="accent1"/>
+          </a:effectRef>
+          <a:fontRef idx="minor">
+            <a:schemeClr val="lt1"/>
+          </a:fontRef>
+        </p:style>
+        <p:txBody>
+          <a:bodyPr rtlCol="0" anchor="ctr"/>
+          <a:lstStyle/>
+          <a:p>
+            <a:pPr algn="ctr"/>
+            <a:r>
+              <a:rPr lang="en-US" altLang="ko-KR" dirty="0">
+                <a:solidFill>
+                  <a:schemeClr val="tx1"/>
+                </a:solidFill>
+              </a:rPr>
+              <a:t>4</a:t>
+            </a:r>
+            <a:r>
+              <a:rPr lang="ko-KR" altLang="en-US" dirty="0">
+                <a:solidFill>
+                  <a:schemeClr val="tx1"/>
+                </a:solidFill>
+              </a:rPr>
+              <a:t>월</a:t>
+            </a:r>
+          </a:p>
+        </p:txBody>
+      </p:sp>
+      <p:sp>
+        <p:nvSpPr>
+          <p:cNvPr id="25" name="타원 24">
+            <a:extLst>
+              <a:ext uri="{FF2B5EF4-FFF2-40B4-BE49-F238E27FC236}">
+                <a16:creationId xmlns:a16="http://schemas.microsoft.com/office/drawing/2014/main" id="{8949252E-F92E-D3E9-44C9-F14B29A64FDD}"/>
+              </a:ext>
+            </a:extLst>
+          </p:cNvPr>
+          <p:cNvSpPr/>
+          <p:nvPr/>
+        </p:nvSpPr>
+        <p:spPr>
+          <a:xfrm>
+            <a:off x="4916591" y="3433395"/>
+            <a:ext cx="978794" cy="978794"/>
+          </a:xfrm>
+          <a:prstGeom prst="ellipse">
+            <a:avLst/>
+          </a:prstGeom>
+          <a:solidFill>
+            <a:schemeClr val="bg1"/>
+          </a:solidFill>
+        </p:spPr>
+        <p:style>
+          <a:lnRef idx="2">
+            <a:schemeClr val="accent1">
+              <a:shade val="15000"/>
+            </a:schemeClr>
+          </a:lnRef>
+          <a:fillRef idx="1">
+            <a:schemeClr val="accent1"/>
+          </a:fillRef>
+          <a:effectRef idx="0">
+            <a:schemeClr val="accent1"/>
+          </a:effectRef>
+          <a:fontRef idx="minor">
+            <a:schemeClr val="lt1"/>
+          </a:fontRef>
+        </p:style>
+        <p:txBody>
+          <a:bodyPr rtlCol="0" anchor="ctr"/>
+          <a:lstStyle/>
+          <a:p>
+            <a:pPr algn="ctr"/>
+            <a:r>
+              <a:rPr lang="en-US" altLang="ko-KR" dirty="0">
+                <a:solidFill>
+                  <a:schemeClr val="tx1"/>
+                </a:solidFill>
+              </a:rPr>
+              <a:t>5</a:t>
+            </a:r>
+            <a:r>
+              <a:rPr lang="ko-KR" altLang="en-US" dirty="0">
+                <a:solidFill>
+                  <a:schemeClr val="tx1"/>
+                </a:solidFill>
+              </a:rPr>
+              <a:t>월</a:t>
+            </a:r>
+          </a:p>
+        </p:txBody>
+      </p:sp>
+      <p:sp>
+        <p:nvSpPr>
+          <p:cNvPr id="42" name="TextBox 41">
+            <a:extLst>
+              <a:ext uri="{FF2B5EF4-FFF2-40B4-BE49-F238E27FC236}">
+                <a16:creationId xmlns:a16="http://schemas.microsoft.com/office/drawing/2014/main" id="{E14ECAE2-5084-554A-DCFD-F4426F30B07C}"/>
+              </a:ext>
+            </a:extLst>
+          </p:cNvPr>
+          <p:cNvSpPr txBox="1"/>
+          <p:nvPr/>
+        </p:nvSpPr>
+        <p:spPr>
+          <a:xfrm>
+            <a:off x="4281325" y="4755523"/>
+            <a:ext cx="2249334" cy="461665"/>
+          </a:xfrm>
+          <a:prstGeom prst="rect">
+            <a:avLst/>
+          </a:prstGeom>
+          <a:noFill/>
+        </p:spPr>
+        <p:txBody>
+          <a:bodyPr wrap="none" rtlCol="0">
+            <a:spAutoFit/>
+          </a:bodyPr>
+          <a:lstStyle/>
+          <a:p>
+            <a:pPr algn="ctr"/>
+            <a:r>
+              <a:rPr lang="ko-KR" altLang="en-US" sz="2400" dirty="0"/>
+              <a:t>최종 베타 빌드</a:t>
+            </a:r>
+          </a:p>
+        </p:txBody>
+      </p:sp>
+      <p:sp>
+        <p:nvSpPr>
+          <p:cNvPr id="43" name="TextBox 42">
+            <a:extLst>
+              <a:ext uri="{FF2B5EF4-FFF2-40B4-BE49-F238E27FC236}">
+                <a16:creationId xmlns:a16="http://schemas.microsoft.com/office/drawing/2014/main" id="{4C1F708A-806D-446D-1E49-83FB4F5C4437}"/>
+              </a:ext>
+            </a:extLst>
+          </p:cNvPr>
+          <p:cNvSpPr txBox="1"/>
+          <p:nvPr/>
+        </p:nvSpPr>
+        <p:spPr>
+          <a:xfrm>
+            <a:off x="6530659" y="2224275"/>
+            <a:ext cx="1107997" cy="1200329"/>
+          </a:xfrm>
+          <a:prstGeom prst="rect">
+            <a:avLst/>
+          </a:prstGeom>
+          <a:noFill/>
+        </p:spPr>
+        <p:txBody>
+          <a:bodyPr wrap="none" rtlCol="0">
+            <a:spAutoFit/>
+          </a:bodyPr>
+          <a:lstStyle/>
+          <a:p>
+            <a:pPr algn="ctr"/>
+            <a:r>
+              <a:rPr lang="en-US" altLang="ko-KR" sz="2400" dirty="0"/>
+              <a:t>QA</a:t>
+            </a:r>
+          </a:p>
+          <a:p>
+            <a:pPr algn="ctr"/>
+            <a:r>
+              <a:rPr lang="ko-KR" altLang="en-US" sz="2400" dirty="0"/>
+              <a:t>디버깅</a:t>
+            </a:r>
+            <a:br>
+              <a:rPr lang="en-US" altLang="ko-KR" sz="2400" dirty="0"/>
+            </a:br>
+            <a:r>
+              <a:rPr lang="ko-KR" altLang="en-US" sz="2400" dirty="0" err="1"/>
+              <a:t>폴리싱</a:t>
+            </a:r>
+            <a:endParaRPr lang="en-US" altLang="ko-KR" sz="2400" dirty="0"/>
+          </a:p>
+        </p:txBody>
+      </p:sp>
+      <p:sp>
+        <p:nvSpPr>
+          <p:cNvPr id="44" name="TextBox 43">
+            <a:extLst>
+              <a:ext uri="{FF2B5EF4-FFF2-40B4-BE49-F238E27FC236}">
+                <a16:creationId xmlns:a16="http://schemas.microsoft.com/office/drawing/2014/main" id="{0F7854CF-6889-A79D-D439-3534F22B8733}"/>
+              </a:ext>
+            </a:extLst>
+          </p:cNvPr>
+          <p:cNvSpPr txBox="1"/>
+          <p:nvPr/>
+        </p:nvSpPr>
+        <p:spPr>
+          <a:xfrm>
+            <a:off x="7705958" y="4607450"/>
+            <a:ext cx="2140331" cy="830997"/>
+          </a:xfrm>
+          <a:prstGeom prst="rect">
+            <a:avLst/>
+          </a:prstGeom>
+          <a:noFill/>
+        </p:spPr>
+        <p:txBody>
+          <a:bodyPr wrap="none" rtlCol="0">
+            <a:spAutoFit/>
+          </a:bodyPr>
+          <a:lstStyle/>
+          <a:p>
+            <a:pPr algn="ctr"/>
+            <a:r>
+              <a:rPr lang="ko-KR" altLang="en-US" sz="2400" dirty="0"/>
+              <a:t>졸업 프로젝트</a:t>
+            </a:r>
+            <a:br>
+              <a:rPr lang="en-US" altLang="ko-KR" sz="2400" dirty="0"/>
+            </a:br>
+            <a:r>
+              <a:rPr lang="ko-KR" altLang="en-US" sz="2400" dirty="0"/>
+              <a:t>발표</a:t>
+            </a:r>
+            <a:endParaRPr lang="en-US" altLang="ko-KR" sz="2400" dirty="0"/>
+          </a:p>
+        </p:txBody>
+      </p:sp>
+      <p:sp>
+        <p:nvSpPr>
+          <p:cNvPr id="45" name="TextBox 44">
+            <a:extLst>
+              <a:ext uri="{FF2B5EF4-FFF2-40B4-BE49-F238E27FC236}">
+                <a16:creationId xmlns:a16="http://schemas.microsoft.com/office/drawing/2014/main" id="{7489B47D-94C9-C1CE-E36B-7A66C12E4DD2}"/>
+              </a:ext>
+            </a:extLst>
+          </p:cNvPr>
+          <p:cNvSpPr txBox="1"/>
+          <p:nvPr/>
+        </p:nvSpPr>
+        <p:spPr>
+          <a:xfrm>
+            <a:off x="10061082" y="2789074"/>
+            <a:ext cx="800219" cy="461665"/>
+          </a:xfrm>
+          <a:prstGeom prst="rect">
+            <a:avLst/>
+          </a:prstGeom>
+          <a:noFill/>
+        </p:spPr>
+        <p:txBody>
+          <a:bodyPr wrap="none" rtlCol="0">
+            <a:spAutoFit/>
+          </a:bodyPr>
+          <a:lstStyle/>
+          <a:p>
+            <a:pPr algn="ctr"/>
+            <a:r>
+              <a:rPr lang="ko-KR" altLang="en-US" sz="2400" dirty="0"/>
+              <a:t>졸업</a:t>
+            </a:r>
+            <a:endParaRPr lang="en-US" altLang="ko-KR" sz="2400" dirty="0"/>
+          </a:p>
+        </p:txBody>
+      </p:sp>
+      <p:sp>
+        <p:nvSpPr>
+          <p:cNvPr id="4" name="TextBox 3">
+            <a:extLst>
+              <a:ext uri="{FF2B5EF4-FFF2-40B4-BE49-F238E27FC236}">
+                <a16:creationId xmlns:a16="http://schemas.microsoft.com/office/drawing/2014/main" id="{B52B2D0D-D8CC-AB85-8238-2FE7280D501E}"/>
+              </a:ext>
+            </a:extLst>
+          </p:cNvPr>
+          <p:cNvSpPr txBox="1"/>
+          <p:nvPr/>
+        </p:nvSpPr>
+        <p:spPr>
+          <a:xfrm>
+            <a:off x="1740716" y="2554053"/>
+            <a:ext cx="2172391" cy="646331"/>
+          </a:xfrm>
+          <a:prstGeom prst="rect">
+            <a:avLst/>
+          </a:prstGeom>
+          <a:noFill/>
+        </p:spPr>
+        <p:txBody>
+          <a:bodyPr wrap="none" rtlCol="0">
+            <a:spAutoFit/>
+          </a:bodyPr>
+          <a:lstStyle/>
+          <a:p>
+            <a:pPr algn="ctr"/>
+            <a:r>
+              <a:rPr lang="ko-KR" altLang="en-US" dirty="0"/>
+              <a:t>컨텐츠 개발 시작</a:t>
+            </a:r>
+            <a:endParaRPr lang="en-US" altLang="ko-KR" dirty="0"/>
+          </a:p>
+          <a:p>
+            <a:pPr algn="ctr"/>
+            <a:r>
+              <a:rPr lang="ko-KR" altLang="en-US" dirty="0"/>
+              <a:t>매 </a:t>
+            </a:r>
+            <a:r>
+              <a:rPr lang="en-US" altLang="ko-KR" dirty="0"/>
+              <a:t>2</a:t>
+            </a:r>
+            <a:r>
+              <a:rPr lang="ko-KR" altLang="en-US" dirty="0"/>
+              <a:t>주마다 버전 업</a:t>
+            </a:r>
+            <a:endParaRPr lang="en-US" altLang="ko-KR" dirty="0"/>
+          </a:p>
+        </p:txBody>
+      </p:sp>
+    </p:spTree>
+    <p:extLst>
+      <p:ext uri="{BB962C8B-B14F-4D97-AF65-F5344CB8AC3E}">
+        <p14:creationId xmlns:p14="http://schemas.microsoft.com/office/powerpoint/2010/main" val="3983446588"/>
+      </p:ext>
+    </p:extLst>
+  </p:cSld>
+  <p:clrMapOvr>
+    <a:masterClrMapping/>
+  </p:clrMapOvr>
+</p:sld>
+</file>
+
+<file path=ppt/slides/slide12.xml><?xml version="1.0" encoding="utf-8"?>
+<p:sld xmlns:a="http://schemas.openxmlformats.org/drawingml/2006/main" xmlns:r="http://schemas.openxmlformats.org/officeDocument/2006/relationships" xmlns:p="http://schemas.openxmlformats.org/presentationml/2006/main">
+  <p:cSld>
+    <p:spTree>
+      <p:nvGrpSpPr>
+        <p:cNvPr id="1" name=""/>
+        <p:cNvGrpSpPr/>
+        <p:nvPr/>
+      </p:nvGrpSpPr>
+      <p:grpSpPr>
+        <a:xfrm>
+          <a:off x="0" y="0"/>
+          <a:ext cx="0" cy="0"/>
+          <a:chOff x="0" y="0"/>
+          <a:chExt cx="0" cy="0"/>
+        </a:xfrm>
+      </p:grpSpPr>
+      <p:sp>
+        <p:nvSpPr>
+          <p:cNvPr id="2" name="제목 1">
+            <a:extLst>
+              <a:ext uri="{FF2B5EF4-FFF2-40B4-BE49-F238E27FC236}">
+                <a16:creationId xmlns:a16="http://schemas.microsoft.com/office/drawing/2014/main" id="{391EDFB3-D24D-B054-F33F-2F24D04386B9}"/>
+              </a:ext>
+            </a:extLst>
+          </p:cNvPr>
+          <p:cNvSpPr>
+            <a:spLocks noGrp="1"/>
+          </p:cNvSpPr>
+          <p:nvPr>
+            <p:ph type="title"/>
+          </p:nvPr>
+        </p:nvSpPr>
+        <p:spPr/>
+        <p:txBody>
+          <a:bodyPr/>
+          <a:lstStyle/>
+          <a:p>
+            <a:r>
+              <a:rPr lang="ko-KR" altLang="en-US" dirty="0"/>
+              <a:t>아트 리소스</a:t>
+            </a:r>
+          </a:p>
+        </p:txBody>
+      </p:sp>
+      <p:sp>
+        <p:nvSpPr>
+          <p:cNvPr id="3" name="내용 개체 틀 2">
+            <a:extLst>
+              <a:ext uri="{FF2B5EF4-FFF2-40B4-BE49-F238E27FC236}">
+                <a16:creationId xmlns:a16="http://schemas.microsoft.com/office/drawing/2014/main" id="{5ACCF940-1AAD-19BE-5202-D9ED93BFB75F}"/>
+              </a:ext>
+            </a:extLst>
+          </p:cNvPr>
+          <p:cNvSpPr>
+            <a:spLocks noGrp="1"/>
+          </p:cNvSpPr>
+          <p:nvPr>
+            <p:ph idx="1"/>
+          </p:nvPr>
+        </p:nvSpPr>
+        <p:spPr/>
+        <p:txBody>
+          <a:bodyPr/>
+          <a:lstStyle/>
+          <a:p>
+            <a:pPr marL="0" indent="0">
+              <a:buNone/>
+            </a:pPr>
+            <a:r>
+              <a:rPr lang="ko-KR" altLang="en-US" dirty="0"/>
+              <a:t>캐릭터</a:t>
+            </a:r>
+            <a:endParaRPr lang="en-US" altLang="ko-KR" dirty="0"/>
+          </a:p>
+          <a:p>
+            <a:pPr marL="0" indent="0">
+              <a:buNone/>
+            </a:pPr>
+            <a:endParaRPr lang="en-US" altLang="ko-KR" dirty="0"/>
+          </a:p>
+          <a:p>
+            <a:pPr marL="0" indent="0">
+              <a:buNone/>
+            </a:pPr>
+            <a:r>
+              <a:rPr lang="ko-KR" altLang="en-US" dirty="0"/>
+              <a:t>탈것</a:t>
+            </a:r>
+          </a:p>
+        </p:txBody>
+      </p:sp>
+    </p:spTree>
+    <p:extLst>
+      <p:ext uri="{BB962C8B-B14F-4D97-AF65-F5344CB8AC3E}">
+        <p14:creationId xmlns:p14="http://schemas.microsoft.com/office/powerpoint/2010/main" val="198062541"/>
+      </p:ext>
+    </p:extLst>
+  </p:cSld>
+  <p:clrMapOvr>
+    <a:masterClrMapping/>
+  </p:clrMapOvr>
+</p:sld>
+</file>
+
+<file path=ppt/slides/slide13.xml><?xml version="1.0" encoding="utf-8"?>
+<p:sld xmlns:a="http://schemas.openxmlformats.org/drawingml/2006/main" xmlns:r="http://schemas.openxmlformats.org/officeDocument/2006/relationships" xmlns:p="http://schemas.openxmlformats.org/presentationml/2006/main">
+  <p:cSld>
+    <p:spTree>
+      <p:nvGrpSpPr>
+        <p:cNvPr id="1" name=""/>
+        <p:cNvGrpSpPr/>
+        <p:nvPr/>
+      </p:nvGrpSpPr>
+      <p:grpSpPr>
+        <a:xfrm>
+          <a:off x="0" y="0"/>
+          <a:ext cx="0" cy="0"/>
+          <a:chOff x="0" y="0"/>
+          <a:chExt cx="0" cy="0"/>
+        </a:xfrm>
+      </p:grpSpPr>
+      <p:sp>
+        <p:nvSpPr>
+          <p:cNvPr id="4" name="TextBox 3">
+            <a:extLst>
+              <a:ext uri="{FF2B5EF4-FFF2-40B4-BE49-F238E27FC236}">
+                <a16:creationId xmlns:a16="http://schemas.microsoft.com/office/drawing/2014/main" id="{AA86A764-41DA-4F08-A844-A0F596F8242E}"/>
+              </a:ext>
+            </a:extLst>
+          </p:cNvPr>
+          <p:cNvSpPr txBox="1"/>
+          <p:nvPr/>
+        </p:nvSpPr>
+        <p:spPr>
+          <a:xfrm>
+            <a:off x="293615" y="280682"/>
+            <a:ext cx="3917658" cy="369332"/>
+          </a:xfrm>
+          <a:prstGeom prst="rect">
+            <a:avLst/>
+          </a:prstGeom>
+          <a:noFill/>
+        </p:spPr>
+        <p:txBody>
+          <a:bodyPr wrap="square" rtlCol="0">
+            <a:spAutoFit/>
+          </a:bodyPr>
+          <a:lstStyle/>
+          <a:p>
+            <a:r>
+              <a:rPr lang="ko-KR" altLang="en-US" dirty="0"/>
+              <a:t>게임의 특징과 </a:t>
+            </a:r>
+            <a:r>
+              <a:rPr lang="ko-KR" altLang="en-US" dirty="0" err="1"/>
+              <a:t>차별점</a:t>
+            </a:r>
+            <a:endParaRPr lang="ko-KR" altLang="en-US" dirty="0"/>
+          </a:p>
+        </p:txBody>
+      </p:sp>
+      <p:sp>
+        <p:nvSpPr>
+          <p:cNvPr id="5" name="TextBox 4">
+            <a:extLst>
+              <a:ext uri="{FF2B5EF4-FFF2-40B4-BE49-F238E27FC236}">
+                <a16:creationId xmlns:a16="http://schemas.microsoft.com/office/drawing/2014/main" id="{BDE485BB-9B2F-4CC1-8DD8-FD082B58D51D}"/>
+              </a:ext>
+            </a:extLst>
+          </p:cNvPr>
+          <p:cNvSpPr txBox="1"/>
+          <p:nvPr/>
+        </p:nvSpPr>
+        <p:spPr>
+          <a:xfrm>
+            <a:off x="335559" y="3212117"/>
+            <a:ext cx="3833769" cy="1477328"/>
+          </a:xfrm>
+          <a:prstGeom prst="rect">
+            <a:avLst/>
+          </a:prstGeom>
+          <a:noFill/>
+        </p:spPr>
+        <p:txBody>
+          <a:bodyPr wrap="square" rtlCol="0">
+            <a:spAutoFit/>
+          </a:bodyPr>
+          <a:lstStyle/>
+          <a:p>
+            <a:endParaRPr lang="en-US" altLang="ko-KR" dirty="0"/>
+          </a:p>
+          <a:p>
+            <a:r>
+              <a:rPr lang="ko-KR" altLang="en-US" dirty="0" err="1"/>
+              <a:t>서브노티카</a:t>
+            </a:r>
+            <a:endParaRPr lang="en-US" altLang="ko-KR" dirty="0"/>
+          </a:p>
+          <a:p>
+            <a:r>
+              <a:rPr lang="ko-KR" altLang="en-US" dirty="0"/>
+              <a:t>스페이스 엔지니어</a:t>
+            </a:r>
+            <a:endParaRPr lang="en-US" altLang="ko-KR" dirty="0"/>
+          </a:p>
+          <a:p>
+            <a:r>
+              <a:rPr lang="ko-KR" altLang="en-US" dirty="0" err="1"/>
+              <a:t>스타시티즌</a:t>
+            </a:r>
+            <a:endParaRPr lang="en-US" altLang="ko-KR" dirty="0"/>
+          </a:p>
+          <a:p>
+            <a:r>
+              <a:rPr lang="ko-KR" altLang="en-US" dirty="0" err="1"/>
+              <a:t>돈스타브</a:t>
+            </a:r>
+            <a:endParaRPr lang="ko-KR" altLang="en-US" dirty="0"/>
+          </a:p>
+        </p:txBody>
+      </p:sp>
+      <p:pic>
+        <p:nvPicPr>
+          <p:cNvPr id="1026" name="Picture 2" descr="https://mblogthumb-phinf.pstatic.net/20150522_42/paper_papers_14322965751673va8l_PNG/12.png?type=w2">
+            <a:extLst>
+              <a:ext uri="{FF2B5EF4-FFF2-40B4-BE49-F238E27FC236}">
+                <a16:creationId xmlns:a16="http://schemas.microsoft.com/office/drawing/2014/main" id="{F16A49AB-1036-49FC-B8A0-35CCAC80DBF7}"/>
+              </a:ext>
+            </a:extLst>
+          </p:cNvPr>
+          <p:cNvPicPr>
+            <a:picLocks noChangeAspect="1" noChangeArrowheads="1"/>
+          </p:cNvPicPr>
+          <p:nvPr/>
+        </p:nvPicPr>
+        <p:blipFill>
+          <a:blip r:embed="rId2">
+            <a:extLst>
+              <a:ext uri="{28A0092B-C50C-407E-A947-70E740481C1C}">
+                <a14:useLocalDpi xmlns:a14="http://schemas.microsoft.com/office/drawing/2010/main" val="0"/>
+              </a:ext>
+            </a:extLst>
+          </a:blip>
+          <a:srcRect/>
+          <a:stretch>
+            <a:fillRect/>
+          </a:stretch>
+        </p:blipFill>
+        <p:spPr bwMode="auto">
+          <a:xfrm>
+            <a:off x="8095815" y="4379161"/>
+            <a:ext cx="3763422" cy="2117241"/>
+          </a:xfrm>
+          <a:prstGeom prst="rect">
+            <a:avLst/>
+          </a:prstGeom>
+          <a:noFill/>
+          <a:extLst>
+            <a:ext uri="{909E8E84-426E-40DD-AFC4-6F175D3DCCD1}">
+              <a14:hiddenFill xmlns:a14="http://schemas.microsoft.com/office/drawing/2010/main">
+                <a:solidFill>
+                  <a:srgbClr val="FFFFFF"/>
+                </a:solidFill>
+              </a14:hiddenFill>
+            </a:ext>
+          </a:extLst>
+        </p:spPr>
+      </p:pic>
+      <p:pic>
+        <p:nvPicPr>
+          <p:cNvPr id="1030" name="Picture 6" descr="서브노티카] 초보자 가이드 + 수중 일기 : 네이버 블로그">
+            <a:extLst>
+              <a:ext uri="{FF2B5EF4-FFF2-40B4-BE49-F238E27FC236}">
+                <a16:creationId xmlns:a16="http://schemas.microsoft.com/office/drawing/2014/main" id="{5B2D3CA1-A7C3-4EAF-8063-85FC67699D24}"/>
+              </a:ext>
+            </a:extLst>
+          </p:cNvPr>
+          <p:cNvPicPr>
+            <a:picLocks noChangeAspect="1" noChangeArrowheads="1"/>
+          </p:cNvPicPr>
+          <p:nvPr/>
+        </p:nvPicPr>
+        <p:blipFill>
+          <a:blip r:embed="rId3">
+            <a:extLst>
+              <a:ext uri="{28A0092B-C50C-407E-A947-70E740481C1C}">
+                <a14:useLocalDpi xmlns:a14="http://schemas.microsoft.com/office/drawing/2010/main" val="0"/>
+              </a:ext>
+            </a:extLst>
+          </a:blip>
+          <a:srcRect/>
+          <a:stretch>
+            <a:fillRect/>
+          </a:stretch>
+        </p:blipFill>
+        <p:spPr bwMode="auto">
+          <a:xfrm>
+            <a:off x="3942825" y="4689445"/>
+            <a:ext cx="3445079" cy="1937857"/>
+          </a:xfrm>
+          <a:prstGeom prst="rect">
+            <a:avLst/>
+          </a:prstGeom>
+          <a:noFill/>
+          <a:extLst>
+            <a:ext uri="{909E8E84-426E-40DD-AFC4-6F175D3DCCD1}">
+              <a14:hiddenFill xmlns:a14="http://schemas.microsoft.com/office/drawing/2010/main">
+                <a:solidFill>
+                  <a:srgbClr val="FFFFFF"/>
+                </a:solidFill>
+              </a14:hiddenFill>
+            </a:ext>
+          </a:extLst>
+        </p:spPr>
+      </p:pic>
+      <p:pic>
+        <p:nvPicPr>
+          <p:cNvPr id="1034" name="Picture 10" descr="서브노티카가 업데이트 되었군요. - 이야기 - ITCM">
+            <a:extLst>
+              <a:ext uri="{FF2B5EF4-FFF2-40B4-BE49-F238E27FC236}">
+                <a16:creationId xmlns:a16="http://schemas.microsoft.com/office/drawing/2014/main" id="{6339F95C-3F93-4D8F-853B-5E4E27397E3B}"/>
+              </a:ext>
+            </a:extLst>
+          </p:cNvPr>
+          <p:cNvPicPr>
+            <a:picLocks noChangeAspect="1" noChangeArrowheads="1"/>
+          </p:cNvPicPr>
+          <p:nvPr/>
+        </p:nvPicPr>
+        <p:blipFill>
+          <a:blip r:embed="rId4">
+            <a:extLst>
+              <a:ext uri="{28A0092B-C50C-407E-A947-70E740481C1C}">
+                <a14:useLocalDpi xmlns:a14="http://schemas.microsoft.com/office/drawing/2010/main" val="0"/>
+              </a:ext>
+            </a:extLst>
+          </a:blip>
+          <a:srcRect/>
+          <a:stretch>
+            <a:fillRect/>
+          </a:stretch>
+        </p:blipFill>
+        <p:spPr bwMode="auto">
+          <a:xfrm>
+            <a:off x="332763" y="4689446"/>
+            <a:ext cx="3445079" cy="1937857"/>
+          </a:xfrm>
+          <a:prstGeom prst="rect">
+            <a:avLst/>
+          </a:prstGeom>
+          <a:noFill/>
+          <a:extLst>
+            <a:ext uri="{909E8E84-426E-40DD-AFC4-6F175D3DCCD1}">
+              <a14:hiddenFill xmlns:a14="http://schemas.microsoft.com/office/drawing/2010/main">
+                <a:solidFill>
+                  <a:srgbClr val="FFFFFF"/>
+                </a:solidFill>
+              </a14:hiddenFill>
+            </a:ext>
+          </a:extLst>
+        </p:spPr>
+      </p:pic>
+    </p:spTree>
+    <p:extLst>
+      <p:ext uri="{BB962C8B-B14F-4D97-AF65-F5344CB8AC3E}">
+        <p14:creationId xmlns:p14="http://schemas.microsoft.com/office/powerpoint/2010/main" val="1808424736"/>
+      </p:ext>
+    </p:extLst>
+  </p:cSld>
+  <p:clrMapOvr>
+    <a:masterClrMapping/>
+  </p:clrMapOvr>
+</p:sld>
+</file>
+
+<file path=ppt/slides/slide14.xml><?xml version="1.0" encoding="utf-8"?>
+<p:sld xmlns:a="http://schemas.openxmlformats.org/drawingml/2006/main" xmlns:r="http://schemas.openxmlformats.org/officeDocument/2006/relationships" xmlns:p="http://schemas.openxmlformats.org/presentationml/2006/main">
+  <p:cSld>
+    <p:spTree>
+      <p:nvGrpSpPr>
+        <p:cNvPr id="1" name=""/>
+        <p:cNvGrpSpPr/>
+        <p:nvPr/>
+      </p:nvGrpSpPr>
+      <p:grpSpPr>
+        <a:xfrm>
+          <a:off x="0" y="0"/>
+          <a:ext cx="0" cy="0"/>
+          <a:chOff x="0" y="0"/>
+          <a:chExt cx="0" cy="0"/>
+        </a:xfrm>
+      </p:grpSpPr>
+      <p:sp>
+        <p:nvSpPr>
+          <p:cNvPr id="22" name="화살표: U자형 21">
+            <a:extLst>
+              <a:ext uri="{FF2B5EF4-FFF2-40B4-BE49-F238E27FC236}">
+                <a16:creationId xmlns:a16="http://schemas.microsoft.com/office/drawing/2014/main" id="{2F6C9FAB-C53D-CFFD-1229-F969D90B1E36}"/>
+              </a:ext>
+            </a:extLst>
+          </p:cNvPr>
+          <p:cNvSpPr/>
+          <p:nvPr/>
+        </p:nvSpPr>
+        <p:spPr>
+          <a:xfrm rot="5400000">
+            <a:off x="4128751" y="-2323560"/>
+            <a:ext cx="3674771" cy="11932276"/>
+          </a:xfrm>
+          <a:prstGeom prst="uturnArrow">
+            <a:avLst>
+              <a:gd name="adj1" fmla="val 8676"/>
+              <a:gd name="adj2" fmla="val 25000"/>
+              <a:gd name="adj3" fmla="val 25000"/>
+              <a:gd name="adj4" fmla="val 43750"/>
+              <a:gd name="adj5" fmla="val 94901"/>
+            </a:avLst>
+          </a:prstGeom>
+        </p:spPr>
+        <p:style>
+          <a:lnRef idx="2">
+            <a:schemeClr val="accent1">
+              <a:shade val="15000"/>
+            </a:schemeClr>
+          </a:lnRef>
+          <a:fillRef idx="1">
+            <a:schemeClr val="accent1"/>
+          </a:fillRef>
+          <a:effectRef idx="0">
+            <a:schemeClr val="accent1"/>
+          </a:effectRef>
+          <a:fontRef idx="minor">
+            <a:schemeClr val="lt1"/>
+          </a:fontRef>
+        </p:style>
+        <p:txBody>
+          <a:bodyPr rtlCol="0" anchor="ctr"/>
+          <a:lstStyle/>
+          <a:p>
+            <a:pPr marL="0" marR="0" lvl="0" indent="0" algn="ctr" defTabSz="914400" rtl="0" eaLnBrk="1" fontAlgn="auto" latinLnBrk="1" hangingPunct="1">
+              <a:lnSpc>
+                <a:spcPct val="100000"/>
+              </a:lnSpc>
+              <a:spcBef>
+                <a:spcPts val="0"/>
+              </a:spcBef>
+              <a:spcAft>
+                <a:spcPts val="0"/>
+              </a:spcAft>
+              <a:buClrTx/>
+              <a:buSzTx/>
+              <a:buFontTx/>
+              <a:buNone/>
+              <a:tabLst/>
+              <a:defRPr/>
+            </a:pPr>
+            <a:endParaRPr kumimoji="0" lang="ko-KR" altLang="en-US" sz="1800" b="0" i="0" u="none" strike="noStrike" kern="1200" cap="none" spc="0" normalizeH="0" baseline="0" noProof="0">
+              <a:ln>
+                <a:noFill/>
+              </a:ln>
+              <a:solidFill>
+                <a:prstClr val="black"/>
+              </a:solidFill>
+              <a:effectLst/>
+              <a:uLnTx/>
+              <a:uFillTx/>
+              <a:latin typeface="맑은 고딕" panose="020F0502020204030204"/>
+              <a:ea typeface="맑은 고딕" panose="020B0503020000020004" pitchFamily="50" charset="-127"/>
+              <a:cs typeface="+mn-cs"/>
+            </a:endParaRPr>
+          </a:p>
+        </p:txBody>
+      </p:sp>
+      <p:sp>
+        <p:nvSpPr>
+          <p:cNvPr id="2" name="제목 1">
+            <a:extLst>
+              <a:ext uri="{FF2B5EF4-FFF2-40B4-BE49-F238E27FC236}">
+                <a16:creationId xmlns:a16="http://schemas.microsoft.com/office/drawing/2014/main" id="{18B15778-FB71-F1F9-33F2-4CE382D15320}"/>
+              </a:ext>
+            </a:extLst>
+          </p:cNvPr>
+          <p:cNvSpPr>
+            <a:spLocks noGrp="1"/>
+          </p:cNvSpPr>
+          <p:nvPr>
+            <p:ph type="title"/>
+          </p:nvPr>
+        </p:nvSpPr>
+        <p:spPr/>
+        <p:txBody>
+          <a:bodyPr/>
+          <a:lstStyle/>
+          <a:p>
+            <a:r>
+              <a:rPr lang="ko-KR" altLang="en-US" dirty="0"/>
+              <a:t>일정</a:t>
+            </a:r>
+          </a:p>
+        </p:txBody>
+      </p:sp>
+      <p:sp>
+        <p:nvSpPr>
+          <p:cNvPr id="14" name="타원 13">
+            <a:extLst>
+              <a:ext uri="{FF2B5EF4-FFF2-40B4-BE49-F238E27FC236}">
+                <a16:creationId xmlns:a16="http://schemas.microsoft.com/office/drawing/2014/main" id="{3C0D3DD1-1C71-81C6-4070-12207EB3D064}"/>
+              </a:ext>
+            </a:extLst>
+          </p:cNvPr>
+          <p:cNvSpPr/>
+          <p:nvPr/>
+        </p:nvSpPr>
+        <p:spPr>
+          <a:xfrm>
+            <a:off x="1378039" y="1473930"/>
+            <a:ext cx="978794" cy="978794"/>
+          </a:xfrm>
+          <a:prstGeom prst="ellipse">
+            <a:avLst/>
+          </a:prstGeom>
+          <a:solidFill>
+            <a:schemeClr val="bg1"/>
+          </a:solidFill>
+        </p:spPr>
+        <p:style>
+          <a:lnRef idx="2">
+            <a:schemeClr val="accent1">
+              <a:shade val="15000"/>
+            </a:schemeClr>
+          </a:lnRef>
+          <a:fillRef idx="1">
+            <a:schemeClr val="accent1"/>
+          </a:fillRef>
+          <a:effectRef idx="0">
+            <a:schemeClr val="accent1"/>
+          </a:effectRef>
+          <a:fontRef idx="minor">
+            <a:schemeClr val="lt1"/>
+          </a:fontRef>
+        </p:style>
+        <p:txBody>
+          <a:bodyPr rtlCol="0" anchor="ctr"/>
+          <a:lstStyle/>
+          <a:p>
+            <a:pPr marL="0" marR="0" lvl="0" indent="0" algn="ctr" defTabSz="914400" rtl="0" eaLnBrk="1" fontAlgn="auto" latinLnBrk="1" hangingPunct="1">
+              <a:lnSpc>
+                <a:spcPct val="100000"/>
+              </a:lnSpc>
+              <a:spcBef>
+                <a:spcPts val="0"/>
+              </a:spcBef>
+              <a:spcAft>
+                <a:spcPts val="0"/>
+              </a:spcAft>
+              <a:buClrTx/>
+              <a:buSzTx/>
+              <a:buFontTx/>
+              <a:buNone/>
+              <a:tabLst/>
+              <a:defRPr/>
+            </a:pPr>
+            <a:r>
+              <a:rPr kumimoji="0" lang="en-US" altLang="ko-KR" sz="1800" b="0" i="0" u="none" strike="noStrike" kern="1200" cap="none" spc="0" normalizeH="0" baseline="0" noProof="0" dirty="0">
+                <a:ln>
+                  <a:noFill/>
+                </a:ln>
+                <a:solidFill>
+                  <a:prstClr val="black"/>
+                </a:solidFill>
+                <a:effectLst/>
+                <a:uLnTx/>
+                <a:uFillTx/>
+                <a:latin typeface="맑은 고딕" panose="020F0502020204030204"/>
+                <a:ea typeface="맑은 고딕" panose="020B0503020000020004" pitchFamily="50" charset="-127"/>
+                <a:cs typeface="+mn-cs"/>
+              </a:rPr>
+              <a:t>9</a:t>
+            </a:r>
+            <a:r>
+              <a:rPr kumimoji="0" lang="ko-KR" altLang="en-US" sz="1800" b="0" i="0" u="none" strike="noStrike" kern="1200" cap="none" spc="0" normalizeH="0" baseline="0" noProof="0" dirty="0">
+                <a:ln>
+                  <a:noFill/>
+                </a:ln>
+                <a:solidFill>
+                  <a:prstClr val="black"/>
+                </a:solidFill>
+                <a:effectLst/>
+                <a:uLnTx/>
+                <a:uFillTx/>
+                <a:latin typeface="맑은 고딕" panose="020F0502020204030204"/>
+                <a:ea typeface="맑은 고딕" panose="020B0503020000020004" pitchFamily="50" charset="-127"/>
+                <a:cs typeface="+mn-cs"/>
+              </a:rPr>
+              <a:t>월</a:t>
+            </a:r>
+          </a:p>
+        </p:txBody>
+      </p:sp>
+      <p:sp>
+        <p:nvSpPr>
+          <p:cNvPr id="15" name="타원 14">
+            <a:extLst>
+              <a:ext uri="{FF2B5EF4-FFF2-40B4-BE49-F238E27FC236}">
+                <a16:creationId xmlns:a16="http://schemas.microsoft.com/office/drawing/2014/main" id="{723E5B57-60E2-830C-DCC6-B2B70A8494B3}"/>
+              </a:ext>
+            </a:extLst>
+          </p:cNvPr>
+          <p:cNvSpPr/>
+          <p:nvPr/>
+        </p:nvSpPr>
+        <p:spPr>
+          <a:xfrm>
+            <a:off x="5933938" y="1469535"/>
+            <a:ext cx="978794" cy="978794"/>
+          </a:xfrm>
+          <a:prstGeom prst="ellipse">
+            <a:avLst/>
+          </a:prstGeom>
+          <a:solidFill>
+            <a:schemeClr val="bg1"/>
+          </a:solidFill>
+        </p:spPr>
+        <p:style>
+          <a:lnRef idx="2">
+            <a:schemeClr val="accent1">
+              <a:shade val="15000"/>
+            </a:schemeClr>
+          </a:lnRef>
+          <a:fillRef idx="1">
+            <a:schemeClr val="accent1"/>
+          </a:fillRef>
+          <a:effectRef idx="0">
+            <a:schemeClr val="accent1"/>
+          </a:effectRef>
+          <a:fontRef idx="minor">
+            <a:schemeClr val="lt1"/>
+          </a:fontRef>
+        </p:style>
+        <p:txBody>
+          <a:bodyPr rtlCol="0" anchor="ctr"/>
+          <a:lstStyle/>
+          <a:p>
+            <a:pPr marL="0" marR="0" lvl="0" indent="0" algn="ctr" defTabSz="914400" rtl="0" eaLnBrk="1" fontAlgn="auto" latinLnBrk="1" hangingPunct="1">
+              <a:lnSpc>
+                <a:spcPct val="100000"/>
+              </a:lnSpc>
+              <a:spcBef>
+                <a:spcPts val="0"/>
+              </a:spcBef>
+              <a:spcAft>
+                <a:spcPts val="0"/>
+              </a:spcAft>
+              <a:buClrTx/>
+              <a:buSzTx/>
+              <a:buFontTx/>
+              <a:buNone/>
+              <a:tabLst/>
+              <a:defRPr/>
+            </a:pPr>
+            <a:r>
+              <a:rPr kumimoji="0" lang="en-US" altLang="ko-KR" sz="1800" b="0" i="0" u="none" strike="noStrike" kern="1200" cap="none" spc="0" normalizeH="0" baseline="0" noProof="0" dirty="0">
+                <a:ln>
+                  <a:noFill/>
+                </a:ln>
+                <a:solidFill>
+                  <a:prstClr val="black"/>
+                </a:solidFill>
+                <a:effectLst/>
+                <a:uLnTx/>
+                <a:uFillTx/>
+                <a:latin typeface="맑은 고딕" panose="020F0502020204030204"/>
+                <a:ea typeface="맑은 고딕" panose="020B0503020000020004" pitchFamily="50" charset="-127"/>
+                <a:cs typeface="+mn-cs"/>
+              </a:rPr>
+              <a:t>12</a:t>
+            </a:r>
+            <a:r>
+              <a:rPr kumimoji="0" lang="ko-KR" altLang="en-US" sz="1800" b="0" i="0" u="none" strike="noStrike" kern="1200" cap="none" spc="0" normalizeH="0" baseline="0" noProof="0" dirty="0">
+                <a:ln>
+                  <a:noFill/>
+                </a:ln>
+                <a:solidFill>
+                  <a:prstClr val="black"/>
+                </a:solidFill>
+                <a:effectLst/>
+                <a:uLnTx/>
+                <a:uFillTx/>
+                <a:latin typeface="맑은 고딕" panose="020F0502020204030204"/>
+                <a:ea typeface="맑은 고딕" panose="020B0503020000020004" pitchFamily="50" charset="-127"/>
+                <a:cs typeface="+mn-cs"/>
+              </a:rPr>
+              <a:t>월</a:t>
+            </a:r>
+          </a:p>
+        </p:txBody>
+      </p:sp>
+      <p:sp>
+        <p:nvSpPr>
+          <p:cNvPr id="16" name="타원 15">
+            <a:extLst>
+              <a:ext uri="{FF2B5EF4-FFF2-40B4-BE49-F238E27FC236}">
+                <a16:creationId xmlns:a16="http://schemas.microsoft.com/office/drawing/2014/main" id="{BA345C7A-0747-32F5-4F39-3F4F3BAEDBAF}"/>
+              </a:ext>
+            </a:extLst>
+          </p:cNvPr>
+          <p:cNvSpPr/>
+          <p:nvPr/>
+        </p:nvSpPr>
+        <p:spPr>
+          <a:xfrm>
+            <a:off x="7452571" y="1473930"/>
+            <a:ext cx="978794" cy="978794"/>
+          </a:xfrm>
+          <a:prstGeom prst="ellipse">
+            <a:avLst/>
+          </a:prstGeom>
+          <a:solidFill>
+            <a:schemeClr val="bg1"/>
+          </a:solidFill>
+        </p:spPr>
+        <p:style>
+          <a:lnRef idx="2">
+            <a:schemeClr val="accent1">
+              <a:shade val="15000"/>
+            </a:schemeClr>
+          </a:lnRef>
+          <a:fillRef idx="1">
+            <a:schemeClr val="accent1"/>
+          </a:fillRef>
+          <a:effectRef idx="0">
+            <a:schemeClr val="accent1"/>
+          </a:effectRef>
+          <a:fontRef idx="minor">
+            <a:schemeClr val="lt1"/>
+          </a:fontRef>
+        </p:style>
+        <p:txBody>
+          <a:bodyPr rtlCol="0" anchor="ctr"/>
+          <a:lstStyle/>
+          <a:p>
+            <a:pPr marL="0" marR="0" lvl="0" indent="0" algn="ctr" defTabSz="914400" rtl="0" eaLnBrk="1" fontAlgn="auto" latinLnBrk="1" hangingPunct="1">
+              <a:lnSpc>
+                <a:spcPct val="100000"/>
+              </a:lnSpc>
+              <a:spcBef>
+                <a:spcPts val="0"/>
+              </a:spcBef>
+              <a:spcAft>
+                <a:spcPts val="0"/>
+              </a:spcAft>
+              <a:buClrTx/>
+              <a:buSzTx/>
+              <a:buFontTx/>
+              <a:buNone/>
+              <a:tabLst/>
+              <a:defRPr/>
+            </a:pPr>
+            <a:r>
+              <a:rPr kumimoji="0" lang="en-US" altLang="ko-KR" sz="1800" b="0" i="0" u="none" strike="noStrike" kern="1200" cap="none" spc="0" normalizeH="0" baseline="0" noProof="0" dirty="0">
+                <a:ln>
+                  <a:noFill/>
+                </a:ln>
+                <a:solidFill>
+                  <a:prstClr val="black"/>
+                </a:solidFill>
+                <a:effectLst/>
+                <a:uLnTx/>
+                <a:uFillTx/>
+                <a:latin typeface="맑은 고딕" panose="020F0502020204030204"/>
+                <a:ea typeface="맑은 고딕" panose="020B0503020000020004" pitchFamily="50" charset="-127"/>
+                <a:cs typeface="+mn-cs"/>
+              </a:rPr>
+              <a:t>1</a:t>
+            </a:r>
+            <a:r>
+              <a:rPr kumimoji="0" lang="ko-KR" altLang="en-US" sz="1800" b="0" i="0" u="none" strike="noStrike" kern="1200" cap="none" spc="0" normalizeH="0" baseline="0" noProof="0" dirty="0">
+                <a:ln>
+                  <a:noFill/>
+                </a:ln>
+                <a:solidFill>
+                  <a:prstClr val="black"/>
+                </a:solidFill>
+                <a:effectLst/>
+                <a:uLnTx/>
+                <a:uFillTx/>
+                <a:latin typeface="맑은 고딕" panose="020F0502020204030204"/>
+                <a:ea typeface="맑은 고딕" panose="020B0503020000020004" pitchFamily="50" charset="-127"/>
+                <a:cs typeface="+mn-cs"/>
+              </a:rPr>
+              <a:t>월</a:t>
+            </a:r>
+          </a:p>
+        </p:txBody>
+      </p:sp>
+      <p:sp>
+        <p:nvSpPr>
+          <p:cNvPr id="17" name="타원 16">
+            <a:extLst>
+              <a:ext uri="{FF2B5EF4-FFF2-40B4-BE49-F238E27FC236}">
+                <a16:creationId xmlns:a16="http://schemas.microsoft.com/office/drawing/2014/main" id="{560D2A8F-CE41-E5A0-6A2C-CFAB1A12EAB5}"/>
+              </a:ext>
+            </a:extLst>
+          </p:cNvPr>
+          <p:cNvSpPr/>
+          <p:nvPr/>
+        </p:nvSpPr>
+        <p:spPr>
+          <a:xfrm>
+            <a:off x="8971204" y="1469535"/>
+            <a:ext cx="978794" cy="978794"/>
+          </a:xfrm>
+          <a:prstGeom prst="ellipse">
+            <a:avLst/>
+          </a:prstGeom>
+          <a:solidFill>
+            <a:schemeClr val="bg1"/>
+          </a:solidFill>
+        </p:spPr>
+        <p:style>
+          <a:lnRef idx="2">
+            <a:schemeClr val="accent1">
+              <a:shade val="15000"/>
+            </a:schemeClr>
+          </a:lnRef>
+          <a:fillRef idx="1">
+            <a:schemeClr val="accent1"/>
+          </a:fillRef>
+          <a:effectRef idx="0">
+            <a:schemeClr val="accent1"/>
+          </a:effectRef>
+          <a:fontRef idx="minor">
+            <a:schemeClr val="lt1"/>
+          </a:fontRef>
+        </p:style>
+        <p:txBody>
+          <a:bodyPr rtlCol="0" anchor="ctr"/>
+          <a:lstStyle/>
+          <a:p>
+            <a:pPr marL="0" marR="0" lvl="0" indent="0" algn="ctr" defTabSz="914400" rtl="0" eaLnBrk="1" fontAlgn="auto" latinLnBrk="1" hangingPunct="1">
+              <a:lnSpc>
+                <a:spcPct val="100000"/>
+              </a:lnSpc>
+              <a:spcBef>
+                <a:spcPts val="0"/>
+              </a:spcBef>
+              <a:spcAft>
+                <a:spcPts val="0"/>
+              </a:spcAft>
+              <a:buClrTx/>
+              <a:buSzTx/>
+              <a:buFontTx/>
+              <a:buNone/>
+              <a:tabLst/>
+              <a:defRPr/>
+            </a:pPr>
+            <a:r>
+              <a:rPr kumimoji="0" lang="en-US" altLang="ko-KR" sz="1800" b="0" i="0" u="none" strike="noStrike" kern="1200" cap="none" spc="0" normalizeH="0" baseline="0" noProof="0" dirty="0">
+                <a:ln>
+                  <a:noFill/>
+                </a:ln>
+                <a:solidFill>
+                  <a:prstClr val="black"/>
+                </a:solidFill>
+                <a:effectLst/>
+                <a:uLnTx/>
+                <a:uFillTx/>
+                <a:latin typeface="맑은 고딕" panose="020F0502020204030204"/>
+                <a:ea typeface="맑은 고딕" panose="020B0503020000020004" pitchFamily="50" charset="-127"/>
+                <a:cs typeface="+mn-cs"/>
+              </a:rPr>
+              <a:t>2</a:t>
+            </a:r>
+            <a:r>
+              <a:rPr kumimoji="0" lang="ko-KR" altLang="en-US" sz="1800" b="0" i="0" u="none" strike="noStrike" kern="1200" cap="none" spc="0" normalizeH="0" baseline="0" noProof="0" dirty="0">
+                <a:ln>
+                  <a:noFill/>
+                </a:ln>
+                <a:solidFill>
+                  <a:prstClr val="black"/>
+                </a:solidFill>
+                <a:effectLst/>
+                <a:uLnTx/>
+                <a:uFillTx/>
+                <a:latin typeface="맑은 고딕" panose="020F0502020204030204"/>
+                <a:ea typeface="맑은 고딕" panose="020B0503020000020004" pitchFamily="50" charset="-127"/>
+                <a:cs typeface="+mn-cs"/>
+              </a:rPr>
+              <a:t>월</a:t>
+            </a:r>
+          </a:p>
+        </p:txBody>
+      </p:sp>
+      <p:sp>
+        <p:nvSpPr>
+          <p:cNvPr id="23" name="타원 22">
+            <a:extLst>
+              <a:ext uri="{FF2B5EF4-FFF2-40B4-BE49-F238E27FC236}">
+                <a16:creationId xmlns:a16="http://schemas.microsoft.com/office/drawing/2014/main" id="{76AFCABD-1DAB-671A-03A6-C90A2DCEABFE}"/>
+              </a:ext>
+            </a:extLst>
+          </p:cNvPr>
+          <p:cNvSpPr/>
+          <p:nvPr/>
+        </p:nvSpPr>
+        <p:spPr>
+          <a:xfrm>
+            <a:off x="2896672" y="1473930"/>
+            <a:ext cx="978794" cy="978794"/>
+          </a:xfrm>
+          <a:prstGeom prst="ellipse">
+            <a:avLst/>
+          </a:prstGeom>
+          <a:solidFill>
+            <a:schemeClr val="bg1"/>
+          </a:solidFill>
+        </p:spPr>
+        <p:style>
+          <a:lnRef idx="2">
+            <a:schemeClr val="accent1">
+              <a:shade val="15000"/>
+            </a:schemeClr>
+          </a:lnRef>
+          <a:fillRef idx="1">
+            <a:schemeClr val="accent1"/>
+          </a:fillRef>
+          <a:effectRef idx="0">
+            <a:schemeClr val="accent1"/>
+          </a:effectRef>
+          <a:fontRef idx="minor">
+            <a:schemeClr val="lt1"/>
+          </a:fontRef>
+        </p:style>
+        <p:txBody>
+          <a:bodyPr rtlCol="0" anchor="ctr"/>
+          <a:lstStyle/>
+          <a:p>
+            <a:pPr marL="0" marR="0" lvl="0" indent="0" algn="ctr" defTabSz="914400" rtl="0" eaLnBrk="1" fontAlgn="auto" latinLnBrk="1" hangingPunct="1">
+              <a:lnSpc>
+                <a:spcPct val="100000"/>
+              </a:lnSpc>
+              <a:spcBef>
+                <a:spcPts val="0"/>
+              </a:spcBef>
+              <a:spcAft>
+                <a:spcPts val="0"/>
+              </a:spcAft>
+              <a:buClrTx/>
+              <a:buSzTx/>
+              <a:buFontTx/>
+              <a:buNone/>
+              <a:tabLst/>
+              <a:defRPr/>
+            </a:pPr>
+            <a:r>
+              <a:rPr kumimoji="0" lang="en-US" altLang="ko-KR" sz="1800" b="0" i="0" u="none" strike="noStrike" kern="1200" cap="none" spc="0" normalizeH="0" baseline="0" noProof="0" dirty="0">
+                <a:ln>
+                  <a:noFill/>
+                </a:ln>
+                <a:solidFill>
+                  <a:prstClr val="black"/>
+                </a:solidFill>
+                <a:effectLst/>
+                <a:uLnTx/>
+                <a:uFillTx/>
+                <a:latin typeface="맑은 고딕" panose="020F0502020204030204"/>
+                <a:ea typeface="맑은 고딕" panose="020B0503020000020004" pitchFamily="50" charset="-127"/>
+                <a:cs typeface="+mn-cs"/>
+              </a:rPr>
+              <a:t>10</a:t>
+            </a:r>
+            <a:r>
+              <a:rPr kumimoji="0" lang="ko-KR" altLang="en-US" sz="1800" b="0" i="0" u="none" strike="noStrike" kern="1200" cap="none" spc="0" normalizeH="0" baseline="0" noProof="0" dirty="0">
+                <a:ln>
+                  <a:noFill/>
+                </a:ln>
+                <a:solidFill>
+                  <a:prstClr val="black"/>
+                </a:solidFill>
+                <a:effectLst/>
+                <a:uLnTx/>
+                <a:uFillTx/>
+                <a:latin typeface="맑은 고딕" panose="020F0502020204030204"/>
+                <a:ea typeface="맑은 고딕" panose="020B0503020000020004" pitchFamily="50" charset="-127"/>
+                <a:cs typeface="+mn-cs"/>
+              </a:rPr>
+              <a:t>월</a:t>
+            </a:r>
+          </a:p>
+        </p:txBody>
+      </p:sp>
+      <p:sp>
+        <p:nvSpPr>
+          <p:cNvPr id="25" name="타원 24">
+            <a:extLst>
+              <a:ext uri="{FF2B5EF4-FFF2-40B4-BE49-F238E27FC236}">
+                <a16:creationId xmlns:a16="http://schemas.microsoft.com/office/drawing/2014/main" id="{8949252E-F92E-D3E9-44C9-F14B29A64FDD}"/>
+              </a:ext>
+            </a:extLst>
+          </p:cNvPr>
+          <p:cNvSpPr/>
+          <p:nvPr/>
+        </p:nvSpPr>
+        <p:spPr>
+          <a:xfrm>
+            <a:off x="4415305" y="1473930"/>
+            <a:ext cx="978794" cy="978794"/>
+          </a:xfrm>
+          <a:prstGeom prst="ellipse">
+            <a:avLst/>
+          </a:prstGeom>
+          <a:solidFill>
+            <a:schemeClr val="bg1"/>
+          </a:solidFill>
+        </p:spPr>
+        <p:style>
+          <a:lnRef idx="2">
+            <a:schemeClr val="accent1">
+              <a:shade val="15000"/>
+            </a:schemeClr>
+          </a:lnRef>
+          <a:fillRef idx="1">
+            <a:schemeClr val="accent1"/>
+          </a:fillRef>
+          <a:effectRef idx="0">
+            <a:schemeClr val="accent1"/>
+          </a:effectRef>
+          <a:fontRef idx="minor">
+            <a:schemeClr val="lt1"/>
+          </a:fontRef>
+        </p:style>
+        <p:txBody>
+          <a:bodyPr rtlCol="0" anchor="ctr"/>
+          <a:lstStyle/>
+          <a:p>
+            <a:pPr marL="0" marR="0" lvl="0" indent="0" algn="ctr" defTabSz="914400" rtl="0" eaLnBrk="1" fontAlgn="auto" latinLnBrk="1" hangingPunct="1">
+              <a:lnSpc>
+                <a:spcPct val="100000"/>
+              </a:lnSpc>
+              <a:spcBef>
+                <a:spcPts val="0"/>
+              </a:spcBef>
+              <a:spcAft>
+                <a:spcPts val="0"/>
+              </a:spcAft>
+              <a:buClrTx/>
+              <a:buSzTx/>
+              <a:buFontTx/>
+              <a:buNone/>
+              <a:tabLst/>
+              <a:defRPr/>
+            </a:pPr>
+            <a:r>
+              <a:rPr kumimoji="0" lang="en-US" altLang="ko-KR" sz="1800" b="0" i="0" u="none" strike="noStrike" kern="1200" cap="none" spc="0" normalizeH="0" baseline="0" noProof="0" dirty="0">
+                <a:ln>
+                  <a:noFill/>
+                </a:ln>
+                <a:solidFill>
+                  <a:prstClr val="black"/>
+                </a:solidFill>
+                <a:effectLst/>
+                <a:uLnTx/>
+                <a:uFillTx/>
+                <a:latin typeface="맑은 고딕" panose="020F0502020204030204"/>
+                <a:ea typeface="맑은 고딕" panose="020B0503020000020004" pitchFamily="50" charset="-127"/>
+                <a:cs typeface="+mn-cs"/>
+              </a:rPr>
+              <a:t>11</a:t>
+            </a:r>
+            <a:r>
+              <a:rPr kumimoji="0" lang="ko-KR" altLang="en-US" sz="1800" b="0" i="0" u="none" strike="noStrike" kern="1200" cap="none" spc="0" normalizeH="0" baseline="0" noProof="0" dirty="0">
+                <a:ln>
+                  <a:noFill/>
+                </a:ln>
+                <a:solidFill>
+                  <a:prstClr val="black"/>
+                </a:solidFill>
+                <a:effectLst/>
+                <a:uLnTx/>
+                <a:uFillTx/>
+                <a:latin typeface="맑은 고딕" panose="020F0502020204030204"/>
+                <a:ea typeface="맑은 고딕" panose="020B0503020000020004" pitchFamily="50" charset="-127"/>
+                <a:cs typeface="+mn-cs"/>
+              </a:rPr>
+              <a:t>월</a:t>
+            </a:r>
+          </a:p>
+        </p:txBody>
+      </p:sp>
+      <p:sp>
+        <p:nvSpPr>
+          <p:cNvPr id="31" name="타원 30">
+            <a:extLst>
+              <a:ext uri="{FF2B5EF4-FFF2-40B4-BE49-F238E27FC236}">
+                <a16:creationId xmlns:a16="http://schemas.microsoft.com/office/drawing/2014/main" id="{E946E493-DC25-5862-D249-CA666BF17D28}"/>
+              </a:ext>
+            </a:extLst>
+          </p:cNvPr>
+          <p:cNvSpPr/>
+          <p:nvPr/>
+        </p:nvSpPr>
+        <p:spPr>
+          <a:xfrm>
+            <a:off x="1867436" y="4071068"/>
+            <a:ext cx="978794" cy="978794"/>
+          </a:xfrm>
+          <a:prstGeom prst="ellipse">
+            <a:avLst/>
+          </a:prstGeom>
+          <a:solidFill>
+            <a:schemeClr val="bg1"/>
+          </a:solidFill>
+        </p:spPr>
+        <p:style>
+          <a:lnRef idx="2">
+            <a:schemeClr val="accent1">
+              <a:shade val="15000"/>
+            </a:schemeClr>
+          </a:lnRef>
+          <a:fillRef idx="1">
+            <a:schemeClr val="accent1"/>
+          </a:fillRef>
+          <a:effectRef idx="0">
+            <a:schemeClr val="accent1"/>
+          </a:effectRef>
+          <a:fontRef idx="minor">
+            <a:schemeClr val="lt1"/>
+          </a:fontRef>
+        </p:style>
+        <p:txBody>
+          <a:bodyPr rtlCol="0" anchor="ctr"/>
+          <a:lstStyle/>
+          <a:p>
+            <a:pPr marL="0" marR="0" lvl="0" indent="0" algn="ctr" defTabSz="914400" rtl="0" eaLnBrk="1" fontAlgn="auto" latinLnBrk="1" hangingPunct="1">
+              <a:lnSpc>
+                <a:spcPct val="100000"/>
+              </a:lnSpc>
+              <a:spcBef>
+                <a:spcPts val="0"/>
+              </a:spcBef>
+              <a:spcAft>
+                <a:spcPts val="0"/>
+              </a:spcAft>
+              <a:buClrTx/>
+              <a:buSzTx/>
+              <a:buFontTx/>
+              <a:buNone/>
+              <a:tabLst/>
+              <a:defRPr/>
+            </a:pPr>
+            <a:r>
+              <a:rPr kumimoji="0" lang="en-US" altLang="ko-KR" sz="1800" b="0" i="0" u="none" strike="noStrike" kern="1200" cap="none" spc="0" normalizeH="0" baseline="0" noProof="0" dirty="0">
+                <a:ln>
+                  <a:noFill/>
+                </a:ln>
+                <a:solidFill>
+                  <a:prstClr val="black"/>
+                </a:solidFill>
+                <a:effectLst/>
+                <a:uLnTx/>
+                <a:uFillTx/>
+                <a:latin typeface="맑은 고딕" panose="020F0502020204030204"/>
+                <a:ea typeface="맑은 고딕" panose="020B0503020000020004" pitchFamily="50" charset="-127"/>
+                <a:cs typeface="+mn-cs"/>
+              </a:rPr>
+              <a:t>8</a:t>
+            </a:r>
+            <a:r>
+              <a:rPr kumimoji="0" lang="ko-KR" altLang="en-US" sz="1800" b="0" i="0" u="none" strike="noStrike" kern="1200" cap="none" spc="0" normalizeH="0" baseline="0" noProof="0" dirty="0">
+                <a:ln>
+                  <a:noFill/>
+                </a:ln>
+                <a:solidFill>
+                  <a:prstClr val="black"/>
+                </a:solidFill>
+                <a:effectLst/>
+                <a:uLnTx/>
+                <a:uFillTx/>
+                <a:latin typeface="맑은 고딕" panose="020F0502020204030204"/>
+                <a:ea typeface="맑은 고딕" panose="020B0503020000020004" pitchFamily="50" charset="-127"/>
+                <a:cs typeface="+mn-cs"/>
+              </a:rPr>
+              <a:t>월</a:t>
+            </a:r>
+          </a:p>
+        </p:txBody>
+      </p:sp>
+      <p:sp>
+        <p:nvSpPr>
+          <p:cNvPr id="32" name="타원 31">
+            <a:extLst>
+              <a:ext uri="{FF2B5EF4-FFF2-40B4-BE49-F238E27FC236}">
+                <a16:creationId xmlns:a16="http://schemas.microsoft.com/office/drawing/2014/main" id="{4E595973-05EC-B0A3-7717-3B6B1986A337}"/>
+              </a:ext>
+            </a:extLst>
+          </p:cNvPr>
+          <p:cNvSpPr/>
+          <p:nvPr/>
+        </p:nvSpPr>
+        <p:spPr>
+          <a:xfrm>
+            <a:off x="6423335" y="4071068"/>
+            <a:ext cx="978794" cy="978794"/>
+          </a:xfrm>
+          <a:prstGeom prst="ellipse">
+            <a:avLst/>
+          </a:prstGeom>
+          <a:solidFill>
+            <a:schemeClr val="bg1"/>
+          </a:solidFill>
+        </p:spPr>
+        <p:style>
+          <a:lnRef idx="2">
+            <a:schemeClr val="accent1">
+              <a:shade val="15000"/>
+            </a:schemeClr>
+          </a:lnRef>
+          <a:fillRef idx="1">
+            <a:schemeClr val="accent1"/>
+          </a:fillRef>
+          <a:effectRef idx="0">
+            <a:schemeClr val="accent1"/>
+          </a:effectRef>
+          <a:fontRef idx="minor">
+            <a:schemeClr val="lt1"/>
+          </a:fontRef>
+        </p:style>
+        <p:txBody>
+          <a:bodyPr rtlCol="0" anchor="ctr"/>
+          <a:lstStyle/>
+          <a:p>
+            <a:pPr marL="0" marR="0" lvl="0" indent="0" algn="ctr" defTabSz="914400" rtl="0" eaLnBrk="1" fontAlgn="auto" latinLnBrk="1" hangingPunct="1">
+              <a:lnSpc>
+                <a:spcPct val="100000"/>
+              </a:lnSpc>
+              <a:spcBef>
+                <a:spcPts val="0"/>
+              </a:spcBef>
+              <a:spcAft>
+                <a:spcPts val="0"/>
+              </a:spcAft>
+              <a:buClrTx/>
+              <a:buSzTx/>
+              <a:buFontTx/>
+              <a:buNone/>
+              <a:tabLst/>
+              <a:defRPr/>
+            </a:pPr>
+            <a:r>
+              <a:rPr kumimoji="0" lang="en-US" altLang="ko-KR" sz="1800" b="0" i="0" u="none" strike="noStrike" kern="1200" cap="none" spc="0" normalizeH="0" baseline="0" noProof="0" dirty="0">
+                <a:ln>
+                  <a:noFill/>
+                </a:ln>
+                <a:solidFill>
+                  <a:prstClr val="black"/>
+                </a:solidFill>
+                <a:effectLst/>
+                <a:uLnTx/>
+                <a:uFillTx/>
+                <a:latin typeface="맑은 고딕" panose="020F0502020204030204"/>
+                <a:ea typeface="맑은 고딕" panose="020B0503020000020004" pitchFamily="50" charset="-127"/>
+                <a:cs typeface="+mn-cs"/>
+              </a:rPr>
+              <a:t>5</a:t>
+            </a:r>
+            <a:r>
+              <a:rPr kumimoji="0" lang="ko-KR" altLang="en-US" sz="1800" b="0" i="0" u="none" strike="noStrike" kern="1200" cap="none" spc="0" normalizeH="0" baseline="0" noProof="0" dirty="0">
+                <a:ln>
+                  <a:noFill/>
+                </a:ln>
+                <a:solidFill>
+                  <a:prstClr val="black"/>
+                </a:solidFill>
+                <a:effectLst/>
+                <a:uLnTx/>
+                <a:uFillTx/>
+                <a:latin typeface="맑은 고딕" panose="020F0502020204030204"/>
+                <a:ea typeface="맑은 고딕" panose="020B0503020000020004" pitchFamily="50" charset="-127"/>
+                <a:cs typeface="+mn-cs"/>
+              </a:rPr>
+              <a:t>월</a:t>
+            </a:r>
+          </a:p>
+        </p:txBody>
+      </p:sp>
+      <p:sp>
+        <p:nvSpPr>
+          <p:cNvPr id="33" name="타원 32">
+            <a:extLst>
+              <a:ext uri="{FF2B5EF4-FFF2-40B4-BE49-F238E27FC236}">
+                <a16:creationId xmlns:a16="http://schemas.microsoft.com/office/drawing/2014/main" id="{387E7FB5-CDF4-BD62-AC1A-D553173197BA}"/>
+              </a:ext>
+            </a:extLst>
+          </p:cNvPr>
+          <p:cNvSpPr/>
+          <p:nvPr/>
+        </p:nvSpPr>
+        <p:spPr>
+          <a:xfrm>
+            <a:off x="7941968" y="4075463"/>
+            <a:ext cx="978794" cy="978794"/>
+          </a:xfrm>
+          <a:prstGeom prst="ellipse">
+            <a:avLst/>
+          </a:prstGeom>
+          <a:solidFill>
+            <a:schemeClr val="bg1"/>
+          </a:solidFill>
+        </p:spPr>
+        <p:style>
+          <a:lnRef idx="2">
+            <a:schemeClr val="accent1">
+              <a:shade val="15000"/>
+            </a:schemeClr>
+          </a:lnRef>
+          <a:fillRef idx="1">
+            <a:schemeClr val="accent1"/>
+          </a:fillRef>
+          <a:effectRef idx="0">
+            <a:schemeClr val="accent1"/>
+          </a:effectRef>
+          <a:fontRef idx="minor">
+            <a:schemeClr val="lt1"/>
+          </a:fontRef>
+        </p:style>
+        <p:txBody>
+          <a:bodyPr rtlCol="0" anchor="ctr"/>
+          <a:lstStyle/>
+          <a:p>
+            <a:pPr marL="0" marR="0" lvl="0" indent="0" algn="ctr" defTabSz="914400" rtl="0" eaLnBrk="1" fontAlgn="auto" latinLnBrk="1" hangingPunct="1">
+              <a:lnSpc>
+                <a:spcPct val="100000"/>
+              </a:lnSpc>
+              <a:spcBef>
+                <a:spcPts val="0"/>
+              </a:spcBef>
+              <a:spcAft>
+                <a:spcPts val="0"/>
+              </a:spcAft>
+              <a:buClrTx/>
+              <a:buSzTx/>
+              <a:buFontTx/>
+              <a:buNone/>
+              <a:tabLst/>
+              <a:defRPr/>
+            </a:pPr>
+            <a:r>
+              <a:rPr kumimoji="0" lang="en-US" altLang="ko-KR" sz="1800" b="0" i="0" u="none" strike="noStrike" kern="1200" cap="none" spc="0" normalizeH="0" baseline="0" noProof="0" dirty="0">
+                <a:ln>
+                  <a:noFill/>
+                </a:ln>
+                <a:solidFill>
+                  <a:prstClr val="black"/>
+                </a:solidFill>
+                <a:effectLst/>
+                <a:uLnTx/>
+                <a:uFillTx/>
+                <a:latin typeface="맑은 고딕" panose="020F0502020204030204"/>
+                <a:ea typeface="맑은 고딕" panose="020B0503020000020004" pitchFamily="50" charset="-127"/>
+                <a:cs typeface="+mn-cs"/>
+              </a:rPr>
+              <a:t>4</a:t>
+            </a:r>
+            <a:r>
+              <a:rPr kumimoji="0" lang="ko-KR" altLang="en-US" sz="1800" b="0" i="0" u="none" strike="noStrike" kern="1200" cap="none" spc="0" normalizeH="0" baseline="0" noProof="0" dirty="0">
+                <a:ln>
+                  <a:noFill/>
+                </a:ln>
+                <a:solidFill>
+                  <a:prstClr val="black"/>
+                </a:solidFill>
+                <a:effectLst/>
+                <a:uLnTx/>
+                <a:uFillTx/>
+                <a:latin typeface="맑은 고딕" panose="020F0502020204030204"/>
+                <a:ea typeface="맑은 고딕" panose="020B0503020000020004" pitchFamily="50" charset="-127"/>
+                <a:cs typeface="+mn-cs"/>
+              </a:rPr>
+              <a:t>월</a:t>
+            </a:r>
+          </a:p>
+        </p:txBody>
+      </p:sp>
+      <p:sp>
+        <p:nvSpPr>
+          <p:cNvPr id="34" name="타원 33">
+            <a:extLst>
+              <a:ext uri="{FF2B5EF4-FFF2-40B4-BE49-F238E27FC236}">
+                <a16:creationId xmlns:a16="http://schemas.microsoft.com/office/drawing/2014/main" id="{A7A794E3-69AF-4BAB-7B2E-E97F0805A04A}"/>
+              </a:ext>
+            </a:extLst>
+          </p:cNvPr>
+          <p:cNvSpPr/>
+          <p:nvPr/>
+        </p:nvSpPr>
+        <p:spPr>
+          <a:xfrm>
+            <a:off x="9460601" y="4071068"/>
+            <a:ext cx="978794" cy="978794"/>
+          </a:xfrm>
+          <a:prstGeom prst="ellipse">
+            <a:avLst/>
+          </a:prstGeom>
+          <a:solidFill>
+            <a:schemeClr val="bg1"/>
+          </a:solidFill>
+        </p:spPr>
+        <p:style>
+          <a:lnRef idx="2">
+            <a:schemeClr val="accent1">
+              <a:shade val="15000"/>
+            </a:schemeClr>
+          </a:lnRef>
+          <a:fillRef idx="1">
+            <a:schemeClr val="accent1"/>
+          </a:fillRef>
+          <a:effectRef idx="0">
+            <a:schemeClr val="accent1"/>
+          </a:effectRef>
+          <a:fontRef idx="minor">
+            <a:schemeClr val="lt1"/>
+          </a:fontRef>
+        </p:style>
+        <p:txBody>
+          <a:bodyPr rtlCol="0" anchor="ctr"/>
+          <a:lstStyle/>
+          <a:p>
+            <a:pPr marL="0" marR="0" lvl="0" indent="0" algn="ctr" defTabSz="914400" rtl="0" eaLnBrk="1" fontAlgn="auto" latinLnBrk="1" hangingPunct="1">
+              <a:lnSpc>
+                <a:spcPct val="100000"/>
+              </a:lnSpc>
+              <a:spcBef>
+                <a:spcPts val="0"/>
+              </a:spcBef>
+              <a:spcAft>
+                <a:spcPts val="0"/>
+              </a:spcAft>
+              <a:buClrTx/>
+              <a:buSzTx/>
+              <a:buFontTx/>
+              <a:buNone/>
+              <a:tabLst/>
+              <a:defRPr/>
+            </a:pPr>
+            <a:r>
+              <a:rPr kumimoji="0" lang="en-US" altLang="ko-KR" sz="1800" b="0" i="0" u="none" strike="noStrike" kern="1200" cap="none" spc="0" normalizeH="0" baseline="0" noProof="0" dirty="0">
+                <a:ln>
+                  <a:noFill/>
+                </a:ln>
+                <a:solidFill>
+                  <a:prstClr val="black"/>
+                </a:solidFill>
+                <a:effectLst/>
+                <a:uLnTx/>
+                <a:uFillTx/>
+                <a:latin typeface="맑은 고딕" panose="020F0502020204030204"/>
+                <a:ea typeface="맑은 고딕" panose="020B0503020000020004" pitchFamily="50" charset="-127"/>
+                <a:cs typeface="+mn-cs"/>
+              </a:rPr>
+              <a:t>3</a:t>
+            </a:r>
+            <a:r>
+              <a:rPr kumimoji="0" lang="ko-KR" altLang="en-US" sz="1800" b="0" i="0" u="none" strike="noStrike" kern="1200" cap="none" spc="0" normalizeH="0" baseline="0" noProof="0" dirty="0">
+                <a:ln>
+                  <a:noFill/>
+                </a:ln>
+                <a:solidFill>
+                  <a:prstClr val="black"/>
+                </a:solidFill>
+                <a:effectLst/>
+                <a:uLnTx/>
+                <a:uFillTx/>
+                <a:latin typeface="맑은 고딕" panose="020F0502020204030204"/>
+                <a:ea typeface="맑은 고딕" panose="020B0503020000020004" pitchFamily="50" charset="-127"/>
+                <a:cs typeface="+mn-cs"/>
+              </a:rPr>
+              <a:t>월</a:t>
+            </a:r>
+          </a:p>
+        </p:txBody>
+      </p:sp>
+      <p:sp>
+        <p:nvSpPr>
+          <p:cNvPr id="35" name="타원 34">
+            <a:extLst>
+              <a:ext uri="{FF2B5EF4-FFF2-40B4-BE49-F238E27FC236}">
+                <a16:creationId xmlns:a16="http://schemas.microsoft.com/office/drawing/2014/main" id="{D516F3F8-C549-8182-A191-3724117C005F}"/>
+              </a:ext>
+            </a:extLst>
+          </p:cNvPr>
+          <p:cNvSpPr/>
+          <p:nvPr/>
+        </p:nvSpPr>
+        <p:spPr>
+          <a:xfrm>
+            <a:off x="3386069" y="4075463"/>
+            <a:ext cx="978794" cy="978794"/>
+          </a:xfrm>
+          <a:prstGeom prst="ellipse">
+            <a:avLst/>
+          </a:prstGeom>
+          <a:solidFill>
+            <a:schemeClr val="bg1"/>
+          </a:solidFill>
+        </p:spPr>
+        <p:style>
+          <a:lnRef idx="2">
+            <a:schemeClr val="accent1">
+              <a:shade val="15000"/>
+            </a:schemeClr>
+          </a:lnRef>
+          <a:fillRef idx="1">
+            <a:schemeClr val="accent1"/>
+          </a:fillRef>
+          <a:effectRef idx="0">
+            <a:schemeClr val="accent1"/>
+          </a:effectRef>
+          <a:fontRef idx="minor">
+            <a:schemeClr val="lt1"/>
+          </a:fontRef>
+        </p:style>
+        <p:txBody>
+          <a:bodyPr rtlCol="0" anchor="ctr"/>
+          <a:lstStyle/>
+          <a:p>
+            <a:pPr marL="0" marR="0" lvl="0" indent="0" algn="ctr" defTabSz="914400" rtl="0" eaLnBrk="1" fontAlgn="auto" latinLnBrk="1" hangingPunct="1">
+              <a:lnSpc>
+                <a:spcPct val="100000"/>
+              </a:lnSpc>
+              <a:spcBef>
+                <a:spcPts val="0"/>
+              </a:spcBef>
+              <a:spcAft>
+                <a:spcPts val="0"/>
+              </a:spcAft>
+              <a:buClrTx/>
+              <a:buSzTx/>
+              <a:buFontTx/>
+              <a:buNone/>
+              <a:tabLst/>
+              <a:defRPr/>
+            </a:pPr>
+            <a:r>
+              <a:rPr kumimoji="0" lang="en-US" altLang="ko-KR" sz="1800" b="0" i="0" u="none" strike="noStrike" kern="1200" cap="none" spc="0" normalizeH="0" baseline="0" noProof="0" dirty="0">
+                <a:ln>
+                  <a:noFill/>
+                </a:ln>
+                <a:solidFill>
+                  <a:prstClr val="black"/>
+                </a:solidFill>
+                <a:effectLst/>
+                <a:uLnTx/>
+                <a:uFillTx/>
+                <a:latin typeface="맑은 고딕" panose="020F0502020204030204"/>
+                <a:ea typeface="맑은 고딕" panose="020B0503020000020004" pitchFamily="50" charset="-127"/>
+                <a:cs typeface="+mn-cs"/>
+              </a:rPr>
+              <a:t>7</a:t>
+            </a:r>
+            <a:r>
+              <a:rPr kumimoji="0" lang="ko-KR" altLang="en-US" sz="1800" b="0" i="0" u="none" strike="noStrike" kern="1200" cap="none" spc="0" normalizeH="0" baseline="0" noProof="0" dirty="0">
+                <a:ln>
+                  <a:noFill/>
+                </a:ln>
+                <a:solidFill>
+                  <a:prstClr val="black"/>
+                </a:solidFill>
+                <a:effectLst/>
+                <a:uLnTx/>
+                <a:uFillTx/>
+                <a:latin typeface="맑은 고딕" panose="020F0502020204030204"/>
+                <a:ea typeface="맑은 고딕" panose="020B0503020000020004" pitchFamily="50" charset="-127"/>
+                <a:cs typeface="+mn-cs"/>
+              </a:rPr>
+              <a:t>월</a:t>
+            </a:r>
+          </a:p>
+        </p:txBody>
+      </p:sp>
+      <p:sp>
+        <p:nvSpPr>
+          <p:cNvPr id="36" name="타원 35">
+            <a:extLst>
+              <a:ext uri="{FF2B5EF4-FFF2-40B4-BE49-F238E27FC236}">
+                <a16:creationId xmlns:a16="http://schemas.microsoft.com/office/drawing/2014/main" id="{05D04464-160D-9AAC-9073-EEB6DB510A99}"/>
+              </a:ext>
+            </a:extLst>
+          </p:cNvPr>
+          <p:cNvSpPr/>
+          <p:nvPr/>
+        </p:nvSpPr>
+        <p:spPr>
+          <a:xfrm>
+            <a:off x="4904702" y="4075463"/>
+            <a:ext cx="978794" cy="978794"/>
+          </a:xfrm>
+          <a:prstGeom prst="ellipse">
+            <a:avLst/>
+          </a:prstGeom>
+          <a:solidFill>
+            <a:schemeClr val="bg1"/>
+          </a:solidFill>
+        </p:spPr>
+        <p:style>
+          <a:lnRef idx="2">
+            <a:schemeClr val="accent1">
+              <a:shade val="15000"/>
+            </a:schemeClr>
+          </a:lnRef>
+          <a:fillRef idx="1">
+            <a:schemeClr val="accent1"/>
+          </a:fillRef>
+          <a:effectRef idx="0">
+            <a:schemeClr val="accent1"/>
+          </a:effectRef>
+          <a:fontRef idx="minor">
+            <a:schemeClr val="lt1"/>
+          </a:fontRef>
+        </p:style>
+        <p:txBody>
+          <a:bodyPr rtlCol="0" anchor="ctr"/>
+          <a:lstStyle/>
+          <a:p>
+            <a:pPr marL="0" marR="0" lvl="0" indent="0" algn="ctr" defTabSz="914400" rtl="0" eaLnBrk="1" fontAlgn="auto" latinLnBrk="1" hangingPunct="1">
+              <a:lnSpc>
+                <a:spcPct val="100000"/>
+              </a:lnSpc>
+              <a:spcBef>
+                <a:spcPts val="0"/>
+              </a:spcBef>
+              <a:spcAft>
+                <a:spcPts val="0"/>
+              </a:spcAft>
+              <a:buClrTx/>
+              <a:buSzTx/>
+              <a:buFontTx/>
+              <a:buNone/>
+              <a:tabLst/>
+              <a:defRPr/>
+            </a:pPr>
+            <a:r>
+              <a:rPr kumimoji="0" lang="en-US" altLang="ko-KR" sz="1800" b="0" i="0" u="none" strike="noStrike" kern="1200" cap="none" spc="0" normalizeH="0" baseline="0" noProof="0" dirty="0">
+                <a:ln>
+                  <a:noFill/>
+                </a:ln>
+                <a:solidFill>
+                  <a:prstClr val="black"/>
+                </a:solidFill>
+                <a:effectLst/>
+                <a:uLnTx/>
+                <a:uFillTx/>
+                <a:latin typeface="맑은 고딕" panose="020F0502020204030204"/>
+                <a:ea typeface="맑은 고딕" panose="020B0503020000020004" pitchFamily="50" charset="-127"/>
+                <a:cs typeface="+mn-cs"/>
+              </a:rPr>
+              <a:t>6</a:t>
+            </a:r>
+            <a:r>
+              <a:rPr kumimoji="0" lang="ko-KR" altLang="en-US" sz="1800" b="0" i="0" u="none" strike="noStrike" kern="1200" cap="none" spc="0" normalizeH="0" baseline="0" noProof="0" dirty="0">
+                <a:ln>
+                  <a:noFill/>
+                </a:ln>
+                <a:solidFill>
+                  <a:prstClr val="black"/>
+                </a:solidFill>
+                <a:effectLst/>
+                <a:uLnTx/>
+                <a:uFillTx/>
+                <a:latin typeface="맑은 고딕" panose="020F0502020204030204"/>
+                <a:ea typeface="맑은 고딕" panose="020B0503020000020004" pitchFamily="50" charset="-127"/>
+                <a:cs typeface="+mn-cs"/>
+              </a:rPr>
+              <a:t>월</a:t>
+            </a:r>
+          </a:p>
+        </p:txBody>
+      </p:sp>
+    </p:spTree>
+    <p:extLst>
+      <p:ext uri="{BB962C8B-B14F-4D97-AF65-F5344CB8AC3E}">
+        <p14:creationId xmlns:p14="http://schemas.microsoft.com/office/powerpoint/2010/main" val="707870475"/>
+      </p:ext>
+    </p:extLst>
+  </p:cSld>
+  <p:clrMapOvr>
+    <a:masterClrMapping/>
+  </p:clrMapOvr>
+</p:sld>
+</file>
+
+<file path=ppt/slides/slide15.xml><?xml version="1.0" encoding="utf-8"?>
+<p:sld xmlns:a="http://schemas.openxmlformats.org/drawingml/2006/main" xmlns:r="http://schemas.openxmlformats.org/officeDocument/2006/relationships" xmlns:p="http://schemas.openxmlformats.org/presentationml/2006/main">
+  <p:cSld>
+    <p:spTree>
+      <p:nvGrpSpPr>
+        <p:cNvPr id="1" name=""/>
+        <p:cNvGrpSpPr/>
+        <p:nvPr/>
+      </p:nvGrpSpPr>
+      <p:grpSpPr>
+        <a:xfrm>
+          <a:off x="0" y="0"/>
+          <a:ext cx="0" cy="0"/>
+          <a:chOff x="0" y="0"/>
+          <a:chExt cx="0" cy="0"/>
+        </a:xfrm>
+      </p:grpSpPr>
+      <p:sp>
+        <p:nvSpPr>
+          <p:cNvPr id="4" name="TextBox 3">
+            <a:extLst>
+              <a:ext uri="{FF2B5EF4-FFF2-40B4-BE49-F238E27FC236}">
+                <a16:creationId xmlns:a16="http://schemas.microsoft.com/office/drawing/2014/main" id="{B64D4164-4E3A-C2E3-6112-804A4F60959E}"/>
+              </a:ext>
+            </a:extLst>
+          </p:cNvPr>
+          <p:cNvSpPr txBox="1"/>
+          <p:nvPr/>
+        </p:nvSpPr>
+        <p:spPr>
+          <a:xfrm>
+            <a:off x="413657" y="381000"/>
+            <a:ext cx="11631386" cy="923330"/>
+          </a:xfrm>
+          <a:prstGeom prst="rect">
+            <a:avLst/>
+          </a:prstGeom>
+          <a:noFill/>
+        </p:spPr>
+        <p:txBody>
+          <a:bodyPr wrap="square" rtlCol="0">
+            <a:spAutoFit/>
+          </a:bodyPr>
+          <a:lstStyle/>
+          <a:p>
+            <a:r>
+              <a:rPr lang="ko-KR" altLang="en-US" dirty="0"/>
+              <a:t>일정 </a:t>
+            </a:r>
+            <a:br>
+              <a:rPr lang="en-US" altLang="ko-KR" dirty="0"/>
+            </a:br>
+            <a:r>
+              <a:rPr lang="en-US" altLang="ko-KR" dirty="0"/>
+              <a:t>(</a:t>
+            </a:r>
+            <a:r>
+              <a:rPr lang="ko-KR" altLang="en-US" dirty="0"/>
+              <a:t>서로 다른 게임이라고 설명</a:t>
+            </a:r>
+            <a:r>
+              <a:rPr lang="en-US" altLang="ko-KR" dirty="0"/>
+              <a:t>, mk3</a:t>
+            </a:r>
+            <a:r>
+              <a:rPr lang="ko-KR" altLang="en-US" dirty="0"/>
+              <a:t>부터 알파라 생각 유니티로 </a:t>
+            </a:r>
+            <a:r>
+              <a:rPr lang="ko-KR" altLang="en-US" dirty="0" err="1"/>
+              <a:t>시작할수도</a:t>
+            </a:r>
+            <a:r>
+              <a:rPr lang="ko-KR" altLang="en-US" dirty="0"/>
+              <a:t> 있으며 </a:t>
+            </a:r>
+            <a:r>
+              <a:rPr lang="en-US" altLang="ko-KR" dirty="0"/>
+              <a:t>mk3 </a:t>
+            </a:r>
+            <a:r>
+              <a:rPr lang="ko-KR" altLang="en-US" dirty="0"/>
+              <a:t>에서는 </a:t>
+            </a:r>
+            <a:r>
+              <a:rPr lang="ko-KR" altLang="en-US" dirty="0" err="1"/>
+              <a:t>언리얼이</a:t>
+            </a:r>
+            <a:r>
+              <a:rPr lang="ko-KR" altLang="en-US" dirty="0"/>
+              <a:t> 될 수 도 있음</a:t>
+            </a:r>
+            <a:r>
+              <a:rPr lang="en-US" altLang="ko-KR" dirty="0"/>
+              <a:t>.)</a:t>
+            </a:r>
+            <a:endParaRPr lang="ko-KR" altLang="en-US" dirty="0"/>
+          </a:p>
+        </p:txBody>
+      </p:sp>
+      <p:sp>
+        <p:nvSpPr>
+          <p:cNvPr id="5" name="TextBox 4">
+            <a:extLst>
+              <a:ext uri="{FF2B5EF4-FFF2-40B4-BE49-F238E27FC236}">
+                <a16:creationId xmlns:a16="http://schemas.microsoft.com/office/drawing/2014/main" id="{0845AECF-CF6B-8120-9DDE-B5EC103CDBCB}"/>
+              </a:ext>
+            </a:extLst>
+          </p:cNvPr>
+          <p:cNvSpPr txBox="1"/>
+          <p:nvPr/>
+        </p:nvSpPr>
+        <p:spPr>
+          <a:xfrm>
+            <a:off x="364671" y="1083129"/>
+            <a:ext cx="10363200" cy="1477328"/>
+          </a:xfrm>
+          <a:prstGeom prst="rect">
+            <a:avLst/>
+          </a:prstGeom>
+          <a:noFill/>
+        </p:spPr>
+        <p:txBody>
+          <a:bodyPr wrap="square" rtlCol="0">
+            <a:spAutoFit/>
+          </a:bodyPr>
+          <a:lstStyle/>
+          <a:p>
+            <a:r>
+              <a:rPr lang="en-US" altLang="ko-KR" dirty="0"/>
+              <a:t>MK1</a:t>
+            </a:r>
+            <a:r>
+              <a:rPr lang="ko-KR" altLang="en-US" dirty="0"/>
+              <a:t> </a:t>
+            </a:r>
+            <a:r>
+              <a:rPr lang="en-US" altLang="ko-KR" dirty="0"/>
+              <a:t>– 11</a:t>
+            </a:r>
+            <a:r>
+              <a:rPr lang="ko-KR" altLang="en-US" dirty="0"/>
+              <a:t>월 말</a:t>
+            </a:r>
+            <a:endParaRPr lang="en-US" altLang="ko-KR" dirty="0"/>
+          </a:p>
+          <a:p>
+            <a:endParaRPr lang="en-US" altLang="ko-KR" dirty="0"/>
+          </a:p>
+          <a:p>
+            <a:r>
+              <a:rPr lang="ko-KR" altLang="en-US" dirty="0"/>
+              <a:t>기본적인 엔진 구축</a:t>
+            </a:r>
+            <a:endParaRPr lang="en-US" altLang="ko-KR" dirty="0"/>
+          </a:p>
+          <a:p>
+            <a:r>
+              <a:rPr lang="ko-KR" altLang="en-US" dirty="0"/>
+              <a:t>한눈에 보이는 작은 구형 맵</a:t>
+            </a:r>
+            <a:endParaRPr lang="en-US" altLang="ko-KR" dirty="0"/>
+          </a:p>
+          <a:p>
+            <a:r>
+              <a:rPr lang="ko-KR" altLang="en-US" dirty="0"/>
+              <a:t>플레이어가 구형 </a:t>
+            </a:r>
+            <a:r>
+              <a:rPr lang="ko-KR" altLang="en-US" dirty="0" err="1"/>
+              <a:t>맵을</a:t>
+            </a:r>
+            <a:r>
+              <a:rPr lang="ko-KR" altLang="en-US" dirty="0"/>
+              <a:t> </a:t>
+            </a:r>
+            <a:r>
+              <a:rPr lang="ko-KR" altLang="en-US" dirty="0" err="1"/>
+              <a:t>걸어다님</a:t>
+            </a:r>
+            <a:endParaRPr lang="en-US" altLang="ko-KR" dirty="0"/>
+          </a:p>
+        </p:txBody>
+      </p:sp>
+      <p:sp>
+        <p:nvSpPr>
+          <p:cNvPr id="6" name="TextBox 5">
+            <a:extLst>
+              <a:ext uri="{FF2B5EF4-FFF2-40B4-BE49-F238E27FC236}">
+                <a16:creationId xmlns:a16="http://schemas.microsoft.com/office/drawing/2014/main" id="{4D2DDDB7-9CDB-08C4-8C5B-2FCF7AD895B9}"/>
+              </a:ext>
+            </a:extLst>
+          </p:cNvPr>
+          <p:cNvSpPr txBox="1"/>
+          <p:nvPr/>
+        </p:nvSpPr>
+        <p:spPr>
+          <a:xfrm>
+            <a:off x="364671" y="2958568"/>
+            <a:ext cx="10363200" cy="1200329"/>
+          </a:xfrm>
+          <a:prstGeom prst="rect">
+            <a:avLst/>
+          </a:prstGeom>
+          <a:noFill/>
+        </p:spPr>
+        <p:txBody>
+          <a:bodyPr wrap="square" rtlCol="0">
+            <a:spAutoFit/>
+          </a:bodyPr>
+          <a:lstStyle/>
+          <a:p>
+            <a:r>
+              <a:rPr lang="en-US" altLang="ko-KR" dirty="0"/>
+              <a:t>MK2</a:t>
+            </a:r>
+            <a:r>
+              <a:rPr lang="ko-KR" altLang="en-US" dirty="0"/>
+              <a:t> </a:t>
+            </a:r>
+            <a:r>
+              <a:rPr lang="en-US" altLang="ko-KR" dirty="0"/>
+              <a:t>- 12</a:t>
+            </a:r>
+            <a:r>
+              <a:rPr lang="ko-KR" altLang="en-US" dirty="0"/>
+              <a:t>월 말</a:t>
+            </a:r>
+            <a:endParaRPr lang="en-US" altLang="ko-KR" dirty="0"/>
+          </a:p>
+          <a:p>
+            <a:endParaRPr lang="en-US" altLang="ko-KR" dirty="0"/>
+          </a:p>
+          <a:p>
+            <a:r>
+              <a:rPr lang="ko-KR" altLang="en-US" dirty="0"/>
+              <a:t>이동수단 구현</a:t>
+            </a:r>
+            <a:r>
+              <a:rPr lang="en-US" altLang="ko-KR" dirty="0"/>
+              <a:t>, </a:t>
+            </a:r>
+            <a:r>
+              <a:rPr lang="ko-KR" altLang="en-US" dirty="0"/>
+              <a:t>플레이어와 상호작용</a:t>
+            </a:r>
+            <a:endParaRPr lang="en-US" altLang="ko-KR" dirty="0"/>
+          </a:p>
+          <a:p>
+            <a:r>
+              <a:rPr lang="ko-KR" altLang="en-US" dirty="0"/>
+              <a:t>물리 연동</a:t>
+            </a:r>
+            <a:endParaRPr lang="en-US" altLang="ko-KR" dirty="0"/>
+          </a:p>
+        </p:txBody>
+      </p:sp>
+      <p:sp>
+        <p:nvSpPr>
+          <p:cNvPr id="7" name="TextBox 6">
+            <a:extLst>
+              <a:ext uri="{FF2B5EF4-FFF2-40B4-BE49-F238E27FC236}">
+                <a16:creationId xmlns:a16="http://schemas.microsoft.com/office/drawing/2014/main" id="{14AA063A-5A16-66AE-26C1-8EC4DE57F4C3}"/>
+              </a:ext>
+            </a:extLst>
+          </p:cNvPr>
+          <p:cNvSpPr txBox="1"/>
+          <p:nvPr/>
+        </p:nvSpPr>
+        <p:spPr>
+          <a:xfrm>
+            <a:off x="364671" y="4557008"/>
+            <a:ext cx="10363200" cy="1200329"/>
+          </a:xfrm>
+          <a:prstGeom prst="rect">
+            <a:avLst/>
+          </a:prstGeom>
+          <a:noFill/>
+        </p:spPr>
+        <p:txBody>
+          <a:bodyPr wrap="square" rtlCol="0">
+            <a:spAutoFit/>
+          </a:bodyPr>
+          <a:lstStyle/>
+          <a:p>
+            <a:r>
+              <a:rPr lang="en-US" altLang="ko-KR" dirty="0"/>
+              <a:t>MK3</a:t>
+            </a:r>
+            <a:r>
+              <a:rPr lang="ko-KR" altLang="en-US" dirty="0"/>
+              <a:t> </a:t>
+            </a:r>
+            <a:r>
+              <a:rPr lang="en-US" altLang="ko-KR" dirty="0"/>
+              <a:t>- 1</a:t>
+            </a:r>
+            <a:r>
+              <a:rPr lang="ko-KR" altLang="en-US" dirty="0"/>
+              <a:t>월 말</a:t>
+            </a:r>
+            <a:endParaRPr lang="en-US" altLang="ko-KR" dirty="0"/>
+          </a:p>
+          <a:p>
+            <a:endParaRPr lang="en-US" altLang="ko-KR" dirty="0"/>
+          </a:p>
+          <a:p>
+            <a:r>
+              <a:rPr lang="ko-KR" altLang="en-US" dirty="0" err="1"/>
+              <a:t>터레인</a:t>
+            </a:r>
+            <a:r>
+              <a:rPr lang="ko-KR" altLang="en-US" dirty="0"/>
+              <a:t> 구현 </a:t>
+            </a:r>
+            <a:endParaRPr lang="en-US" altLang="ko-KR" dirty="0"/>
+          </a:p>
+          <a:p>
+            <a:r>
+              <a:rPr lang="ko-KR" altLang="en-US" dirty="0"/>
+              <a:t>바다 구현</a:t>
+            </a:r>
+            <a:endParaRPr lang="en-US" altLang="ko-KR" dirty="0"/>
+          </a:p>
+        </p:txBody>
+      </p:sp>
+      <p:cxnSp>
+        <p:nvCxnSpPr>
+          <p:cNvPr id="9" name="직선 연결선 8">
+            <a:extLst>
+              <a:ext uri="{FF2B5EF4-FFF2-40B4-BE49-F238E27FC236}">
+                <a16:creationId xmlns:a16="http://schemas.microsoft.com/office/drawing/2014/main" id="{3EEF60A6-DC68-8273-AE25-B1F9B3EA9954}"/>
+              </a:ext>
+            </a:extLst>
+          </p:cNvPr>
+          <p:cNvCxnSpPr>
+            <a:cxnSpLocks/>
+            <a:stCxn id="5" idx="0"/>
+          </p:cNvCxnSpPr>
+          <p:nvPr/>
+        </p:nvCxnSpPr>
+        <p:spPr>
+          <a:xfrm flipH="1">
+            <a:off x="5464629" y="1083129"/>
+            <a:ext cx="81642" cy="5072319"/>
+          </a:xfrm>
+          <a:prstGeom prst="line">
+            <a:avLst/>
+          </a:prstGeom>
+          <a:ln w="38100">
+            <a:solidFill>
+              <a:schemeClr val="tx1">
+                <a:lumMod val="95000"/>
+                <a:lumOff val="5000"/>
+              </a:schemeClr>
+            </a:solidFill>
+          </a:ln>
+        </p:spPr>
+        <p:style>
+          <a:lnRef idx="1">
+            <a:schemeClr val="accent1"/>
+          </a:lnRef>
+          <a:fillRef idx="0">
+            <a:schemeClr val="accent1"/>
+          </a:fillRef>
+          <a:effectRef idx="0">
+            <a:schemeClr val="accent1"/>
+          </a:effectRef>
+          <a:fontRef idx="minor">
+            <a:schemeClr val="tx1"/>
+          </a:fontRef>
+        </p:style>
+      </p:cxnSp>
+    </p:spTree>
+    <p:extLst>
+      <p:ext uri="{BB962C8B-B14F-4D97-AF65-F5344CB8AC3E}">
+        <p14:creationId xmlns:p14="http://schemas.microsoft.com/office/powerpoint/2010/main" val="1589079223"/>
+      </p:ext>
+    </p:extLst>
+  </p:cSld>
+  <p:clrMapOvr>
+    <a:masterClrMapping/>
+  </p:clrMapOvr>
+</p:sld>
+</file>
+
+<file path=ppt/slides/slide16.xml><?xml version="1.0" encoding="utf-8"?>
+<p:sld xmlns:a="http://schemas.openxmlformats.org/drawingml/2006/main" xmlns:r="http://schemas.openxmlformats.org/officeDocument/2006/relationships" xmlns:p="http://schemas.openxmlformats.org/presentationml/2006/main">
+  <p:cSld>
+    <p:spTree>
+      <p:nvGrpSpPr>
+        <p:cNvPr id="1" name=""/>
+        <p:cNvGrpSpPr/>
+        <p:nvPr/>
+      </p:nvGrpSpPr>
+      <p:grpSpPr>
+        <a:xfrm>
+          <a:off x="0" y="0"/>
+          <a:ext cx="0" cy="0"/>
+          <a:chOff x="0" y="0"/>
+          <a:chExt cx="0" cy="0"/>
+        </a:xfrm>
+      </p:grpSpPr>
+      <p:sp>
+        <p:nvSpPr>
+          <p:cNvPr id="4" name="TextBox 3">
+            <a:extLst>
+              <a:ext uri="{FF2B5EF4-FFF2-40B4-BE49-F238E27FC236}">
+                <a16:creationId xmlns:a16="http://schemas.microsoft.com/office/drawing/2014/main" id="{D57740D1-A9EE-4C58-A963-3CA472E4D1DA}"/>
+              </a:ext>
+            </a:extLst>
+          </p:cNvPr>
+          <p:cNvSpPr txBox="1"/>
+          <p:nvPr/>
+        </p:nvSpPr>
+        <p:spPr>
+          <a:xfrm>
+            <a:off x="310393" y="268448"/>
+            <a:ext cx="3254928" cy="369332"/>
+          </a:xfrm>
+          <a:prstGeom prst="rect">
+            <a:avLst/>
+          </a:prstGeom>
+          <a:noFill/>
+        </p:spPr>
+        <p:txBody>
+          <a:bodyPr wrap="square" rtlCol="0">
+            <a:spAutoFit/>
+          </a:bodyPr>
+          <a:lstStyle/>
+          <a:p>
+            <a:r>
+              <a:rPr lang="ko-KR" altLang="en-US" dirty="0"/>
+              <a:t>스토리</a:t>
+            </a:r>
+          </a:p>
+        </p:txBody>
+      </p:sp>
+      <p:sp>
+        <p:nvSpPr>
+          <p:cNvPr id="5" name="TextBox 4">
+            <a:extLst>
+              <a:ext uri="{FF2B5EF4-FFF2-40B4-BE49-F238E27FC236}">
+                <a16:creationId xmlns:a16="http://schemas.microsoft.com/office/drawing/2014/main" id="{69A10CFA-6163-415B-86B4-158D7BD4D012}"/>
+              </a:ext>
+            </a:extLst>
+          </p:cNvPr>
+          <p:cNvSpPr txBox="1"/>
+          <p:nvPr/>
+        </p:nvSpPr>
+        <p:spPr>
+          <a:xfrm>
+            <a:off x="645952" y="1795244"/>
+            <a:ext cx="10368793" cy="2862322"/>
+          </a:xfrm>
+          <a:prstGeom prst="rect">
+            <a:avLst/>
+          </a:prstGeom>
+          <a:noFill/>
+        </p:spPr>
+        <p:txBody>
+          <a:bodyPr wrap="square" rtlCol="0">
+            <a:spAutoFit/>
+          </a:bodyPr>
+          <a:lstStyle/>
+          <a:p>
+            <a:r>
+              <a:rPr lang="ko-KR" altLang="en-US" dirty="0"/>
+              <a:t>인간은 이미 새로운 유사지구 행성으로 이주한 지 오래</a:t>
+            </a:r>
+            <a:r>
+              <a:rPr lang="en-US" altLang="ko-KR" dirty="0"/>
+              <a:t>. </a:t>
+            </a:r>
+          </a:p>
+          <a:p>
+            <a:r>
+              <a:rPr lang="ko-KR" altLang="en-US" dirty="0"/>
+              <a:t>지구는 선대의 오래된 유적과 함께 이미 인간의 손을 떠난 미지의 생태계만 존재하게 되었다</a:t>
+            </a:r>
+            <a:r>
+              <a:rPr lang="en-US" altLang="ko-KR" dirty="0"/>
+              <a:t>.</a:t>
+            </a:r>
+          </a:p>
+          <a:p>
+            <a:endParaRPr lang="en-US" altLang="ko-KR" dirty="0"/>
+          </a:p>
+          <a:p>
+            <a:r>
+              <a:rPr lang="en-US" altLang="ko-KR" dirty="0"/>
+              <a:t>1</a:t>
+            </a:r>
+            <a:r>
+              <a:rPr lang="ko-KR" altLang="en-US" dirty="0"/>
+              <a:t>급 범죄자로 분류되어 사형일을 기다리던 플레이어는 </a:t>
+            </a:r>
+            <a:r>
+              <a:rPr lang="ko-KR" altLang="en-US" dirty="0" err="1"/>
+              <a:t>어느날</a:t>
+            </a:r>
+            <a:r>
+              <a:rPr lang="en-US" altLang="ko-KR" dirty="0"/>
+              <a:t>,</a:t>
+            </a:r>
+          </a:p>
+          <a:p>
+            <a:r>
+              <a:rPr lang="ko-KR" altLang="en-US" dirty="0"/>
+              <a:t>우주선 탈출용 포트 안에서 눈을 뜨게 되고</a:t>
+            </a:r>
+            <a:r>
+              <a:rPr lang="en-US" altLang="ko-KR" dirty="0"/>
+              <a:t>, </a:t>
+            </a:r>
+          </a:p>
+          <a:p>
+            <a:r>
+              <a:rPr lang="ko-KR" altLang="en-US" dirty="0"/>
+              <a:t>다른 범죄자들과 함께 지구로 떨어졌다는 사실을 알게 된다</a:t>
+            </a:r>
+            <a:r>
+              <a:rPr lang="en-US" altLang="ko-KR" dirty="0"/>
+              <a:t>.</a:t>
+            </a:r>
+          </a:p>
+          <a:p>
+            <a:endParaRPr lang="en-US" altLang="ko-KR" dirty="0"/>
+          </a:p>
+          <a:p>
+            <a:r>
+              <a:rPr lang="ko-KR" altLang="en-US" dirty="0"/>
+              <a:t>도덕과 규율로 통제되지 않는 범죄자들과</a:t>
+            </a:r>
+            <a:r>
+              <a:rPr lang="en-US" altLang="ko-KR" dirty="0"/>
+              <a:t>, </a:t>
+            </a:r>
+          </a:p>
+          <a:p>
+            <a:r>
+              <a:rPr lang="ko-KR" altLang="en-US" dirty="0"/>
+              <a:t>무분별한 생체 실험으로 인간에게 악의를 가진 생물들 사이에서 </a:t>
+            </a:r>
+            <a:r>
+              <a:rPr lang="ko-KR" altLang="en-US" dirty="0" err="1"/>
+              <a:t>어떻게든</a:t>
+            </a:r>
+            <a:r>
+              <a:rPr lang="ko-KR" altLang="en-US" dirty="0"/>
+              <a:t> 살아남아야 한다</a:t>
+            </a:r>
+            <a:r>
+              <a:rPr lang="en-US" altLang="ko-KR" dirty="0"/>
+              <a:t>.</a:t>
+            </a:r>
+          </a:p>
+          <a:p>
+            <a:endParaRPr lang="ko-KR" altLang="en-US" dirty="0"/>
+          </a:p>
+        </p:txBody>
+      </p:sp>
+    </p:spTree>
+    <p:extLst>
+      <p:ext uri="{BB962C8B-B14F-4D97-AF65-F5344CB8AC3E}">
+        <p14:creationId xmlns:p14="http://schemas.microsoft.com/office/powerpoint/2010/main" val="1862350261"/>
+      </p:ext>
+    </p:extLst>
+  </p:cSld>
+  <p:clrMapOvr>
+    <a:masterClrMapping/>
+  </p:clrMapOvr>
+</p:sld>
+</file>
+
+<file path=ppt/slides/slide17.xml><?xml version="1.0" encoding="utf-8"?>
+<p:sld xmlns:a="http://schemas.openxmlformats.org/drawingml/2006/main" xmlns:r="http://schemas.openxmlformats.org/officeDocument/2006/relationships" xmlns:p="http://schemas.openxmlformats.org/presentationml/2006/main">
+  <p:cSld>
+    <p:spTree>
+      <p:nvGrpSpPr>
+        <p:cNvPr id="1" name=""/>
+        <p:cNvGrpSpPr/>
+        <p:nvPr/>
+      </p:nvGrpSpPr>
+      <p:grpSpPr>
+        <a:xfrm>
+          <a:off x="0" y="0"/>
+          <a:ext cx="0" cy="0"/>
+          <a:chOff x="0" y="0"/>
+          <a:chExt cx="0" cy="0"/>
+        </a:xfrm>
+      </p:grpSpPr>
+      <p:sp>
+        <p:nvSpPr>
+          <p:cNvPr id="2" name="제목 1">
+            <a:extLst>
+              <a:ext uri="{FF2B5EF4-FFF2-40B4-BE49-F238E27FC236}">
+                <a16:creationId xmlns:a16="http://schemas.microsoft.com/office/drawing/2014/main" id="{F2E45323-1393-70D4-C263-7D0573034363}"/>
+              </a:ext>
+            </a:extLst>
+          </p:cNvPr>
+          <p:cNvSpPr>
+            <a:spLocks noGrp="1"/>
+          </p:cNvSpPr>
+          <p:nvPr>
+            <p:ph type="title"/>
+          </p:nvPr>
+        </p:nvSpPr>
+        <p:spPr/>
+        <p:txBody>
+          <a:bodyPr/>
+          <a:lstStyle/>
+          <a:p>
+            <a:endParaRPr lang="ko-KR" altLang="en-US" dirty="0"/>
+          </a:p>
+        </p:txBody>
+      </p:sp>
+      <p:sp>
+        <p:nvSpPr>
+          <p:cNvPr id="3" name="내용 개체 틀 2">
+            <a:extLst>
+              <a:ext uri="{FF2B5EF4-FFF2-40B4-BE49-F238E27FC236}">
+                <a16:creationId xmlns:a16="http://schemas.microsoft.com/office/drawing/2014/main" id="{F4783726-F1EC-CF7B-8F82-AAD3269A47D8}"/>
+              </a:ext>
+            </a:extLst>
+          </p:cNvPr>
+          <p:cNvSpPr>
+            <a:spLocks noGrp="1"/>
+          </p:cNvSpPr>
+          <p:nvPr>
+            <p:ph idx="1"/>
+          </p:nvPr>
+        </p:nvSpPr>
+        <p:spPr/>
+        <p:txBody>
+          <a:bodyPr/>
+          <a:lstStyle/>
+          <a:p>
+            <a:r>
+              <a:rPr lang="ko-KR" altLang="en-US" dirty="0"/>
+              <a:t>게임이 나올지가 의문</a:t>
+            </a:r>
+            <a:r>
+              <a:rPr lang="en-US" altLang="ko-KR" dirty="0"/>
+              <a:t>. (</a:t>
+            </a:r>
+            <a:r>
+              <a:rPr lang="ko-KR" altLang="en-US" dirty="0"/>
+              <a:t>엔진은 </a:t>
+            </a:r>
+            <a:r>
+              <a:rPr lang="ko-KR" altLang="en-US" dirty="0" err="1"/>
+              <a:t>나올것이다</a:t>
+            </a:r>
+            <a:r>
+              <a:rPr lang="en-US" altLang="ko-KR" dirty="0"/>
+              <a:t>)</a:t>
+            </a:r>
+          </a:p>
+          <a:p>
+            <a:r>
+              <a:rPr lang="ko-KR" altLang="en-US" dirty="0"/>
+              <a:t>게임성에 대한 고찰</a:t>
+            </a:r>
+            <a:endParaRPr lang="en-US" altLang="ko-KR" dirty="0"/>
+          </a:p>
+          <a:p>
+            <a:r>
+              <a:rPr lang="ko-KR" altLang="en-US" dirty="0"/>
+              <a:t>설명하기 부담스러울 경우 예시 게임 한 개를 두고 차별점을 설명</a:t>
+            </a:r>
+            <a:r>
+              <a:rPr lang="en-US" altLang="ko-KR" dirty="0"/>
+              <a:t>.</a:t>
+            </a:r>
+          </a:p>
+          <a:p>
+            <a:r>
+              <a:rPr lang="en-US" altLang="ko-KR" dirty="0"/>
+              <a:t>Ex)</a:t>
+            </a:r>
+            <a:r>
+              <a:rPr lang="ko-KR" altLang="en-US" dirty="0"/>
+              <a:t> 스타필드와 비슷한 게임을 </a:t>
+            </a:r>
+            <a:r>
+              <a:rPr lang="ko-KR" altLang="en-US" dirty="0" err="1"/>
+              <a:t>만들건데</a:t>
+            </a:r>
+            <a:r>
+              <a:rPr lang="ko-KR" altLang="en-US" dirty="0"/>
+              <a:t> 스타필드에서 아쉬운 부분을 채워 넣겠다</a:t>
+            </a:r>
+            <a:r>
+              <a:rPr lang="en-US" altLang="ko-KR" dirty="0"/>
+              <a:t>. </a:t>
+            </a:r>
+            <a:r>
+              <a:rPr lang="ko-KR" altLang="en-US" dirty="0"/>
+              <a:t>발표 자체는 잘 풀어서</a:t>
+            </a:r>
+          </a:p>
+        </p:txBody>
+      </p:sp>
+    </p:spTree>
+    <p:extLst>
+      <p:ext uri="{BB962C8B-B14F-4D97-AF65-F5344CB8AC3E}">
+        <p14:creationId xmlns:p14="http://schemas.microsoft.com/office/powerpoint/2010/main" val="866838706"/>
       </p:ext>
     </p:extLst>
   </p:cSld>
@@ -3612,166 +7496,857 @@
       </p:grpSpPr>
       <p:sp>
         <p:nvSpPr>
-          <p:cNvPr id="4" name="TextBox 3">
-            <a:extLst>
-              <a:ext uri="{FF2B5EF4-FFF2-40B4-BE49-F238E27FC236}">
-                <a16:creationId xmlns:a16="http://schemas.microsoft.com/office/drawing/2014/main" id="{4E3A8314-52D4-482D-9ED5-DD862B329AB2}"/>
-              </a:ext>
-            </a:extLst>
-          </p:cNvPr>
-          <p:cNvSpPr txBox="1"/>
+          <p:cNvPr id="2" name="제목 1">
+            <a:extLst>
+              <a:ext uri="{FF2B5EF4-FFF2-40B4-BE49-F238E27FC236}">
+                <a16:creationId xmlns:a16="http://schemas.microsoft.com/office/drawing/2014/main" id="{D50E8098-8B2B-D269-ECD9-2DEBF6420383}"/>
+              </a:ext>
+            </a:extLst>
+          </p:cNvPr>
+          <p:cNvSpPr>
+            <a:spLocks noGrp="1"/>
+          </p:cNvSpPr>
+          <p:nvPr>
+            <p:ph type="title"/>
+          </p:nvPr>
+        </p:nvSpPr>
+        <p:spPr/>
+        <p:txBody>
+          <a:bodyPr/>
+          <a:lstStyle/>
+          <a:p>
+            <a:pPr algn="ctr"/>
+            <a:r>
+              <a:rPr lang="ko-KR" altLang="en-US" dirty="0"/>
+              <a:t>팀원 소개</a:t>
+            </a:r>
+          </a:p>
+        </p:txBody>
+      </p:sp>
+      <p:sp>
+        <p:nvSpPr>
+          <p:cNvPr id="8" name="직사각형 7">
+            <a:extLst>
+              <a:ext uri="{FF2B5EF4-FFF2-40B4-BE49-F238E27FC236}">
+                <a16:creationId xmlns:a16="http://schemas.microsoft.com/office/drawing/2014/main" id="{3A12A74C-42C1-6299-C7A0-BCCC13BB0512}"/>
+              </a:ext>
+            </a:extLst>
+          </p:cNvPr>
+          <p:cNvSpPr/>
           <p:nvPr/>
         </p:nvSpPr>
         <p:spPr>
           <a:xfrm>
-            <a:off x="3558330" y="1921079"/>
-            <a:ext cx="5075339" cy="3139321"/>
+            <a:off x="5378539" y="1690688"/>
+            <a:ext cx="1434922" cy="743419"/>
           </a:xfrm>
           <a:prstGeom prst="rect">
             <a:avLst/>
           </a:prstGeom>
           <a:noFill/>
-        </p:spPr>
-        <p:txBody>
-          <a:bodyPr wrap="square" rtlCol="0">
-            <a:spAutoFit/>
-          </a:bodyPr>
+          <a:ln w="38100">
+            <a:solidFill>
+              <a:schemeClr val="tx1"/>
+            </a:solidFill>
+          </a:ln>
+        </p:spPr>
+        <p:style>
+          <a:lnRef idx="2">
+            <a:schemeClr val="accent1">
+              <a:shade val="15000"/>
+            </a:schemeClr>
+          </a:lnRef>
+          <a:fillRef idx="1">
+            <a:schemeClr val="accent1"/>
+          </a:fillRef>
+          <a:effectRef idx="0">
+            <a:schemeClr val="accent1"/>
+          </a:effectRef>
+          <a:fontRef idx="minor">
+            <a:schemeClr val="lt1"/>
+          </a:fontRef>
+        </p:style>
+        <p:txBody>
+          <a:bodyPr rtlCol="0" anchor="ctr"/>
           <a:lstStyle/>
           <a:p>
             <a:pPr algn="ctr"/>
             <a:r>
-              <a:rPr lang="ko-KR" altLang="en-US" dirty="0"/>
-              <a:t>오픈월드 </a:t>
-            </a:r>
-            <a:endParaRPr lang="en-US" altLang="ko-KR" dirty="0"/>
-          </a:p>
-          <a:p>
-            <a:pPr algn="ctr"/>
-            <a:r>
-              <a:rPr lang="en-US" altLang="ko-KR" dirty="0"/>
-              <a:t>+</a:t>
-            </a:r>
-          </a:p>
-          <a:p>
-            <a:pPr algn="ctr"/>
-            <a:r>
-              <a:rPr lang="ko-KR" altLang="en-US" dirty="0" err="1"/>
-              <a:t>심리스</a:t>
-            </a:r>
-            <a:r>
-              <a:rPr lang="ko-KR" altLang="en-US" dirty="0"/>
-              <a:t> </a:t>
-            </a:r>
-            <a:endParaRPr lang="en-US" altLang="ko-KR" dirty="0"/>
-          </a:p>
-          <a:p>
-            <a:pPr algn="ctr"/>
-            <a:r>
-              <a:rPr lang="en-US" altLang="ko-KR" dirty="0"/>
-              <a:t>+</a:t>
-            </a:r>
-          </a:p>
-          <a:p>
-            <a:pPr algn="ctr"/>
-            <a:r>
-              <a:rPr lang="ko-KR" altLang="en-US" dirty="0"/>
-              <a:t>생존</a:t>
-            </a:r>
-            <a:endParaRPr lang="en-US" altLang="ko-KR" dirty="0"/>
-          </a:p>
-          <a:p>
-            <a:pPr algn="ctr"/>
-            <a:r>
-              <a:rPr lang="en-US" altLang="ko-KR" dirty="0"/>
-              <a:t>+</a:t>
-            </a:r>
-          </a:p>
-          <a:p>
-            <a:pPr algn="ctr"/>
-            <a:r>
-              <a:rPr lang="ko-KR" altLang="en-US" dirty="0" err="1"/>
-              <a:t>크래프팅</a:t>
-            </a:r>
-            <a:r>
-              <a:rPr lang="ko-KR" altLang="en-US" dirty="0"/>
-              <a:t> </a:t>
-            </a:r>
-            <a:endParaRPr lang="en-US" altLang="ko-KR" dirty="0"/>
-          </a:p>
-          <a:p>
-            <a:pPr algn="ctr"/>
-            <a:r>
-              <a:rPr lang="en-US" altLang="ko-KR" dirty="0"/>
-              <a:t>+</a:t>
-            </a:r>
-          </a:p>
-          <a:p>
-            <a:pPr algn="ctr"/>
-            <a:r>
-              <a:rPr lang="ko-KR" altLang="en-US" dirty="0"/>
-              <a:t>탐험 </a:t>
-            </a:r>
-            <a:endParaRPr lang="en-US" altLang="ko-KR" dirty="0"/>
-          </a:p>
-          <a:p>
-            <a:pPr algn="ctr"/>
-            <a:r>
-              <a:rPr lang="en-US" altLang="ko-KR" dirty="0"/>
-              <a:t>+</a:t>
-            </a:r>
-          </a:p>
-          <a:p>
-            <a:pPr algn="ctr"/>
-            <a:r>
-              <a:rPr lang="en-US" altLang="ko-KR" dirty="0"/>
-              <a:t>MMO</a:t>
-            </a:r>
-            <a:r>
-              <a:rPr lang="ko-KR" altLang="en-US" dirty="0"/>
-              <a:t> </a:t>
-            </a:r>
-          </a:p>
-        </p:txBody>
-      </p:sp>
-      <p:sp>
-        <p:nvSpPr>
-          <p:cNvPr id="5" name="TextBox 4">
-            <a:extLst>
-              <a:ext uri="{FF2B5EF4-FFF2-40B4-BE49-F238E27FC236}">
-                <a16:creationId xmlns:a16="http://schemas.microsoft.com/office/drawing/2014/main" id="{B67603F7-D071-4635-A84E-B4A098C79B3C}"/>
-              </a:ext>
-            </a:extLst>
-          </p:cNvPr>
-          <p:cNvSpPr txBox="1"/>
+              <a:rPr lang="ko-KR" altLang="en-US" sz="2400" dirty="0">
+                <a:solidFill>
+                  <a:schemeClr val="tx1"/>
+                </a:solidFill>
+              </a:rPr>
+              <a:t>정용훈</a:t>
+            </a:r>
+          </a:p>
+        </p:txBody>
+      </p:sp>
+      <p:sp>
+        <p:nvSpPr>
+          <p:cNvPr id="9" name="직사각형 8">
+            <a:extLst>
+              <a:ext uri="{FF2B5EF4-FFF2-40B4-BE49-F238E27FC236}">
+                <a16:creationId xmlns:a16="http://schemas.microsoft.com/office/drawing/2014/main" id="{61891FC4-ED04-3D6F-09CE-0BBCA2E53E55}"/>
+              </a:ext>
+            </a:extLst>
+          </p:cNvPr>
+          <p:cNvSpPr/>
           <p:nvPr/>
         </p:nvSpPr>
         <p:spPr>
           <a:xfrm>
-            <a:off x="268448" y="251670"/>
-            <a:ext cx="1233181" cy="369332"/>
+            <a:off x="1821823" y="3016251"/>
+            <a:ext cx="1434922" cy="743419"/>
           </a:xfrm>
           <a:prstGeom prst="rect">
             <a:avLst/>
           </a:prstGeom>
           <a:noFill/>
-        </p:spPr>
-        <p:txBody>
-          <a:bodyPr wrap="square" rtlCol="0">
-            <a:spAutoFit/>
-          </a:bodyPr>
-          <a:lstStyle/>
-          <a:p>
-            <a:r>
-              <a:rPr lang="ko-KR" altLang="en-US" dirty="0"/>
-              <a:t>장르</a:t>
-            </a:r>
-          </a:p>
-        </p:txBody>
-      </p:sp>
+          <a:ln w="38100">
+            <a:solidFill>
+              <a:schemeClr val="tx1"/>
+            </a:solidFill>
+          </a:ln>
+        </p:spPr>
+        <p:style>
+          <a:lnRef idx="2">
+            <a:schemeClr val="accent1">
+              <a:shade val="15000"/>
+            </a:schemeClr>
+          </a:lnRef>
+          <a:fillRef idx="1">
+            <a:schemeClr val="accent1"/>
+          </a:fillRef>
+          <a:effectRef idx="0">
+            <a:schemeClr val="accent1"/>
+          </a:effectRef>
+          <a:fontRef idx="minor">
+            <a:schemeClr val="lt1"/>
+          </a:fontRef>
+        </p:style>
+        <p:txBody>
+          <a:bodyPr rtlCol="0" anchor="ctr"/>
+          <a:lstStyle/>
+          <a:p>
+            <a:pPr algn="ctr"/>
+            <a:r>
+              <a:rPr lang="ko-KR" altLang="en-US" sz="2400" dirty="0" err="1">
+                <a:solidFill>
+                  <a:schemeClr val="tx1"/>
+                </a:solidFill>
+              </a:rPr>
+              <a:t>강석원</a:t>
+            </a:r>
+            <a:endParaRPr lang="ko-KR" altLang="en-US" sz="2400" dirty="0">
+              <a:solidFill>
+                <a:schemeClr val="tx1"/>
+              </a:solidFill>
+            </a:endParaRPr>
+          </a:p>
+        </p:txBody>
+      </p:sp>
+      <p:sp>
+        <p:nvSpPr>
+          <p:cNvPr id="10" name="직사각형 9">
+            <a:extLst>
+              <a:ext uri="{FF2B5EF4-FFF2-40B4-BE49-F238E27FC236}">
+                <a16:creationId xmlns:a16="http://schemas.microsoft.com/office/drawing/2014/main" id="{66F4F99F-5754-9839-0C9B-F03D5B605F43}"/>
+              </a:ext>
+            </a:extLst>
+          </p:cNvPr>
+          <p:cNvSpPr/>
+          <p:nvPr/>
+        </p:nvSpPr>
+        <p:spPr>
+          <a:xfrm>
+            <a:off x="4221587" y="3030571"/>
+            <a:ext cx="1434922" cy="743419"/>
+          </a:xfrm>
+          <a:prstGeom prst="rect">
+            <a:avLst/>
+          </a:prstGeom>
+          <a:noFill/>
+          <a:ln w="38100">
+            <a:solidFill>
+              <a:schemeClr val="tx1"/>
+            </a:solidFill>
+          </a:ln>
+        </p:spPr>
+        <p:style>
+          <a:lnRef idx="2">
+            <a:schemeClr val="accent1">
+              <a:shade val="15000"/>
+            </a:schemeClr>
+          </a:lnRef>
+          <a:fillRef idx="1">
+            <a:schemeClr val="accent1"/>
+          </a:fillRef>
+          <a:effectRef idx="0">
+            <a:schemeClr val="accent1"/>
+          </a:effectRef>
+          <a:fontRef idx="minor">
+            <a:schemeClr val="lt1"/>
+          </a:fontRef>
+        </p:style>
+        <p:txBody>
+          <a:bodyPr rtlCol="0" anchor="ctr"/>
+          <a:lstStyle/>
+          <a:p>
+            <a:pPr algn="ctr"/>
+            <a:r>
+              <a:rPr lang="ko-KR" altLang="en-US" sz="2400" dirty="0">
+                <a:solidFill>
+                  <a:schemeClr val="tx1"/>
+                </a:solidFill>
+              </a:rPr>
+              <a:t>김민정</a:t>
+            </a:r>
+          </a:p>
+        </p:txBody>
+      </p:sp>
+      <p:sp>
+        <p:nvSpPr>
+          <p:cNvPr id="11" name="직사각형 10">
+            <a:extLst>
+              <a:ext uri="{FF2B5EF4-FFF2-40B4-BE49-F238E27FC236}">
+                <a16:creationId xmlns:a16="http://schemas.microsoft.com/office/drawing/2014/main" id="{E95F7E8D-0461-DA17-5522-3C1D7BB34066}"/>
+              </a:ext>
+            </a:extLst>
+          </p:cNvPr>
+          <p:cNvSpPr/>
+          <p:nvPr/>
+        </p:nvSpPr>
+        <p:spPr>
+          <a:xfrm>
+            <a:off x="6624033" y="3020575"/>
+            <a:ext cx="1434922" cy="743419"/>
+          </a:xfrm>
+          <a:prstGeom prst="rect">
+            <a:avLst/>
+          </a:prstGeom>
+          <a:noFill/>
+          <a:ln w="38100">
+            <a:solidFill>
+              <a:schemeClr val="tx1"/>
+            </a:solidFill>
+          </a:ln>
+        </p:spPr>
+        <p:style>
+          <a:lnRef idx="2">
+            <a:schemeClr val="accent1">
+              <a:shade val="15000"/>
+            </a:schemeClr>
+          </a:lnRef>
+          <a:fillRef idx="1">
+            <a:schemeClr val="accent1"/>
+          </a:fillRef>
+          <a:effectRef idx="0">
+            <a:schemeClr val="accent1"/>
+          </a:effectRef>
+          <a:fontRef idx="minor">
+            <a:schemeClr val="lt1"/>
+          </a:fontRef>
+        </p:style>
+        <p:txBody>
+          <a:bodyPr rtlCol="0" anchor="ctr"/>
+          <a:lstStyle/>
+          <a:p>
+            <a:pPr algn="ctr"/>
+            <a:r>
+              <a:rPr lang="ko-KR" altLang="en-US" sz="2400" dirty="0">
+                <a:solidFill>
+                  <a:schemeClr val="tx1"/>
+                </a:solidFill>
+              </a:rPr>
+              <a:t>안준용</a:t>
+            </a:r>
+          </a:p>
+        </p:txBody>
+      </p:sp>
+      <p:sp>
+        <p:nvSpPr>
+          <p:cNvPr id="12" name="직사각형 11">
+            <a:extLst>
+              <a:ext uri="{FF2B5EF4-FFF2-40B4-BE49-F238E27FC236}">
+                <a16:creationId xmlns:a16="http://schemas.microsoft.com/office/drawing/2014/main" id="{BAD986EA-CE9F-6A0F-76CF-F3B097BBC3A3}"/>
+              </a:ext>
+            </a:extLst>
+          </p:cNvPr>
+          <p:cNvSpPr/>
+          <p:nvPr/>
+        </p:nvSpPr>
+        <p:spPr>
+          <a:xfrm>
+            <a:off x="9023797" y="3030571"/>
+            <a:ext cx="1434922" cy="743419"/>
+          </a:xfrm>
+          <a:prstGeom prst="rect">
+            <a:avLst/>
+          </a:prstGeom>
+          <a:noFill/>
+          <a:ln w="38100">
+            <a:solidFill>
+              <a:schemeClr val="tx1"/>
+            </a:solidFill>
+          </a:ln>
+        </p:spPr>
+        <p:style>
+          <a:lnRef idx="2">
+            <a:schemeClr val="accent1">
+              <a:shade val="15000"/>
+            </a:schemeClr>
+          </a:lnRef>
+          <a:fillRef idx="1">
+            <a:schemeClr val="accent1"/>
+          </a:fillRef>
+          <a:effectRef idx="0">
+            <a:schemeClr val="accent1"/>
+          </a:effectRef>
+          <a:fontRef idx="minor">
+            <a:schemeClr val="lt1"/>
+          </a:fontRef>
+        </p:style>
+        <p:txBody>
+          <a:bodyPr rtlCol="0" anchor="ctr"/>
+          <a:lstStyle/>
+          <a:p>
+            <a:pPr algn="ctr"/>
+            <a:r>
+              <a:rPr lang="ko-KR" altLang="en-US" sz="2400" dirty="0" err="1">
+                <a:solidFill>
+                  <a:schemeClr val="tx1"/>
+                </a:solidFill>
+              </a:rPr>
+              <a:t>고형종</a:t>
+            </a:r>
+            <a:endParaRPr lang="ko-KR" altLang="en-US" sz="2400" dirty="0">
+              <a:solidFill>
+                <a:schemeClr val="tx1"/>
+              </a:solidFill>
+            </a:endParaRPr>
+          </a:p>
+        </p:txBody>
+      </p:sp>
+      <p:sp>
+        <p:nvSpPr>
+          <p:cNvPr id="13" name="직사각형 12">
+            <a:extLst>
+              <a:ext uri="{FF2B5EF4-FFF2-40B4-BE49-F238E27FC236}">
+                <a16:creationId xmlns:a16="http://schemas.microsoft.com/office/drawing/2014/main" id="{C3EFD9DE-6855-D287-3B27-E2283FE20B46}"/>
+              </a:ext>
+            </a:extLst>
+          </p:cNvPr>
+          <p:cNvSpPr/>
+          <p:nvPr/>
+        </p:nvSpPr>
+        <p:spPr>
+          <a:xfrm>
+            <a:off x="4221586" y="4351807"/>
+            <a:ext cx="1434922" cy="743419"/>
+          </a:xfrm>
+          <a:prstGeom prst="rect">
+            <a:avLst/>
+          </a:prstGeom>
+          <a:noFill/>
+          <a:ln w="38100">
+            <a:solidFill>
+              <a:schemeClr val="tx1"/>
+            </a:solidFill>
+          </a:ln>
+        </p:spPr>
+        <p:style>
+          <a:lnRef idx="2">
+            <a:schemeClr val="accent1">
+              <a:shade val="15000"/>
+            </a:schemeClr>
+          </a:lnRef>
+          <a:fillRef idx="1">
+            <a:schemeClr val="accent1"/>
+          </a:fillRef>
+          <a:effectRef idx="0">
+            <a:schemeClr val="accent1"/>
+          </a:effectRef>
+          <a:fontRef idx="minor">
+            <a:schemeClr val="lt1"/>
+          </a:fontRef>
+        </p:style>
+        <p:txBody>
+          <a:bodyPr rtlCol="0" anchor="ctr"/>
+          <a:lstStyle/>
+          <a:p>
+            <a:pPr algn="ctr"/>
+            <a:r>
+              <a:rPr lang="ko-KR" altLang="en-US" sz="2400" dirty="0" err="1">
+                <a:solidFill>
+                  <a:schemeClr val="tx1"/>
+                </a:solidFill>
+              </a:rPr>
+              <a:t>신윤제</a:t>
+            </a:r>
+            <a:endParaRPr lang="ko-KR" altLang="en-US" sz="2400" dirty="0">
+              <a:solidFill>
+                <a:schemeClr val="tx1"/>
+              </a:solidFill>
+            </a:endParaRPr>
+          </a:p>
+        </p:txBody>
+      </p:sp>
+      <p:sp>
+        <p:nvSpPr>
+          <p:cNvPr id="14" name="직사각형 13">
+            <a:extLst>
+              <a:ext uri="{FF2B5EF4-FFF2-40B4-BE49-F238E27FC236}">
+                <a16:creationId xmlns:a16="http://schemas.microsoft.com/office/drawing/2014/main" id="{DA3A2DCD-240A-AE3F-83B0-91E830E26823}"/>
+              </a:ext>
+            </a:extLst>
+          </p:cNvPr>
+          <p:cNvSpPr/>
+          <p:nvPr/>
+        </p:nvSpPr>
+        <p:spPr>
+          <a:xfrm>
+            <a:off x="1821823" y="4341811"/>
+            <a:ext cx="1434922" cy="743419"/>
+          </a:xfrm>
+          <a:prstGeom prst="rect">
+            <a:avLst/>
+          </a:prstGeom>
+          <a:noFill/>
+          <a:ln w="38100">
+            <a:solidFill>
+              <a:schemeClr val="tx1"/>
+            </a:solidFill>
+          </a:ln>
+        </p:spPr>
+        <p:style>
+          <a:lnRef idx="2">
+            <a:schemeClr val="accent1">
+              <a:shade val="15000"/>
+            </a:schemeClr>
+          </a:lnRef>
+          <a:fillRef idx="1">
+            <a:schemeClr val="accent1"/>
+          </a:fillRef>
+          <a:effectRef idx="0">
+            <a:schemeClr val="accent1"/>
+          </a:effectRef>
+          <a:fontRef idx="minor">
+            <a:schemeClr val="lt1"/>
+          </a:fontRef>
+        </p:style>
+        <p:txBody>
+          <a:bodyPr rtlCol="0" anchor="ctr"/>
+          <a:lstStyle/>
+          <a:p>
+            <a:pPr algn="ctr"/>
+            <a:r>
+              <a:rPr lang="ko-KR" altLang="en-US" sz="2400" dirty="0" err="1">
+                <a:solidFill>
+                  <a:schemeClr val="tx1"/>
+                </a:solidFill>
+              </a:rPr>
+              <a:t>오수안</a:t>
+            </a:r>
+            <a:endParaRPr lang="ko-KR" altLang="en-US" sz="2400" dirty="0">
+              <a:solidFill>
+                <a:schemeClr val="tx1"/>
+              </a:solidFill>
+            </a:endParaRPr>
+          </a:p>
+        </p:txBody>
+      </p:sp>
+      <p:sp>
+        <p:nvSpPr>
+          <p:cNvPr id="15" name="직사각형 14">
+            <a:extLst>
+              <a:ext uri="{FF2B5EF4-FFF2-40B4-BE49-F238E27FC236}">
+                <a16:creationId xmlns:a16="http://schemas.microsoft.com/office/drawing/2014/main" id="{0DBBD456-E83C-F529-17E0-7CD83DAA37D2}"/>
+              </a:ext>
+            </a:extLst>
+          </p:cNvPr>
+          <p:cNvSpPr/>
+          <p:nvPr/>
+        </p:nvSpPr>
+        <p:spPr>
+          <a:xfrm>
+            <a:off x="6624033" y="4341813"/>
+            <a:ext cx="1434922" cy="743419"/>
+          </a:xfrm>
+          <a:prstGeom prst="rect">
+            <a:avLst/>
+          </a:prstGeom>
+          <a:noFill/>
+          <a:ln w="38100">
+            <a:solidFill>
+              <a:schemeClr val="tx1"/>
+            </a:solidFill>
+          </a:ln>
+        </p:spPr>
+        <p:style>
+          <a:lnRef idx="2">
+            <a:schemeClr val="accent1">
+              <a:shade val="15000"/>
+            </a:schemeClr>
+          </a:lnRef>
+          <a:fillRef idx="1">
+            <a:schemeClr val="accent1"/>
+          </a:fillRef>
+          <a:effectRef idx="0">
+            <a:schemeClr val="accent1"/>
+          </a:effectRef>
+          <a:fontRef idx="minor">
+            <a:schemeClr val="lt1"/>
+          </a:fontRef>
+        </p:style>
+        <p:txBody>
+          <a:bodyPr rtlCol="0" anchor="ctr"/>
+          <a:lstStyle/>
+          <a:p>
+            <a:pPr algn="ctr"/>
+            <a:r>
+              <a:rPr lang="ko-KR" altLang="en-US" sz="2400" dirty="0">
+                <a:solidFill>
+                  <a:schemeClr val="tx1"/>
+                </a:solidFill>
+              </a:rPr>
+              <a:t>정진수</a:t>
+            </a:r>
+          </a:p>
+        </p:txBody>
+      </p:sp>
+      <p:cxnSp>
+        <p:nvCxnSpPr>
+          <p:cNvPr id="20" name="연결선: 꺾임 19">
+            <a:extLst>
+              <a:ext uri="{FF2B5EF4-FFF2-40B4-BE49-F238E27FC236}">
+                <a16:creationId xmlns:a16="http://schemas.microsoft.com/office/drawing/2014/main" id="{FAAD801F-B213-B46D-9ABD-797B3BB841E3}"/>
+              </a:ext>
+            </a:extLst>
+          </p:cNvPr>
+          <p:cNvCxnSpPr>
+            <a:stCxn id="8" idx="2"/>
+            <a:endCxn id="9" idx="0"/>
+          </p:cNvCxnSpPr>
+          <p:nvPr/>
+        </p:nvCxnSpPr>
+        <p:spPr>
+          <a:xfrm rot="5400000">
+            <a:off x="4026570" y="946821"/>
+            <a:ext cx="582144" cy="3556716"/>
+          </a:xfrm>
+          <a:prstGeom prst="bentConnector3">
+            <a:avLst/>
+          </a:prstGeom>
+          <a:ln w="25400">
+            <a:solidFill>
+              <a:schemeClr val="tx1"/>
+            </a:solidFill>
+            <a:tailEnd type="triangle"/>
+          </a:ln>
+        </p:spPr>
+        <p:style>
+          <a:lnRef idx="1">
+            <a:schemeClr val="accent1"/>
+          </a:lnRef>
+          <a:fillRef idx="0">
+            <a:schemeClr val="accent1"/>
+          </a:fillRef>
+          <a:effectRef idx="0">
+            <a:schemeClr val="accent1"/>
+          </a:effectRef>
+          <a:fontRef idx="minor">
+            <a:schemeClr val="tx1"/>
+          </a:fontRef>
+        </p:style>
+      </p:cxnSp>
+      <p:cxnSp>
+        <p:nvCxnSpPr>
+          <p:cNvPr id="24" name="연결선: 꺾임 23">
+            <a:extLst>
+              <a:ext uri="{FF2B5EF4-FFF2-40B4-BE49-F238E27FC236}">
+                <a16:creationId xmlns:a16="http://schemas.microsoft.com/office/drawing/2014/main" id="{72EDBC87-7C5C-263F-B21D-7CCE45C0976F}"/>
+              </a:ext>
+            </a:extLst>
+          </p:cNvPr>
+          <p:cNvCxnSpPr>
+            <a:cxnSpLocks/>
+            <a:stCxn id="8" idx="2"/>
+            <a:endCxn id="10" idx="0"/>
+          </p:cNvCxnSpPr>
+          <p:nvPr/>
+        </p:nvCxnSpPr>
+        <p:spPr>
+          <a:xfrm rot="5400000">
+            <a:off x="5219292" y="2153863"/>
+            <a:ext cx="596464" cy="1156952"/>
+          </a:xfrm>
+          <a:prstGeom prst="bentConnector3">
+            <a:avLst>
+              <a:gd name="adj1" fmla="val 50000"/>
+            </a:avLst>
+          </a:prstGeom>
+          <a:ln w="25400">
+            <a:solidFill>
+              <a:schemeClr val="tx1"/>
+            </a:solidFill>
+            <a:tailEnd type="triangle"/>
+          </a:ln>
+        </p:spPr>
+        <p:style>
+          <a:lnRef idx="1">
+            <a:schemeClr val="accent1"/>
+          </a:lnRef>
+          <a:fillRef idx="0">
+            <a:schemeClr val="accent1"/>
+          </a:fillRef>
+          <a:effectRef idx="0">
+            <a:schemeClr val="accent1"/>
+          </a:effectRef>
+          <a:fontRef idx="minor">
+            <a:schemeClr val="tx1"/>
+          </a:fontRef>
+        </p:style>
+      </p:cxnSp>
+      <p:cxnSp>
+        <p:nvCxnSpPr>
+          <p:cNvPr id="27" name="연결선: 꺾임 26">
+            <a:extLst>
+              <a:ext uri="{FF2B5EF4-FFF2-40B4-BE49-F238E27FC236}">
+                <a16:creationId xmlns:a16="http://schemas.microsoft.com/office/drawing/2014/main" id="{62F2A732-F384-0D55-6544-E6D0660E040B}"/>
+              </a:ext>
+            </a:extLst>
+          </p:cNvPr>
+          <p:cNvCxnSpPr>
+            <a:cxnSpLocks/>
+            <a:stCxn id="8" idx="2"/>
+            <a:endCxn id="11" idx="0"/>
+          </p:cNvCxnSpPr>
+          <p:nvPr/>
+        </p:nvCxnSpPr>
+        <p:spPr>
+          <a:xfrm rot="16200000" flipH="1">
+            <a:off x="6425513" y="2104594"/>
+            <a:ext cx="586468" cy="1245494"/>
+          </a:xfrm>
+          <a:prstGeom prst="bentConnector3">
+            <a:avLst>
+              <a:gd name="adj1" fmla="val 50000"/>
+            </a:avLst>
+          </a:prstGeom>
+          <a:ln w="25400">
+            <a:solidFill>
+              <a:schemeClr val="tx1"/>
+            </a:solidFill>
+            <a:tailEnd type="triangle"/>
+          </a:ln>
+        </p:spPr>
+        <p:style>
+          <a:lnRef idx="1">
+            <a:schemeClr val="accent1"/>
+          </a:lnRef>
+          <a:fillRef idx="0">
+            <a:schemeClr val="accent1"/>
+          </a:fillRef>
+          <a:effectRef idx="0">
+            <a:schemeClr val="accent1"/>
+          </a:effectRef>
+          <a:fontRef idx="minor">
+            <a:schemeClr val="tx1"/>
+          </a:fontRef>
+        </p:style>
+      </p:cxnSp>
+      <p:cxnSp>
+        <p:nvCxnSpPr>
+          <p:cNvPr id="30" name="연결선: 꺾임 29">
+            <a:extLst>
+              <a:ext uri="{FF2B5EF4-FFF2-40B4-BE49-F238E27FC236}">
+                <a16:creationId xmlns:a16="http://schemas.microsoft.com/office/drawing/2014/main" id="{246642A8-1290-769E-DA40-3B588543581C}"/>
+              </a:ext>
+            </a:extLst>
+          </p:cNvPr>
+          <p:cNvCxnSpPr>
+            <a:cxnSpLocks/>
+            <a:stCxn id="8" idx="2"/>
+            <a:endCxn id="12" idx="0"/>
+          </p:cNvCxnSpPr>
+          <p:nvPr/>
+        </p:nvCxnSpPr>
+        <p:spPr>
+          <a:xfrm rot="16200000" flipH="1">
+            <a:off x="7620397" y="909710"/>
+            <a:ext cx="596464" cy="3645258"/>
+          </a:xfrm>
+          <a:prstGeom prst="bentConnector3">
+            <a:avLst>
+              <a:gd name="adj1" fmla="val 50000"/>
+            </a:avLst>
+          </a:prstGeom>
+          <a:ln w="25400">
+            <a:solidFill>
+              <a:schemeClr val="tx1"/>
+            </a:solidFill>
+            <a:tailEnd type="triangle"/>
+          </a:ln>
+        </p:spPr>
+        <p:style>
+          <a:lnRef idx="1">
+            <a:schemeClr val="accent1"/>
+          </a:lnRef>
+          <a:fillRef idx="0">
+            <a:schemeClr val="accent1"/>
+          </a:fillRef>
+          <a:effectRef idx="0">
+            <a:schemeClr val="accent1"/>
+          </a:effectRef>
+          <a:fontRef idx="minor">
+            <a:schemeClr val="tx1"/>
+          </a:fontRef>
+        </p:style>
+      </p:cxnSp>
+      <p:cxnSp>
+        <p:nvCxnSpPr>
+          <p:cNvPr id="38" name="직선 화살표 연결선 37">
+            <a:extLst>
+              <a:ext uri="{FF2B5EF4-FFF2-40B4-BE49-F238E27FC236}">
+                <a16:creationId xmlns:a16="http://schemas.microsoft.com/office/drawing/2014/main" id="{8C23FDCD-AEC6-3625-EEEF-BDBDBAE7F14B}"/>
+              </a:ext>
+            </a:extLst>
+          </p:cNvPr>
+          <p:cNvCxnSpPr>
+            <a:stCxn id="9" idx="2"/>
+            <a:endCxn id="14" idx="0"/>
+          </p:cNvCxnSpPr>
+          <p:nvPr/>
+        </p:nvCxnSpPr>
+        <p:spPr>
+          <a:xfrm>
+            <a:off x="2539284" y="3759670"/>
+            <a:ext cx="0" cy="582141"/>
+          </a:xfrm>
+          <a:prstGeom prst="straightConnector1">
+            <a:avLst/>
+          </a:prstGeom>
+          <a:ln w="25400">
+            <a:solidFill>
+              <a:schemeClr val="tx1"/>
+            </a:solidFill>
+            <a:tailEnd type="triangle"/>
+          </a:ln>
+        </p:spPr>
+        <p:style>
+          <a:lnRef idx="1">
+            <a:schemeClr val="accent1"/>
+          </a:lnRef>
+          <a:fillRef idx="0">
+            <a:schemeClr val="accent1"/>
+          </a:fillRef>
+          <a:effectRef idx="0">
+            <a:schemeClr val="accent1"/>
+          </a:effectRef>
+          <a:fontRef idx="minor">
+            <a:schemeClr val="tx1"/>
+          </a:fontRef>
+        </p:style>
+      </p:cxnSp>
+      <p:cxnSp>
+        <p:nvCxnSpPr>
+          <p:cNvPr id="39" name="연결선: 꺾임 38">
+            <a:extLst>
+              <a:ext uri="{FF2B5EF4-FFF2-40B4-BE49-F238E27FC236}">
+                <a16:creationId xmlns:a16="http://schemas.microsoft.com/office/drawing/2014/main" id="{BFCE62C3-55A7-5E89-1B53-3F9DDEB28C15}"/>
+              </a:ext>
+            </a:extLst>
+          </p:cNvPr>
+          <p:cNvCxnSpPr>
+            <a:cxnSpLocks/>
+            <a:stCxn id="10" idx="2"/>
+            <a:endCxn id="15" idx="0"/>
+          </p:cNvCxnSpPr>
+          <p:nvPr/>
+        </p:nvCxnSpPr>
+        <p:spPr>
+          <a:xfrm rot="16200000" flipH="1">
+            <a:off x="5856360" y="2856678"/>
+            <a:ext cx="567823" cy="2402446"/>
+          </a:xfrm>
+          <a:prstGeom prst="bentConnector3">
+            <a:avLst>
+              <a:gd name="adj1" fmla="val 50000"/>
+            </a:avLst>
+          </a:prstGeom>
+          <a:ln w="25400">
+            <a:solidFill>
+              <a:schemeClr val="tx1"/>
+            </a:solidFill>
+            <a:tailEnd type="triangle"/>
+          </a:ln>
+        </p:spPr>
+        <p:style>
+          <a:lnRef idx="1">
+            <a:schemeClr val="accent1"/>
+          </a:lnRef>
+          <a:fillRef idx="0">
+            <a:schemeClr val="accent1"/>
+          </a:fillRef>
+          <a:effectRef idx="0">
+            <a:schemeClr val="accent1"/>
+          </a:effectRef>
+          <a:fontRef idx="minor">
+            <a:schemeClr val="tx1"/>
+          </a:fontRef>
+        </p:style>
+      </p:cxnSp>
+      <p:cxnSp>
+        <p:nvCxnSpPr>
+          <p:cNvPr id="45" name="직선 화살표 연결선 44">
+            <a:extLst>
+              <a:ext uri="{FF2B5EF4-FFF2-40B4-BE49-F238E27FC236}">
+                <a16:creationId xmlns:a16="http://schemas.microsoft.com/office/drawing/2014/main" id="{B341A208-C053-89BD-C538-F2240776E412}"/>
+              </a:ext>
+            </a:extLst>
+          </p:cNvPr>
+          <p:cNvCxnSpPr>
+            <a:cxnSpLocks/>
+            <a:stCxn id="10" idx="2"/>
+            <a:endCxn id="13" idx="0"/>
+          </p:cNvCxnSpPr>
+          <p:nvPr/>
+        </p:nvCxnSpPr>
+        <p:spPr>
+          <a:xfrm flipH="1">
+            <a:off x="4939047" y="3773990"/>
+            <a:ext cx="1" cy="577817"/>
+          </a:xfrm>
+          <a:prstGeom prst="straightConnector1">
+            <a:avLst/>
+          </a:prstGeom>
+          <a:ln w="25400">
+            <a:solidFill>
+              <a:schemeClr val="tx1"/>
+            </a:solidFill>
+            <a:tailEnd type="triangle"/>
+          </a:ln>
+        </p:spPr>
+        <p:style>
+          <a:lnRef idx="1">
+            <a:schemeClr val="accent1"/>
+          </a:lnRef>
+          <a:fillRef idx="0">
+            <a:schemeClr val="accent1"/>
+          </a:fillRef>
+          <a:effectRef idx="0">
+            <a:schemeClr val="accent1"/>
+          </a:effectRef>
+          <a:fontRef idx="minor">
+            <a:schemeClr val="tx1"/>
+          </a:fontRef>
+        </p:style>
+      </p:cxnSp>
     </p:spTree>
     <p:extLst>
       <p:ext uri="{BB962C8B-B14F-4D97-AF65-F5344CB8AC3E}">
-        <p14:creationId xmlns:p14="http://schemas.microsoft.com/office/powerpoint/2010/main" val="521108493"/>
+        <p14:creationId xmlns:p14="http://schemas.microsoft.com/office/powerpoint/2010/main" val="3000641014"/>
       </p:ext>
     </p:extLst>
   </p:cSld>
@@ -3803,7 +8378,7 @@
           <p:cNvPr id="4" name="TextBox 3">
             <a:extLst>
               <a:ext uri="{FF2B5EF4-FFF2-40B4-BE49-F238E27FC236}">
-                <a16:creationId xmlns:a16="http://schemas.microsoft.com/office/drawing/2014/main" id="{D57740D1-A9EE-4C58-A963-3CA472E4D1DA}"/>
+                <a16:creationId xmlns:a16="http://schemas.microsoft.com/office/drawing/2014/main" id="{4E3A8314-52D4-482D-9ED5-DD862B329AB2}"/>
               </a:ext>
             </a:extLst>
           </p:cNvPr>
@@ -3812,8 +8387,8 @@
         </p:nvSpPr>
         <p:spPr>
           <a:xfrm>
-            <a:off x="310393" y="268448"/>
-            <a:ext cx="3254928" cy="369332"/>
+            <a:off x="3561700" y="1442955"/>
+            <a:ext cx="5068599" cy="3794693"/>
           </a:xfrm>
           <a:prstGeom prst="rect">
             <a:avLst/>
@@ -3826,10 +8401,90 @@
           </a:bodyPr>
           <a:lstStyle/>
           <a:p>
-            <a:r>
-              <a:rPr lang="ko-KR" altLang="en-US" dirty="0"/>
-              <a:t>시놉시스</a:t>
-            </a:r>
+            <a:pPr algn="ctr">
+              <a:lnSpc>
+                <a:spcPct val="150000"/>
+              </a:lnSpc>
+            </a:pPr>
+            <a:r>
+              <a:rPr lang="ko-KR" altLang="en-US" sz="2800" dirty="0" err="1"/>
+              <a:t>심리스</a:t>
+            </a:r>
+            <a:r>
+              <a:rPr lang="ko-KR" altLang="en-US" sz="2800" dirty="0"/>
+              <a:t> 오픈월드</a:t>
+            </a:r>
+            <a:endParaRPr lang="en-US" altLang="ko-KR" sz="2800" dirty="0"/>
+          </a:p>
+          <a:p>
+            <a:pPr algn="ctr">
+              <a:lnSpc>
+                <a:spcPct val="150000"/>
+              </a:lnSpc>
+            </a:pPr>
+            <a:r>
+              <a:rPr lang="en-US" altLang="ko-KR" sz="4000" dirty="0"/>
+              <a:t>+</a:t>
+            </a:r>
+          </a:p>
+          <a:p>
+            <a:pPr algn="ctr">
+              <a:lnSpc>
+                <a:spcPct val="150000"/>
+              </a:lnSpc>
+            </a:pPr>
+            <a:r>
+              <a:rPr lang="en-US" altLang="ko-KR" sz="2800" dirty="0"/>
+              <a:t>Online</a:t>
+            </a:r>
+            <a:r>
+              <a:rPr lang="ko-KR" altLang="en-US" sz="2800" dirty="0"/>
+              <a:t> </a:t>
+            </a:r>
+            <a:r>
+              <a:rPr lang="en-US" altLang="ko-KR" sz="2800" dirty="0" err="1"/>
+              <a:t>Multiplay</a:t>
+            </a:r>
+            <a:endParaRPr lang="en-US" altLang="ko-KR" sz="2800" dirty="0"/>
+          </a:p>
+          <a:p>
+            <a:pPr algn="ctr">
+              <a:lnSpc>
+                <a:spcPct val="150000"/>
+              </a:lnSpc>
+            </a:pPr>
+            <a:r>
+              <a:rPr lang="en-US" altLang="ko-KR" sz="4000" dirty="0"/>
+              <a:t>+</a:t>
+            </a:r>
+          </a:p>
+          <a:p>
+            <a:pPr algn="ctr">
+              <a:lnSpc>
+                <a:spcPct val="150000"/>
+              </a:lnSpc>
+            </a:pPr>
+            <a:r>
+              <a:rPr lang="ko-KR" altLang="en-US" sz="2800" dirty="0"/>
+              <a:t>생존</a:t>
+            </a:r>
+            <a:r>
+              <a:rPr lang="en-US" altLang="ko-KR" sz="2800" dirty="0"/>
+              <a:t>, </a:t>
+            </a:r>
+            <a:r>
+              <a:rPr lang="ko-KR" altLang="en-US" sz="2800" dirty="0" err="1"/>
+              <a:t>크래프팅</a:t>
+            </a:r>
+            <a:r>
+              <a:rPr lang="en-US" altLang="ko-KR" sz="2800" dirty="0"/>
+              <a:t>, </a:t>
+            </a:r>
+            <a:r>
+              <a:rPr lang="ko-KR" altLang="en-US" sz="2800" dirty="0"/>
+              <a:t>탐험 </a:t>
+            </a:r>
+            <a:endParaRPr lang="en-US" altLang="ko-KR" sz="2800" dirty="0"/>
           </a:p>
         </p:txBody>
       </p:sp>
@@ -3838,7 +8493,7 @@
           <p:cNvPr id="5" name="TextBox 4">
             <a:extLst>
               <a:ext uri="{FF2B5EF4-FFF2-40B4-BE49-F238E27FC236}">
-                <a16:creationId xmlns:a16="http://schemas.microsoft.com/office/drawing/2014/main" id="{69A10CFA-6163-415B-86B4-158D7BD4D012}"/>
+                <a16:creationId xmlns:a16="http://schemas.microsoft.com/office/drawing/2014/main" id="{B67603F7-D071-4635-A84E-B4A098C79B3C}"/>
               </a:ext>
             </a:extLst>
           </p:cNvPr>
@@ -3847,8 +8502,8 @@
         </p:nvSpPr>
         <p:spPr>
           <a:xfrm>
-            <a:off x="645952" y="1795244"/>
-            <a:ext cx="10368793" cy="2031325"/>
+            <a:off x="268448" y="251670"/>
+            <a:ext cx="1233181" cy="553998"/>
           </a:xfrm>
           <a:prstGeom prst="rect">
             <a:avLst/>
@@ -3862,87 +8517,16 @@
           <a:lstStyle/>
           <a:p>
             <a:r>
-              <a:rPr lang="ko-KR" altLang="en-US" dirty="0"/>
-              <a:t>인간은 이미 새로운 유사지구 행성으로 이주한 지 오래</a:t>
-            </a:r>
-            <a:r>
-              <a:rPr lang="en-US" altLang="ko-KR" dirty="0"/>
-              <a:t>. </a:t>
-            </a:r>
-            <a:r>
-              <a:rPr lang="ko-KR" altLang="en-US" dirty="0"/>
-              <a:t>지구는 선대의 오래된 유적과 함께 이미 인간의 손을 떠난 미지의 생태계만 존재하게 되었다</a:t>
-            </a:r>
-            <a:r>
-              <a:rPr lang="en-US" altLang="ko-KR" dirty="0"/>
-              <a:t>.</a:t>
-            </a:r>
-          </a:p>
-          <a:p>
-            <a:r>
-              <a:rPr lang="en-US" altLang="ko-KR" dirty="0"/>
-              <a:t>1</a:t>
-            </a:r>
-            <a:r>
-              <a:rPr lang="ko-KR" altLang="en-US" dirty="0"/>
-              <a:t>급 범죄자로 분류되어 사형일을 기다리던 플레이어는 </a:t>
-            </a:r>
-            <a:r>
-              <a:rPr lang="ko-KR" altLang="en-US" dirty="0" err="1"/>
-              <a:t>어느날</a:t>
-            </a:r>
-            <a:r>
-              <a:rPr lang="ko-KR" altLang="en-US" dirty="0"/>
-              <a:t> 우주선 탈출용 포트 안에서 눈을 뜨게 되고</a:t>
-            </a:r>
-            <a:r>
-              <a:rPr lang="en-US" altLang="ko-KR" dirty="0"/>
-              <a:t>, </a:t>
-            </a:r>
-            <a:r>
-              <a:rPr lang="ko-KR" altLang="en-US" dirty="0"/>
-              <a:t>다른 범죄자들과 함께 지구로 떨어졌다는 사실을 알게 된다</a:t>
-            </a:r>
-            <a:r>
-              <a:rPr lang="en-US" altLang="ko-KR" dirty="0"/>
-              <a:t>.</a:t>
-            </a:r>
-          </a:p>
-          <a:p>
-            <a:r>
-              <a:rPr lang="ko-KR" altLang="en-US" dirty="0"/>
-              <a:t>도덕과 규율로 통제되지 않는 범죄자들과</a:t>
-            </a:r>
-            <a:r>
-              <a:rPr lang="en-US" altLang="ko-KR" dirty="0"/>
-              <a:t>, </a:t>
-            </a:r>
-            <a:r>
-              <a:rPr lang="ko-KR" altLang="en-US" dirty="0"/>
-              <a:t>무분별한 생체 실험으로 인간에게 악의를 가진 생물들 사이에서 </a:t>
-            </a:r>
-            <a:r>
-              <a:rPr lang="ko-KR" altLang="en-US" dirty="0" err="1"/>
-              <a:t>어떻게든</a:t>
-            </a:r>
-            <a:r>
-              <a:rPr lang="ko-KR" altLang="en-US" dirty="0"/>
-              <a:t> 살아남아야 한다</a:t>
-            </a:r>
-            <a:r>
-              <a:rPr lang="en-US" altLang="ko-KR" dirty="0"/>
-              <a:t>.</a:t>
-            </a:r>
-          </a:p>
-          <a:p>
-            <a:endParaRPr lang="ko-KR" altLang="en-US" dirty="0"/>
+              <a:rPr lang="ko-KR" altLang="en-US" sz="3000" dirty="0"/>
+              <a:t>장르</a:t>
+            </a:r>
           </a:p>
         </p:txBody>
       </p:sp>
     </p:spTree>
     <p:extLst>
       <p:ext uri="{BB962C8B-B14F-4D97-AF65-F5344CB8AC3E}">
-        <p14:creationId xmlns:p14="http://schemas.microsoft.com/office/powerpoint/2010/main" val="1862350261"/>
+        <p14:creationId xmlns:p14="http://schemas.microsoft.com/office/powerpoint/2010/main" val="521108493"/>
       </p:ext>
     </p:extLst>
   </p:cSld>
@@ -3971,10 +8555,44 @@
       </p:grpSpPr>
       <p:sp>
         <p:nvSpPr>
+          <p:cNvPr id="2" name="제목 1">
+            <a:extLst>
+              <a:ext uri="{FF2B5EF4-FFF2-40B4-BE49-F238E27FC236}">
+                <a16:creationId xmlns:a16="http://schemas.microsoft.com/office/drawing/2014/main" id="{24B44466-B52E-F7AB-9B71-FEC3B0F8E3E3}"/>
+              </a:ext>
+            </a:extLst>
+          </p:cNvPr>
+          <p:cNvSpPr>
+            <a:spLocks noGrp="1"/>
+          </p:cNvSpPr>
+          <p:nvPr>
+            <p:ph type="title"/>
+          </p:nvPr>
+        </p:nvSpPr>
+        <p:spPr/>
+        <p:txBody>
+          <a:bodyPr/>
+          <a:lstStyle/>
+          <a:p>
+            <a:pPr algn="ctr"/>
+            <a:r>
+              <a:rPr lang="ko-KR" altLang="en-US" sz="4400" dirty="0" err="1"/>
+              <a:t>심리스</a:t>
+            </a:r>
+            <a:r>
+              <a:rPr lang="ko-KR" altLang="en-US" sz="4400" dirty="0"/>
+              <a:t> 오픈월드</a:t>
+            </a:r>
+            <a:endParaRPr lang="en-US" altLang="ko-KR" sz="4400" dirty="0"/>
+          </a:p>
+        </p:txBody>
+      </p:sp>
+      <p:sp>
+        <p:nvSpPr>
           <p:cNvPr id="4" name="TextBox 3">
             <a:extLst>
               <a:ext uri="{FF2B5EF4-FFF2-40B4-BE49-F238E27FC236}">
-                <a16:creationId xmlns:a16="http://schemas.microsoft.com/office/drawing/2014/main" id="{AA86A764-41DA-4F08-A844-A0F596F8242E}"/>
+                <a16:creationId xmlns:a16="http://schemas.microsoft.com/office/drawing/2014/main" id="{6641FD1B-CA54-0188-0608-459EA325DF70}"/>
               </a:ext>
             </a:extLst>
           </p:cNvPr>
@@ -3983,8 +8601,8 @@
         </p:nvSpPr>
         <p:spPr>
           <a:xfrm>
-            <a:off x="293615" y="318782"/>
-            <a:ext cx="3917658" cy="369332"/>
+            <a:off x="2202947" y="2476500"/>
+            <a:ext cx="7786106" cy="1477328"/>
           </a:xfrm>
           <a:prstGeom prst="rect">
             <a:avLst/>
@@ -3992,228 +8610,66 @@
           <a:noFill/>
         </p:spPr>
         <p:txBody>
-          <a:bodyPr wrap="square" rtlCol="0">
+          <a:bodyPr wrap="none" rtlCol="0">
             <a:spAutoFit/>
           </a:bodyPr>
           <a:lstStyle/>
           <a:p>
-            <a:r>
-              <a:rPr lang="ko-KR" altLang="en-US" dirty="0"/>
-              <a:t>기존 게임과의 </a:t>
-            </a:r>
-            <a:r>
-              <a:rPr lang="ko-KR" altLang="en-US" dirty="0" err="1"/>
-              <a:t>차별점</a:t>
+            <a:pPr algn="ctr"/>
+            <a:endParaRPr lang="en-US" altLang="ko-KR" dirty="0"/>
+          </a:p>
+          <a:p>
+            <a:pPr algn="ctr"/>
+            <a:r>
+              <a:rPr lang="en-US" altLang="ko-KR" sz="2400" dirty="0"/>
+              <a:t>120km </a:t>
+            </a:r>
+            <a:r>
+              <a:rPr lang="ko-KR" altLang="en-US" sz="2400" dirty="0"/>
+              <a:t>반지름의 행성형 맵 제작 예정</a:t>
+            </a:r>
+            <a:r>
+              <a:rPr lang="en-US" altLang="ko-KR" sz="2400" dirty="0"/>
+              <a:t>.</a:t>
+            </a:r>
+          </a:p>
+          <a:p>
+            <a:pPr algn="ctr"/>
+            <a:r>
+              <a:rPr lang="ko-KR" altLang="en-US" sz="2400" dirty="0"/>
+              <a:t>자신이 원하는 곳까지 로딩화면을 보지 않고 이동 가능</a:t>
+            </a:r>
+            <a:r>
+              <a:rPr lang="en-US" altLang="ko-KR" sz="2400" dirty="0"/>
+              <a:t>.</a:t>
+            </a:r>
+          </a:p>
+          <a:p>
+            <a:pPr algn="ctr"/>
+            <a:r>
+              <a:rPr lang="ko-KR" altLang="en-US" sz="2400" dirty="0" err="1"/>
+              <a:t>맵이</a:t>
+            </a:r>
+            <a:r>
+              <a:rPr lang="ko-KR" altLang="en-US" sz="2400" dirty="0"/>
+              <a:t> 구형이기 때문에 </a:t>
+            </a:r>
+            <a:r>
+              <a:rPr lang="ko-KR" altLang="en-US" sz="2400" dirty="0" err="1"/>
+              <a:t>맵의</a:t>
+            </a:r>
+            <a:r>
+              <a:rPr lang="ko-KR" altLang="en-US" sz="2400" dirty="0"/>
+              <a:t> 끝이 없는 느낌을 줌</a:t>
             </a:r>
             <a:endParaRPr lang="ko-KR" altLang="en-US" dirty="0"/>
           </a:p>
         </p:txBody>
       </p:sp>
-      <p:sp>
-        <p:nvSpPr>
-          <p:cNvPr id="5" name="TextBox 4">
-            <a:extLst>
-              <a:ext uri="{FF2B5EF4-FFF2-40B4-BE49-F238E27FC236}">
-                <a16:creationId xmlns:a16="http://schemas.microsoft.com/office/drawing/2014/main" id="{BDE485BB-9B2F-4CC1-8DD8-FD082B58D51D}"/>
-              </a:ext>
-            </a:extLst>
-          </p:cNvPr>
-          <p:cNvSpPr txBox="1"/>
-          <p:nvPr/>
-        </p:nvSpPr>
-        <p:spPr>
-          <a:xfrm>
-            <a:off x="461393" y="1397675"/>
-            <a:ext cx="3833769" cy="1477328"/>
-          </a:xfrm>
-          <a:prstGeom prst="rect">
-            <a:avLst/>
-          </a:prstGeom>
-          <a:noFill/>
-        </p:spPr>
-        <p:txBody>
-          <a:bodyPr wrap="square" rtlCol="0">
-            <a:spAutoFit/>
-          </a:bodyPr>
-          <a:lstStyle/>
-          <a:p>
-            <a:endParaRPr lang="en-US" altLang="ko-KR" dirty="0"/>
-          </a:p>
-          <a:p>
-            <a:r>
-              <a:rPr lang="ko-KR" altLang="en-US" dirty="0" err="1"/>
-              <a:t>서브노티카</a:t>
-            </a:r>
-            <a:endParaRPr lang="en-US" altLang="ko-KR" dirty="0"/>
-          </a:p>
-          <a:p>
-            <a:r>
-              <a:rPr lang="ko-KR" altLang="en-US" dirty="0"/>
-              <a:t>스페이스 엔지니어</a:t>
-            </a:r>
-            <a:endParaRPr lang="en-US" altLang="ko-KR" dirty="0"/>
-          </a:p>
-          <a:p>
-            <a:r>
-              <a:rPr lang="ko-KR" altLang="en-US" dirty="0" err="1"/>
-              <a:t>스타시티즌</a:t>
-            </a:r>
-            <a:endParaRPr lang="en-US" altLang="ko-KR" dirty="0"/>
-          </a:p>
-          <a:p>
-            <a:r>
-              <a:rPr lang="ko-KR" altLang="en-US" dirty="0" err="1"/>
-              <a:t>돈스타브</a:t>
-            </a:r>
-            <a:endParaRPr lang="ko-KR" altLang="en-US" dirty="0"/>
-          </a:p>
-        </p:txBody>
-      </p:sp>
-      <p:pic>
-        <p:nvPicPr>
-          <p:cNvPr id="1026" name="Picture 2" descr="https://mblogthumb-phinf.pstatic.net/20150522_42/paper_papers_14322965751673va8l_PNG/12.png?type=w2">
-            <a:extLst>
-              <a:ext uri="{FF2B5EF4-FFF2-40B4-BE49-F238E27FC236}">
-                <a16:creationId xmlns:a16="http://schemas.microsoft.com/office/drawing/2014/main" id="{F16A49AB-1036-49FC-B8A0-35CCAC80DBF7}"/>
-              </a:ext>
-            </a:extLst>
-          </p:cNvPr>
-          <p:cNvPicPr>
-            <a:picLocks noChangeAspect="1" noChangeArrowheads="1"/>
-          </p:cNvPicPr>
-          <p:nvPr/>
-        </p:nvPicPr>
-        <p:blipFill>
-          <a:blip r:embed="rId2">
-            <a:extLst>
-              <a:ext uri="{28A0092B-C50C-407E-A947-70E740481C1C}">
-                <a14:useLocalDpi xmlns:a14="http://schemas.microsoft.com/office/drawing/2010/main" val="0"/>
-              </a:ext>
-            </a:extLst>
-          </a:blip>
-          <a:srcRect/>
-          <a:stretch>
-            <a:fillRect/>
-          </a:stretch>
-        </p:blipFill>
-        <p:spPr bwMode="auto">
-          <a:xfrm>
-            <a:off x="8095815" y="4379161"/>
-            <a:ext cx="3763422" cy="2117241"/>
-          </a:xfrm>
-          <a:prstGeom prst="rect">
-            <a:avLst/>
-          </a:prstGeom>
-          <a:noFill/>
-          <a:extLst>
-            <a:ext uri="{909E8E84-426E-40DD-AFC4-6F175D3DCCD1}">
-              <a14:hiddenFill xmlns:a14="http://schemas.microsoft.com/office/drawing/2010/main">
-                <a:solidFill>
-                  <a:srgbClr val="FFFFFF"/>
-                </a:solidFill>
-              </a14:hiddenFill>
-            </a:ext>
-          </a:extLst>
-        </p:spPr>
-      </p:pic>
-      <p:pic>
-        <p:nvPicPr>
-          <p:cNvPr id="1030" name="Picture 6" descr="서브노티카] 초보자 가이드 + 수중 일기 : 네이버 블로그">
-            <a:extLst>
-              <a:ext uri="{FF2B5EF4-FFF2-40B4-BE49-F238E27FC236}">
-                <a16:creationId xmlns:a16="http://schemas.microsoft.com/office/drawing/2014/main" id="{5B2D3CA1-A7C3-4EAF-8063-85FC67699D24}"/>
-              </a:ext>
-            </a:extLst>
-          </p:cNvPr>
-          <p:cNvPicPr>
-            <a:picLocks noChangeAspect="1" noChangeArrowheads="1"/>
-          </p:cNvPicPr>
-          <p:nvPr/>
-        </p:nvPicPr>
-        <p:blipFill>
-          <a:blip r:embed="rId3">
-            <a:extLst>
-              <a:ext uri="{28A0092B-C50C-407E-A947-70E740481C1C}">
-                <a14:useLocalDpi xmlns:a14="http://schemas.microsoft.com/office/drawing/2010/main" val="0"/>
-              </a:ext>
-            </a:extLst>
-          </a:blip>
-          <a:srcRect/>
-          <a:stretch>
-            <a:fillRect/>
-          </a:stretch>
-        </p:blipFill>
-        <p:spPr bwMode="auto">
-          <a:xfrm>
-            <a:off x="3942825" y="4689445"/>
-            <a:ext cx="3445079" cy="1937857"/>
-          </a:xfrm>
-          <a:prstGeom prst="rect">
-            <a:avLst/>
-          </a:prstGeom>
-          <a:noFill/>
-          <a:extLst>
-            <a:ext uri="{909E8E84-426E-40DD-AFC4-6F175D3DCCD1}">
-              <a14:hiddenFill xmlns:a14="http://schemas.microsoft.com/office/drawing/2010/main">
-                <a:solidFill>
-                  <a:srgbClr val="FFFFFF"/>
-                </a:solidFill>
-              </a14:hiddenFill>
-            </a:ext>
-          </a:extLst>
-        </p:spPr>
-      </p:pic>
-      <p:pic>
-        <p:nvPicPr>
-          <p:cNvPr id="1034" name="Picture 10" descr="서브노티카가 업데이트 되었군요. - 이야기 - ITCM">
-            <a:extLst>
-              <a:ext uri="{FF2B5EF4-FFF2-40B4-BE49-F238E27FC236}">
-                <a16:creationId xmlns:a16="http://schemas.microsoft.com/office/drawing/2014/main" id="{6339F95C-3F93-4D8F-853B-5E4E27397E3B}"/>
-              </a:ext>
-            </a:extLst>
-          </p:cNvPr>
-          <p:cNvPicPr>
-            <a:picLocks noChangeAspect="1" noChangeArrowheads="1"/>
-          </p:cNvPicPr>
-          <p:nvPr/>
-        </p:nvPicPr>
-        <p:blipFill>
-          <a:blip r:embed="rId4">
-            <a:extLst>
-              <a:ext uri="{28A0092B-C50C-407E-A947-70E740481C1C}">
-                <a14:useLocalDpi xmlns:a14="http://schemas.microsoft.com/office/drawing/2010/main" val="0"/>
-              </a:ext>
-            </a:extLst>
-          </a:blip>
-          <a:srcRect/>
-          <a:stretch>
-            <a:fillRect/>
-          </a:stretch>
-        </p:blipFill>
-        <p:spPr bwMode="auto">
-          <a:xfrm>
-            <a:off x="332763" y="4689446"/>
-            <a:ext cx="3445079" cy="1937857"/>
-          </a:xfrm>
-          <a:prstGeom prst="rect">
-            <a:avLst/>
-          </a:prstGeom>
-          <a:noFill/>
-          <a:extLst>
-            <a:ext uri="{909E8E84-426E-40DD-AFC4-6F175D3DCCD1}">
-              <a14:hiddenFill xmlns:a14="http://schemas.microsoft.com/office/drawing/2010/main">
-                <a:solidFill>
-                  <a:srgbClr val="FFFFFF"/>
-                </a:solidFill>
-              </a14:hiddenFill>
-            </a:ext>
-          </a:extLst>
-        </p:spPr>
-      </p:pic>
     </p:spTree>
     <p:extLst>
       <p:ext uri="{BB962C8B-B14F-4D97-AF65-F5344CB8AC3E}">
-        <p14:creationId xmlns:p14="http://schemas.microsoft.com/office/powerpoint/2010/main" val="1808424736"/>
+        <p14:creationId xmlns:p14="http://schemas.microsoft.com/office/powerpoint/2010/main" val="2770633548"/>
       </p:ext>
     </p:extLst>
   </p:cSld>
@@ -4245,7 +8701,7 @@
           <p:cNvPr id="4" name="TextBox 3">
             <a:extLst>
               <a:ext uri="{FF2B5EF4-FFF2-40B4-BE49-F238E27FC236}">
-                <a16:creationId xmlns:a16="http://schemas.microsoft.com/office/drawing/2014/main" id="{3BA47E05-88CD-4C3E-AD56-F5509DC92ADA}"/>
+                <a16:creationId xmlns:a16="http://schemas.microsoft.com/office/drawing/2014/main" id="{8B1EFA3C-7884-4C8E-B792-ADB49278BF42}"/>
               </a:ext>
             </a:extLst>
           </p:cNvPr>
@@ -4254,8 +8710,8 @@
         </p:nvSpPr>
         <p:spPr>
           <a:xfrm>
-            <a:off x="327171" y="302004"/>
-            <a:ext cx="3171038" cy="369332"/>
+            <a:off x="201335" y="192947"/>
+            <a:ext cx="11778393" cy="769441"/>
           </a:xfrm>
           <a:prstGeom prst="rect">
             <a:avLst/>
@@ -4268,25 +8724,90 @@
           </a:bodyPr>
           <a:lstStyle/>
           <a:p>
-            <a:r>
-              <a:rPr lang="ko-KR" altLang="en-US" dirty="0"/>
-              <a:t>커다란 월드</a:t>
-            </a:r>
-            <a:r>
-              <a:rPr lang="en-US" altLang="ko-KR" dirty="0"/>
-              <a:t>, </a:t>
-            </a:r>
-            <a:r>
-              <a:rPr lang="ko-KR" altLang="en-US" dirty="0"/>
-              <a:t>다양한 지형</a:t>
-            </a:r>
+            <a:pPr algn="ctr"/>
+            <a:r>
+              <a:rPr lang="en-US" altLang="ko-KR" sz="4400" dirty="0"/>
+              <a:t>Online </a:t>
+            </a:r>
+            <a:r>
+              <a:rPr lang="en-US" altLang="ko-KR" sz="4400" dirty="0" err="1"/>
+              <a:t>Multiplay</a:t>
+            </a:r>
+            <a:endParaRPr lang="en-US" altLang="ko-KR" sz="4400" dirty="0"/>
+          </a:p>
+        </p:txBody>
+      </p:sp>
+      <p:sp>
+        <p:nvSpPr>
+          <p:cNvPr id="2" name="TextBox 1">
+            <a:extLst>
+              <a:ext uri="{FF2B5EF4-FFF2-40B4-BE49-F238E27FC236}">
+                <a16:creationId xmlns:a16="http://schemas.microsoft.com/office/drawing/2014/main" id="{272593E1-4953-8CF3-8AF4-1DE18E085D55}"/>
+              </a:ext>
+            </a:extLst>
+          </p:cNvPr>
+          <p:cNvSpPr txBox="1"/>
+          <p:nvPr/>
+        </p:nvSpPr>
+        <p:spPr>
+          <a:xfrm>
+            <a:off x="2251980" y="2612571"/>
+            <a:ext cx="7677102" cy="1569660"/>
+          </a:xfrm>
+          <a:prstGeom prst="rect">
+            <a:avLst/>
+          </a:prstGeom>
+          <a:noFill/>
+        </p:spPr>
+        <p:txBody>
+          <a:bodyPr wrap="none" rtlCol="0">
+            <a:spAutoFit/>
+          </a:bodyPr>
+          <a:lstStyle/>
+          <a:p>
+            <a:pPr algn="ctr"/>
+            <a:r>
+              <a:rPr lang="ko-KR" altLang="en-US" sz="2400" dirty="0"/>
+              <a:t>최소 </a:t>
+            </a:r>
+            <a:r>
+              <a:rPr lang="en-US" altLang="ko-KR" sz="2400" dirty="0"/>
+              <a:t>256</a:t>
+            </a:r>
+            <a:r>
+              <a:rPr lang="ko-KR" altLang="en-US" sz="2400" dirty="0"/>
+              <a:t>명의 인원이 한 서버에 접속 가능</a:t>
+            </a:r>
+            <a:endParaRPr lang="en-US" altLang="ko-KR" sz="2400" dirty="0"/>
+          </a:p>
+          <a:p>
+            <a:pPr algn="ctr"/>
+            <a:r>
+              <a:rPr lang="ko-KR" altLang="en-US" sz="2400" dirty="0"/>
+              <a:t>플레이어끼리 협동하여 대형 이동수단을 만들 수 있고</a:t>
+            </a:r>
+            <a:r>
+              <a:rPr lang="en-US" altLang="ko-KR" sz="2400" dirty="0"/>
+              <a:t>,</a:t>
+            </a:r>
+          </a:p>
+          <a:p>
+            <a:pPr algn="ctr"/>
+            <a:r>
+              <a:rPr lang="ko-KR" altLang="en-US" sz="2400" dirty="0"/>
+              <a:t>각 크루끼리 만나 대전 또는 소통 가능</a:t>
+            </a:r>
+            <a:endParaRPr lang="en-US" altLang="ko-KR" sz="2400" dirty="0"/>
+          </a:p>
+          <a:p>
+            <a:endParaRPr lang="ko-KR" altLang="en-US" sz="2400" dirty="0"/>
           </a:p>
         </p:txBody>
       </p:sp>
     </p:spTree>
     <p:extLst>
       <p:ext uri="{BB962C8B-B14F-4D97-AF65-F5344CB8AC3E}">
-        <p14:creationId xmlns:p14="http://schemas.microsoft.com/office/powerpoint/2010/main" val="680727352"/>
+        <p14:creationId xmlns:p14="http://schemas.microsoft.com/office/powerpoint/2010/main" val="4124804266"/>
       </p:ext>
     </p:extLst>
   </p:cSld>
@@ -4315,10 +8836,10 @@
       </p:grpSpPr>
       <p:sp>
         <p:nvSpPr>
-          <p:cNvPr id="4" name="TextBox 3">
-            <a:extLst>
-              <a:ext uri="{FF2B5EF4-FFF2-40B4-BE49-F238E27FC236}">
-                <a16:creationId xmlns:a16="http://schemas.microsoft.com/office/drawing/2014/main" id="{8B1EFA3C-7884-4C8E-B792-ADB49278BF42}"/>
+          <p:cNvPr id="2" name="TextBox 1">
+            <a:extLst>
+              <a:ext uri="{FF2B5EF4-FFF2-40B4-BE49-F238E27FC236}">
+                <a16:creationId xmlns:a16="http://schemas.microsoft.com/office/drawing/2014/main" id="{D6C5242F-5BFF-CF7F-9860-5D2A259A6823}"/>
               </a:ext>
             </a:extLst>
           </p:cNvPr>
@@ -4327,8 +8848,8 @@
         </p:nvSpPr>
         <p:spPr>
           <a:xfrm>
-            <a:off x="201336" y="192947"/>
-            <a:ext cx="2625754" cy="369332"/>
+            <a:off x="315685" y="381000"/>
+            <a:ext cx="11375571" cy="769441"/>
           </a:xfrm>
           <a:prstGeom prst="rect">
             <a:avLst/>
@@ -4341,29 +8862,107 @@
           </a:bodyPr>
           <a:lstStyle/>
           <a:p>
-            <a:r>
-              <a:rPr lang="ko-KR" altLang="en-US" dirty="0" err="1"/>
+            <a:pPr algn="ctr"/>
+            <a:r>
+              <a:rPr lang="ko-KR" altLang="en-US" sz="4400" dirty="0" err="1"/>
               <a:t>크래프팅</a:t>
             </a:r>
             <a:r>
-              <a:rPr lang="ko-KR" altLang="en-US" dirty="0"/>
-              <a:t> </a:t>
-            </a:r>
-            <a:r>
-              <a:rPr lang="en-US" altLang="ko-KR" dirty="0"/>
-              <a:t>+ </a:t>
-            </a:r>
-            <a:r>
-              <a:rPr lang="ko-KR" altLang="en-US" dirty="0"/>
+              <a:rPr lang="en-US" altLang="ko-KR" sz="4400" dirty="0"/>
+              <a:t>, </a:t>
+            </a:r>
+            <a:r>
+              <a:rPr lang="ko-KR" altLang="en-US" sz="4400" dirty="0"/>
               <a:t>생존</a:t>
             </a:r>
+            <a:r>
+              <a:rPr lang="en-US" altLang="ko-KR" sz="4400" dirty="0"/>
+              <a:t>, </a:t>
+            </a:r>
+            <a:r>
+              <a:rPr lang="ko-KR" altLang="en-US" sz="4400" dirty="0"/>
+              <a:t>탐험</a:t>
+            </a:r>
+            <a:endParaRPr lang="en-US" altLang="ko-KR" sz="4400" dirty="0"/>
+          </a:p>
+        </p:txBody>
+      </p:sp>
+      <p:sp>
+        <p:nvSpPr>
+          <p:cNvPr id="3" name="TextBox 2">
+            <a:extLst>
+              <a:ext uri="{FF2B5EF4-FFF2-40B4-BE49-F238E27FC236}">
+                <a16:creationId xmlns:a16="http://schemas.microsoft.com/office/drawing/2014/main" id="{B153CB2F-3124-F10B-C42C-CFB4CD8EBFE5}"/>
+              </a:ext>
+            </a:extLst>
+          </p:cNvPr>
+          <p:cNvSpPr txBox="1"/>
+          <p:nvPr/>
+        </p:nvSpPr>
+        <p:spPr>
+          <a:xfrm>
+            <a:off x="1023580" y="2291443"/>
+            <a:ext cx="9959779" cy="1200329"/>
+          </a:xfrm>
+          <a:prstGeom prst="rect">
+            <a:avLst/>
+          </a:prstGeom>
+          <a:noFill/>
+        </p:spPr>
+        <p:txBody>
+          <a:bodyPr wrap="none" rtlCol="0">
+            <a:spAutoFit/>
+          </a:bodyPr>
+          <a:lstStyle/>
+          <a:p>
+            <a:pPr algn="ctr"/>
+            <a:r>
+              <a:rPr lang="ko-KR" altLang="en-US" sz="2400" dirty="0"/>
+              <a:t>커다란 </a:t>
+            </a:r>
+            <a:r>
+              <a:rPr lang="ko-KR" altLang="en-US" sz="2400" dirty="0" err="1"/>
+              <a:t>맵의</a:t>
+            </a:r>
+            <a:r>
+              <a:rPr lang="ko-KR" altLang="en-US" sz="2400" dirty="0"/>
+              <a:t> 더 나은 탐사를 위해 </a:t>
+            </a:r>
+            <a:r>
+              <a:rPr lang="ko-KR" altLang="en-US" sz="2400" dirty="0" err="1"/>
+              <a:t>크래프팅을</a:t>
+            </a:r>
+            <a:r>
+              <a:rPr lang="ko-KR" altLang="en-US" sz="2400" dirty="0"/>
+              <a:t> 통한 이동수단</a:t>
+            </a:r>
+            <a:r>
+              <a:rPr lang="en-US" altLang="ko-KR" sz="2400" dirty="0"/>
+              <a:t>, </a:t>
+            </a:r>
+            <a:r>
+              <a:rPr lang="ko-KR" altLang="en-US" sz="2400" dirty="0"/>
+              <a:t>도구 제작</a:t>
+            </a:r>
+            <a:endParaRPr lang="en-US" altLang="ko-KR" sz="2400" dirty="0"/>
+          </a:p>
+          <a:p>
+            <a:pPr algn="ctr"/>
+            <a:r>
+              <a:rPr lang="ko-KR" altLang="en-US" sz="2400" dirty="0"/>
+              <a:t>생존 요소를 넣어 자연스러운 자원 채집을 유도</a:t>
+            </a:r>
+            <a:endParaRPr lang="en-US" altLang="ko-KR" sz="2400" dirty="0"/>
+          </a:p>
+          <a:p>
+            <a:endParaRPr lang="ko-KR" altLang="en-US" sz="2400" dirty="0"/>
           </a:p>
         </p:txBody>
       </p:sp>
     </p:spTree>
     <p:extLst>
       <p:ext uri="{BB962C8B-B14F-4D97-AF65-F5344CB8AC3E}">
-        <p14:creationId xmlns:p14="http://schemas.microsoft.com/office/powerpoint/2010/main" val="4124804266"/>
+        <p14:creationId xmlns:p14="http://schemas.microsoft.com/office/powerpoint/2010/main" val="3386079760"/>
       </p:ext>
     </p:extLst>
   </p:cSld>
@@ -4390,10 +8989,85 @@
           <a:chExt cx="0" cy="0"/>
         </a:xfrm>
       </p:grpSpPr>
+      <p:sp>
+        <p:nvSpPr>
+          <p:cNvPr id="2" name="제목 1">
+            <a:extLst>
+              <a:ext uri="{FF2B5EF4-FFF2-40B4-BE49-F238E27FC236}">
+                <a16:creationId xmlns:a16="http://schemas.microsoft.com/office/drawing/2014/main" id="{9C1C4EA6-48F4-7707-4C4F-750632C48D64}"/>
+              </a:ext>
+            </a:extLst>
+          </p:cNvPr>
+          <p:cNvSpPr>
+            <a:spLocks noGrp="1"/>
+          </p:cNvSpPr>
+          <p:nvPr>
+            <p:ph type="title"/>
+          </p:nvPr>
+        </p:nvSpPr>
+        <p:spPr/>
+        <p:txBody>
+          <a:bodyPr/>
+          <a:lstStyle/>
+          <a:p>
+            <a:pPr algn="ctr"/>
+            <a:r>
+              <a:rPr lang="ko-KR" altLang="en-US" dirty="0"/>
+              <a:t>핵심 재미</a:t>
+            </a:r>
+          </a:p>
+        </p:txBody>
+      </p:sp>
+      <p:sp>
+        <p:nvSpPr>
+          <p:cNvPr id="3" name="내용 개체 틀 2">
+            <a:extLst>
+              <a:ext uri="{FF2B5EF4-FFF2-40B4-BE49-F238E27FC236}">
+                <a16:creationId xmlns:a16="http://schemas.microsoft.com/office/drawing/2014/main" id="{4A7E0F11-06B2-F394-713C-36B6C8EC89A1}"/>
+              </a:ext>
+            </a:extLst>
+          </p:cNvPr>
+          <p:cNvSpPr>
+            <a:spLocks noGrp="1"/>
+          </p:cNvSpPr>
+          <p:nvPr>
+            <p:ph idx="1"/>
+          </p:nvPr>
+        </p:nvSpPr>
+        <p:spPr>
+          <a:xfrm>
+            <a:off x="838200" y="3102429"/>
+            <a:ext cx="10515600" cy="3074534"/>
+          </a:xfrm>
+        </p:spPr>
+        <p:txBody>
+          <a:bodyPr>
+            <a:normAutofit/>
+          </a:bodyPr>
+          <a:lstStyle/>
+          <a:p>
+            <a:pPr marL="0" indent="0" algn="ctr">
+              <a:buNone/>
+            </a:pPr>
+            <a:r>
+              <a:rPr lang="ko-KR" altLang="en-US" sz="3600" dirty="0"/>
+              <a:t>탐험</a:t>
+            </a:r>
+            <a:r>
+              <a:rPr lang="en-US" altLang="ko-KR" sz="3600" dirty="0"/>
+              <a:t>					</a:t>
+            </a:r>
+            <a:r>
+              <a:rPr lang="ko-KR" altLang="en-US" sz="3600" dirty="0"/>
+              <a:t>협동</a:t>
+            </a:r>
+          </a:p>
+        </p:txBody>
+      </p:sp>
     </p:spTree>
     <p:extLst>
       <p:ext uri="{BB962C8B-B14F-4D97-AF65-F5344CB8AC3E}">
-        <p14:creationId xmlns:p14="http://schemas.microsoft.com/office/powerpoint/2010/main" val="3386079760"/>
+        <p14:creationId xmlns:p14="http://schemas.microsoft.com/office/powerpoint/2010/main" val="571005735"/>
       </p:ext>
     </p:extLst>
   </p:cSld>
@@ -4422,46 +9096,127 @@
       </p:grpSpPr>
       <p:sp>
         <p:nvSpPr>
-          <p:cNvPr id="5" name="TextBox 4">
-            <a:extLst>
-              <a:ext uri="{FF2B5EF4-FFF2-40B4-BE49-F238E27FC236}">
-                <a16:creationId xmlns:a16="http://schemas.microsoft.com/office/drawing/2014/main" id="{BFA509B8-9E2F-46E6-B46F-B68357DD873F}"/>
-              </a:ext>
-            </a:extLst>
-          </p:cNvPr>
-          <p:cNvSpPr txBox="1"/>
-          <p:nvPr/>
-        </p:nvSpPr>
-        <p:spPr>
-          <a:xfrm>
-            <a:off x="318781" y="394283"/>
-            <a:ext cx="11065079" cy="646331"/>
-          </a:xfrm>
-          <a:prstGeom prst="rect">
-            <a:avLst/>
-          </a:prstGeom>
-          <a:noFill/>
-        </p:spPr>
-        <p:txBody>
-          <a:bodyPr wrap="square" rtlCol="0">
-            <a:spAutoFit/>
+          <p:cNvPr id="2" name="제목 1">
+            <a:extLst>
+              <a:ext uri="{FF2B5EF4-FFF2-40B4-BE49-F238E27FC236}">
+                <a16:creationId xmlns:a16="http://schemas.microsoft.com/office/drawing/2014/main" id="{E0548179-3795-3F16-9EBD-B3EC00CD1DCA}"/>
+              </a:ext>
+            </a:extLst>
+          </p:cNvPr>
+          <p:cNvSpPr>
+            <a:spLocks noGrp="1"/>
+          </p:cNvSpPr>
+          <p:nvPr>
+            <p:ph type="title"/>
+          </p:nvPr>
+        </p:nvSpPr>
+        <p:spPr/>
+        <p:txBody>
+          <a:bodyPr/>
+          <a:lstStyle/>
+          <a:p>
+            <a:r>
+              <a:rPr lang="ko-KR" altLang="en-US" dirty="0"/>
+              <a:t>탐험</a:t>
+            </a:r>
+          </a:p>
+        </p:txBody>
+      </p:sp>
+      <p:sp>
+        <p:nvSpPr>
+          <p:cNvPr id="3" name="내용 개체 틀 2">
+            <a:extLst>
+              <a:ext uri="{FF2B5EF4-FFF2-40B4-BE49-F238E27FC236}">
+                <a16:creationId xmlns:a16="http://schemas.microsoft.com/office/drawing/2014/main" id="{66CDF535-3FF7-C6AD-DFA9-59F3920577F1}"/>
+              </a:ext>
+            </a:extLst>
+          </p:cNvPr>
+          <p:cNvSpPr>
+            <a:spLocks noGrp="1"/>
+          </p:cNvSpPr>
+          <p:nvPr>
+            <p:ph idx="1"/>
+          </p:nvPr>
+        </p:nvSpPr>
+        <p:spPr/>
+        <p:txBody>
+          <a:bodyPr>
+            <a:normAutofit lnSpcReduction="10000"/>
           </a:bodyPr>
           <a:lstStyle/>
           <a:p>
+            <a:pPr marL="0" indent="0">
+              <a:buNone/>
+            </a:pPr>
+            <a:r>
+              <a:rPr lang="ko-KR" altLang="en-US" sz="3200" dirty="0"/>
+              <a:t>탐험을 활성화 시키기 위해</a:t>
+            </a:r>
+            <a:endParaRPr lang="en-US" altLang="ko-KR" sz="3200" dirty="0"/>
+          </a:p>
+          <a:p>
+            <a:r>
+              <a:rPr lang="ko-KR" altLang="en-US" dirty="0"/>
+              <a:t>자원의 </a:t>
+            </a:r>
             <a:r>
               <a:rPr lang="ko-KR" altLang="en-US" dirty="0" err="1"/>
-              <a:t>모딩</a:t>
+              <a:t>리스폰을</a:t>
             </a:r>
             <a:r>
               <a:rPr lang="ko-KR" altLang="en-US" dirty="0"/>
-              <a:t> 지원</a:t>
+              <a:t> 줄임</a:t>
             </a:r>
             <a:endParaRPr lang="en-US" altLang="ko-KR" dirty="0"/>
           </a:p>
           <a:p>
             <a:r>
               <a:rPr lang="ko-KR" altLang="en-US" dirty="0"/>
-              <a:t>방대한 오픈월드 세계관의 짧은 개발기간으로 인한 콘텐츠 부족을 보완</a:t>
+              <a:t>자원 배치의 불균형</a:t>
+            </a:r>
+            <a:endParaRPr lang="en-US" altLang="ko-KR" dirty="0"/>
+          </a:p>
+          <a:p>
+            <a:r>
+              <a:rPr lang="ko-KR" altLang="en-US" dirty="0"/>
+              <a:t>로딩 없는 이동</a:t>
+            </a:r>
+            <a:endParaRPr lang="en-US" altLang="ko-KR" dirty="0"/>
+          </a:p>
+          <a:p>
+            <a:pPr marL="0" indent="0">
+              <a:buNone/>
+            </a:pPr>
+            <a:endParaRPr lang="en-US" altLang="ko-KR" dirty="0"/>
+          </a:p>
+          <a:p>
+            <a:pPr marL="0" indent="0">
+              <a:buNone/>
+            </a:pPr>
+            <a:r>
+              <a:rPr lang="ko-KR" altLang="en-US" sz="3200" dirty="0"/>
+              <a:t>탐험의 방해 요소를 줄이기 위해</a:t>
+            </a:r>
+            <a:endParaRPr lang="en-US" altLang="ko-KR" sz="3200" dirty="0"/>
+          </a:p>
+          <a:p>
+            <a:r>
+              <a:rPr lang="ko-KR" altLang="en-US" dirty="0"/>
+              <a:t>기지 자체가 움직일 수 있음</a:t>
+            </a:r>
+            <a:endParaRPr lang="en-US" altLang="ko-KR" dirty="0"/>
+          </a:p>
+          <a:p>
+            <a:r>
+              <a:rPr lang="ko-KR" altLang="en-US" strike="sngStrike" dirty="0"/>
+              <a:t>캐릭터의 성장 요소가 없음</a:t>
+            </a:r>
+            <a:endParaRPr lang="en-US" altLang="ko-KR" strike="sngStrike" dirty="0"/>
+          </a:p>
+          <a:p>
+            <a:r>
+              <a:rPr lang="ko-KR" altLang="en-US" dirty="0"/>
+              <a:t>사망 시 아이템 드랍</a:t>
             </a:r>
           </a:p>
         </p:txBody>
@@ -4469,7 +9224,141 @@
     </p:spTree>
     <p:extLst>
       <p:ext uri="{BB962C8B-B14F-4D97-AF65-F5344CB8AC3E}">
-        <p14:creationId xmlns:p14="http://schemas.microsoft.com/office/powerpoint/2010/main" val="3791435682"/>
+        <p14:creationId xmlns:p14="http://schemas.microsoft.com/office/powerpoint/2010/main" val="4223868642"/>
+      </p:ext>
+    </p:extLst>
+  </p:cSld>
+  <p:clrMapOvr>
+    <a:masterClrMapping/>
+  </p:clrMapOvr>
+</p:sld>
+</file>
+
+<file path=ppt/slides/slide9.xml><?xml version="1.0" encoding="utf-8"?>
+<p:sld xmlns:a="http://schemas.openxmlformats.org/drawingml/2006/main" xmlns:r="http://schemas.openxmlformats.org/officeDocument/2006/relationships" xmlns:p="http://schemas.openxmlformats.org/presentationml/2006/main">
+  <p:cSld>
+    <p:spTree>
+      <p:nvGrpSpPr>
+        <p:cNvPr id="1" name=""/>
+        <p:cNvGrpSpPr/>
+        <p:nvPr/>
+      </p:nvGrpSpPr>
+      <p:grpSpPr>
+        <a:xfrm>
+          <a:off x="0" y="0"/>
+          <a:ext cx="0" cy="0"/>
+          <a:chOff x="0" y="0"/>
+          <a:chExt cx="0" cy="0"/>
+        </a:xfrm>
+      </p:grpSpPr>
+      <p:sp>
+        <p:nvSpPr>
+          <p:cNvPr id="2" name="제목 1">
+            <a:extLst>
+              <a:ext uri="{FF2B5EF4-FFF2-40B4-BE49-F238E27FC236}">
+                <a16:creationId xmlns:a16="http://schemas.microsoft.com/office/drawing/2014/main" id="{924EF430-66E2-8E4B-4E10-DE49098059BA}"/>
+              </a:ext>
+            </a:extLst>
+          </p:cNvPr>
+          <p:cNvSpPr>
+            <a:spLocks noGrp="1"/>
+          </p:cNvSpPr>
+          <p:nvPr>
+            <p:ph type="title"/>
+          </p:nvPr>
+        </p:nvSpPr>
+        <p:spPr/>
+        <p:txBody>
+          <a:bodyPr/>
+          <a:lstStyle/>
+          <a:p>
+            <a:r>
+              <a:rPr lang="ko-KR" altLang="en-US" dirty="0"/>
+              <a:t>협동</a:t>
+            </a:r>
+          </a:p>
+        </p:txBody>
+      </p:sp>
+      <p:sp>
+        <p:nvSpPr>
+          <p:cNvPr id="3" name="내용 개체 틀 2">
+            <a:extLst>
+              <a:ext uri="{FF2B5EF4-FFF2-40B4-BE49-F238E27FC236}">
+                <a16:creationId xmlns:a16="http://schemas.microsoft.com/office/drawing/2014/main" id="{09377AA8-3DA7-3735-39FD-A3D303C4CCBF}"/>
+              </a:ext>
+            </a:extLst>
+          </p:cNvPr>
+          <p:cNvSpPr>
+            <a:spLocks noGrp="1"/>
+          </p:cNvSpPr>
+          <p:nvPr>
+            <p:ph idx="1"/>
+          </p:nvPr>
+        </p:nvSpPr>
+        <p:spPr/>
+        <p:txBody>
+          <a:bodyPr>
+            <a:normAutofit/>
+          </a:bodyPr>
+          <a:lstStyle/>
+          <a:p>
+            <a:pPr marL="0" indent="0">
+              <a:buNone/>
+            </a:pPr>
+            <a:r>
+              <a:rPr lang="ko-KR" altLang="en-US" dirty="0"/>
+              <a:t>협동을 </a:t>
+            </a:r>
+            <a:r>
+              <a:rPr lang="ko-KR" altLang="en-US" dirty="0" err="1"/>
+              <a:t>강화시키기</a:t>
+            </a:r>
+            <a:r>
+              <a:rPr lang="ko-KR" altLang="en-US" dirty="0"/>
+              <a:t> 위해</a:t>
+            </a:r>
+            <a:endParaRPr lang="en-US" altLang="ko-KR" dirty="0"/>
+          </a:p>
+          <a:p>
+            <a:pPr marL="0" indent="0">
+              <a:buNone/>
+            </a:pPr>
+            <a:r>
+              <a:rPr lang="ko-KR" altLang="en-US" dirty="0"/>
+              <a:t>탈것에서 할 수 있는 다양한 기능을 분리</a:t>
+            </a:r>
+            <a:endParaRPr lang="en-US" altLang="ko-KR" dirty="0"/>
+          </a:p>
+          <a:p>
+            <a:pPr marL="0" indent="0">
+              <a:buNone/>
+            </a:pPr>
+            <a:endParaRPr lang="en-US" altLang="ko-KR" dirty="0"/>
+          </a:p>
+          <a:p>
+            <a:pPr marL="0" indent="0">
+              <a:buNone/>
+            </a:pPr>
+            <a:endParaRPr lang="en-US" altLang="ko-KR" dirty="0"/>
+          </a:p>
+          <a:p>
+            <a:pPr marL="0" indent="0">
+              <a:buNone/>
+            </a:pPr>
+            <a:endParaRPr lang="en-US" altLang="ko-KR" dirty="0"/>
+          </a:p>
+          <a:p>
+            <a:pPr marL="0" indent="0">
+              <a:buNone/>
+            </a:pPr>
+            <a:endParaRPr lang="en-US" altLang="ko-KR" dirty="0"/>
+          </a:p>
+        </p:txBody>
+      </p:sp>
+    </p:spTree>
+    <p:extLst>
+      <p:ext uri="{BB962C8B-B14F-4D97-AF65-F5344CB8AC3E}">
+        <p14:creationId xmlns:p14="http://schemas.microsoft.com/office/powerpoint/2010/main" val="4162069225"/>
       </p:ext>
     </p:extLst>
   </p:cSld>
